--- a/docs/useCaseTemplate/UseCase 19_SwitchUtente_Proprietrio.pptx
+++ b/docs/useCaseTemplate/UseCase 19_SwitchUtente_Proprietrio.pptx
@@ -260,7 +260,7 @@
       </p15:sldGuideLst>
     </p:ext>
     <p:ext uri="http://customooxmlschemas.google.com/">
-      <go:slidesCustomData xmlns:go="http://customooxmlschemas.google.com/" r:id="rId11" roundtripDataSignature="AMtx7mjQ56POt7wnvYWjoAWuwX3RS3fp/w=="/>
+      <go:slidesCustomData xmlns:go="http://customooxmlschemas.google.com/" r:id="rId11" roundtripDataSignature="AMtx7mj4qN5NZY4UuAAA9q2OnyBmyynOhg=="/>
     </p:ext>
   </p:extLst>
 </p:presentation>
@@ -354,104 +354,239 @@
             <a:noAutofit/>
           </a:bodyPr>
           <a:lstStyle>
-            <a:lvl1pPr indent="-298450" lvl="0" marL="457200">
-              <a:spcBef>
-                <a:spcPts val="0"/>
-              </a:spcBef>
-              <a:spcAft>
-                <a:spcPts val="0"/>
-              </a:spcAft>
+            <a:lvl1pPr indent="-298450" lvl="0" marL="457200" marR="0" rtl="0" algn="l">
+              <a:lnSpc>
+                <a:spcPct val="100000"/>
+              </a:lnSpc>
+              <a:spcBef>
+                <a:spcPts val="0"/>
+              </a:spcBef>
+              <a:spcAft>
+                <a:spcPts val="0"/>
+              </a:spcAft>
+              <a:buClr>
+                <a:srgbClr val="000000"/>
+              </a:buClr>
               <a:buSzPts val="1100"/>
+              <a:buFont typeface="Arial"/>
               <a:buChar char="●"/>
-              <a:defRPr sz="1100"/>
+              <a:defRPr b="0" i="0" sz="1100" u="none" cap="none" strike="noStrike">
+                <a:solidFill>
+                  <a:srgbClr val="000000"/>
+                </a:solidFill>
+                <a:latin typeface="Arial"/>
+                <a:ea typeface="Arial"/>
+                <a:cs typeface="Arial"/>
+                <a:sym typeface="Arial"/>
+              </a:defRPr>
             </a:lvl1pPr>
-            <a:lvl2pPr indent="-298450" lvl="1" marL="914400">
-              <a:spcBef>
-                <a:spcPts val="0"/>
-              </a:spcBef>
-              <a:spcAft>
-                <a:spcPts val="0"/>
-              </a:spcAft>
+            <a:lvl2pPr indent="-298450" lvl="1" marL="914400" marR="0" rtl="0" algn="l">
+              <a:lnSpc>
+                <a:spcPct val="100000"/>
+              </a:lnSpc>
+              <a:spcBef>
+                <a:spcPts val="0"/>
+              </a:spcBef>
+              <a:spcAft>
+                <a:spcPts val="0"/>
+              </a:spcAft>
+              <a:buClr>
+                <a:srgbClr val="000000"/>
+              </a:buClr>
               <a:buSzPts val="1100"/>
+              <a:buFont typeface="Arial"/>
               <a:buChar char="○"/>
-              <a:defRPr sz="1100"/>
+              <a:defRPr b="0" i="0" sz="1100" u="none" cap="none" strike="noStrike">
+                <a:solidFill>
+                  <a:srgbClr val="000000"/>
+                </a:solidFill>
+                <a:latin typeface="Arial"/>
+                <a:ea typeface="Arial"/>
+                <a:cs typeface="Arial"/>
+                <a:sym typeface="Arial"/>
+              </a:defRPr>
             </a:lvl2pPr>
-            <a:lvl3pPr indent="-298450" lvl="2" marL="1371600">
-              <a:spcBef>
-                <a:spcPts val="0"/>
-              </a:spcBef>
-              <a:spcAft>
-                <a:spcPts val="0"/>
-              </a:spcAft>
+            <a:lvl3pPr indent="-298450" lvl="2" marL="1371600" marR="0" rtl="0" algn="l">
+              <a:lnSpc>
+                <a:spcPct val="100000"/>
+              </a:lnSpc>
+              <a:spcBef>
+                <a:spcPts val="0"/>
+              </a:spcBef>
+              <a:spcAft>
+                <a:spcPts val="0"/>
+              </a:spcAft>
+              <a:buClr>
+                <a:srgbClr val="000000"/>
+              </a:buClr>
               <a:buSzPts val="1100"/>
+              <a:buFont typeface="Arial"/>
               <a:buChar char="■"/>
-              <a:defRPr sz="1100"/>
+              <a:defRPr b="0" i="0" sz="1100" u="none" cap="none" strike="noStrike">
+                <a:solidFill>
+                  <a:srgbClr val="000000"/>
+                </a:solidFill>
+                <a:latin typeface="Arial"/>
+                <a:ea typeface="Arial"/>
+                <a:cs typeface="Arial"/>
+                <a:sym typeface="Arial"/>
+              </a:defRPr>
             </a:lvl3pPr>
-            <a:lvl4pPr indent="-298450" lvl="3" marL="1828800">
-              <a:spcBef>
-                <a:spcPts val="0"/>
-              </a:spcBef>
-              <a:spcAft>
-                <a:spcPts val="0"/>
-              </a:spcAft>
+            <a:lvl4pPr indent="-298450" lvl="3" marL="1828800" marR="0" rtl="0" algn="l">
+              <a:lnSpc>
+                <a:spcPct val="100000"/>
+              </a:lnSpc>
+              <a:spcBef>
+                <a:spcPts val="0"/>
+              </a:spcBef>
+              <a:spcAft>
+                <a:spcPts val="0"/>
+              </a:spcAft>
+              <a:buClr>
+                <a:srgbClr val="000000"/>
+              </a:buClr>
               <a:buSzPts val="1100"/>
+              <a:buFont typeface="Arial"/>
               <a:buChar char="●"/>
-              <a:defRPr sz="1100"/>
+              <a:defRPr b="0" i="0" sz="1100" u="none" cap="none" strike="noStrike">
+                <a:solidFill>
+                  <a:srgbClr val="000000"/>
+                </a:solidFill>
+                <a:latin typeface="Arial"/>
+                <a:ea typeface="Arial"/>
+                <a:cs typeface="Arial"/>
+                <a:sym typeface="Arial"/>
+              </a:defRPr>
             </a:lvl4pPr>
-            <a:lvl5pPr indent="-298450" lvl="4" marL="2286000">
-              <a:spcBef>
-                <a:spcPts val="0"/>
-              </a:spcBef>
-              <a:spcAft>
-                <a:spcPts val="0"/>
-              </a:spcAft>
+            <a:lvl5pPr indent="-298450" lvl="4" marL="2286000" marR="0" rtl="0" algn="l">
+              <a:lnSpc>
+                <a:spcPct val="100000"/>
+              </a:lnSpc>
+              <a:spcBef>
+                <a:spcPts val="0"/>
+              </a:spcBef>
+              <a:spcAft>
+                <a:spcPts val="0"/>
+              </a:spcAft>
+              <a:buClr>
+                <a:srgbClr val="000000"/>
+              </a:buClr>
               <a:buSzPts val="1100"/>
+              <a:buFont typeface="Arial"/>
               <a:buChar char="○"/>
-              <a:defRPr sz="1100"/>
+              <a:defRPr b="0" i="0" sz="1100" u="none" cap="none" strike="noStrike">
+                <a:solidFill>
+                  <a:srgbClr val="000000"/>
+                </a:solidFill>
+                <a:latin typeface="Arial"/>
+                <a:ea typeface="Arial"/>
+                <a:cs typeface="Arial"/>
+                <a:sym typeface="Arial"/>
+              </a:defRPr>
             </a:lvl5pPr>
-            <a:lvl6pPr indent="-298450" lvl="5" marL="2743200">
-              <a:spcBef>
-                <a:spcPts val="0"/>
-              </a:spcBef>
-              <a:spcAft>
-                <a:spcPts val="0"/>
-              </a:spcAft>
+            <a:lvl6pPr indent="-298450" lvl="5" marL="2743200" marR="0" rtl="0" algn="l">
+              <a:lnSpc>
+                <a:spcPct val="100000"/>
+              </a:lnSpc>
+              <a:spcBef>
+                <a:spcPts val="0"/>
+              </a:spcBef>
+              <a:spcAft>
+                <a:spcPts val="0"/>
+              </a:spcAft>
+              <a:buClr>
+                <a:srgbClr val="000000"/>
+              </a:buClr>
               <a:buSzPts val="1100"/>
+              <a:buFont typeface="Arial"/>
               <a:buChar char="■"/>
-              <a:defRPr sz="1100"/>
+              <a:defRPr b="0" i="0" sz="1100" u="none" cap="none" strike="noStrike">
+                <a:solidFill>
+                  <a:srgbClr val="000000"/>
+                </a:solidFill>
+                <a:latin typeface="Arial"/>
+                <a:ea typeface="Arial"/>
+                <a:cs typeface="Arial"/>
+                <a:sym typeface="Arial"/>
+              </a:defRPr>
             </a:lvl6pPr>
-            <a:lvl7pPr indent="-298450" lvl="6" marL="3200400">
-              <a:spcBef>
-                <a:spcPts val="0"/>
-              </a:spcBef>
-              <a:spcAft>
-                <a:spcPts val="0"/>
-              </a:spcAft>
+            <a:lvl7pPr indent="-298450" lvl="6" marL="3200400" marR="0" rtl="0" algn="l">
+              <a:lnSpc>
+                <a:spcPct val="100000"/>
+              </a:lnSpc>
+              <a:spcBef>
+                <a:spcPts val="0"/>
+              </a:spcBef>
+              <a:spcAft>
+                <a:spcPts val="0"/>
+              </a:spcAft>
+              <a:buClr>
+                <a:srgbClr val="000000"/>
+              </a:buClr>
               <a:buSzPts val="1100"/>
+              <a:buFont typeface="Arial"/>
               <a:buChar char="●"/>
-              <a:defRPr sz="1100"/>
+              <a:defRPr b="0" i="0" sz="1100" u="none" cap="none" strike="noStrike">
+                <a:solidFill>
+                  <a:srgbClr val="000000"/>
+                </a:solidFill>
+                <a:latin typeface="Arial"/>
+                <a:ea typeface="Arial"/>
+                <a:cs typeface="Arial"/>
+                <a:sym typeface="Arial"/>
+              </a:defRPr>
             </a:lvl7pPr>
-            <a:lvl8pPr indent="-298450" lvl="7" marL="3657600">
-              <a:spcBef>
-                <a:spcPts val="0"/>
-              </a:spcBef>
-              <a:spcAft>
-                <a:spcPts val="0"/>
-              </a:spcAft>
+            <a:lvl8pPr indent="-298450" lvl="7" marL="3657600" marR="0" rtl="0" algn="l">
+              <a:lnSpc>
+                <a:spcPct val="100000"/>
+              </a:lnSpc>
+              <a:spcBef>
+                <a:spcPts val="0"/>
+              </a:spcBef>
+              <a:spcAft>
+                <a:spcPts val="0"/>
+              </a:spcAft>
+              <a:buClr>
+                <a:srgbClr val="000000"/>
+              </a:buClr>
               <a:buSzPts val="1100"/>
+              <a:buFont typeface="Arial"/>
               <a:buChar char="○"/>
-              <a:defRPr sz="1100"/>
+              <a:defRPr b="0" i="0" sz="1100" u="none" cap="none" strike="noStrike">
+                <a:solidFill>
+                  <a:srgbClr val="000000"/>
+                </a:solidFill>
+                <a:latin typeface="Arial"/>
+                <a:ea typeface="Arial"/>
+                <a:cs typeface="Arial"/>
+                <a:sym typeface="Arial"/>
+              </a:defRPr>
             </a:lvl8pPr>
-            <a:lvl9pPr indent="-298450" lvl="8" marL="4114800">
-              <a:spcBef>
-                <a:spcPts val="0"/>
-              </a:spcBef>
-              <a:spcAft>
-                <a:spcPts val="0"/>
-              </a:spcAft>
+            <a:lvl9pPr indent="-298450" lvl="8" marL="4114800" marR="0" rtl="0" algn="l">
+              <a:lnSpc>
+                <a:spcPct val="100000"/>
+              </a:lnSpc>
+              <a:spcBef>
+                <a:spcPts val="0"/>
+              </a:spcBef>
+              <a:spcAft>
+                <a:spcPts val="0"/>
+              </a:spcAft>
+              <a:buClr>
+                <a:srgbClr val="000000"/>
+              </a:buClr>
               <a:buSzPts val="1100"/>
+              <a:buFont typeface="Arial"/>
               <a:buChar char="■"/>
-              <a:defRPr sz="1100"/>
+              <a:defRPr b="0" i="0" sz="1100" u="none" cap="none" strike="noStrike">
+                <a:solidFill>
+                  <a:srgbClr val="000000"/>
+                </a:solidFill>
+                <a:latin typeface="Arial"/>
+                <a:ea typeface="Arial"/>
+                <a:cs typeface="Arial"/>
+                <a:sym typeface="Arial"/>
+              </a:defRPr>
             </a:lvl9pPr>
           </a:lstStyle>
           <a:p/>
@@ -725,6 +860,10 @@
           <a:prstGeom prst="rect">
             <a:avLst/>
           </a:prstGeom>
+          <a:noFill/>
+          <a:ln>
+            <a:noFill/>
+          </a:ln>
         </p:spPr>
         <p:txBody>
           <a:bodyPr anchorCtr="0" anchor="t" bIns="91425" lIns="91425" spcFirstLastPara="1" rIns="91425" wrap="square" tIns="91425">
@@ -733,12 +872,16 @@
           <a:lstStyle/>
           <a:p>
             <a:pPr indent="0" lvl="0" marL="0" rtl="0" algn="l">
-              <a:spcBef>
-                <a:spcPts val="0"/>
-              </a:spcBef>
-              <a:spcAft>
-                <a:spcPts val="0"/>
-              </a:spcAft>
+              <a:lnSpc>
+                <a:spcPct val="100000"/>
+              </a:lnSpc>
+              <a:spcBef>
+                <a:spcPts val="0"/>
+              </a:spcBef>
+              <a:spcAft>
+                <a:spcPts val="0"/>
+              </a:spcAft>
+              <a:buSzPts val="1100"/>
               <a:buNone/>
             </a:pPr>
             <a:r>
@@ -781,6 +924,16 @@
               </a:path>
             </a:pathLst>
           </a:custGeom>
+          <a:noFill/>
+          <a:ln cap="flat" cmpd="sng" w="9525">
+            <a:solidFill>
+              <a:srgbClr val="000000"/>
+            </a:solidFill>
+            <a:prstDash val="solid"/>
+            <a:round/>
+            <a:headEnd len="sm" w="sm" type="none"/>
+            <a:tailEnd len="sm" w="sm" type="none"/>
+          </a:ln>
         </p:spPr>
       </p:sp>
     </p:spTree>
@@ -824,6 +977,10 @@
           <a:prstGeom prst="rect">
             <a:avLst/>
           </a:prstGeom>
+          <a:noFill/>
+          <a:ln>
+            <a:noFill/>
+          </a:ln>
         </p:spPr>
         <p:txBody>
           <a:bodyPr anchorCtr="0" anchor="t" bIns="91425" lIns="91425" spcFirstLastPara="1" rIns="91425" wrap="square" tIns="91425">
@@ -832,12 +989,16 @@
           <a:lstStyle/>
           <a:p>
             <a:pPr indent="0" lvl="0" marL="0" rtl="0" algn="l">
-              <a:spcBef>
-                <a:spcPts val="0"/>
-              </a:spcBef>
-              <a:spcAft>
-                <a:spcPts val="0"/>
-              </a:spcAft>
+              <a:lnSpc>
+                <a:spcPct val="100000"/>
+              </a:lnSpc>
+              <a:spcBef>
+                <a:spcPts val="0"/>
+              </a:spcBef>
+              <a:spcAft>
+                <a:spcPts val="0"/>
+              </a:spcAft>
+              <a:buSzPts val="1100"/>
               <a:buNone/>
             </a:pPr>
             <a:r>
@@ -880,6 +1041,16 @@
               </a:path>
             </a:pathLst>
           </a:custGeom>
+          <a:noFill/>
+          <a:ln cap="flat" cmpd="sng" w="9525">
+            <a:solidFill>
+              <a:srgbClr val="000000"/>
+            </a:solidFill>
+            <a:prstDash val="solid"/>
+            <a:round/>
+            <a:headEnd len="sm" w="sm" type="none"/>
+            <a:tailEnd len="sm" w="sm" type="none"/>
+          </a:ln>
         </p:spPr>
       </p:sp>
     </p:spTree>
@@ -923,6 +1094,10 @@
           <a:prstGeom prst="rect">
             <a:avLst/>
           </a:prstGeom>
+          <a:noFill/>
+          <a:ln>
+            <a:noFill/>
+          </a:ln>
         </p:spPr>
         <p:txBody>
           <a:bodyPr anchorCtr="0" anchor="t" bIns="91425" lIns="91425" spcFirstLastPara="1" rIns="91425" wrap="square" tIns="91425">
@@ -931,12 +1106,16 @@
           <a:lstStyle/>
           <a:p>
             <a:pPr indent="0" lvl="0" marL="0" rtl="0" algn="l">
-              <a:spcBef>
-                <a:spcPts val="0"/>
-              </a:spcBef>
-              <a:spcAft>
-                <a:spcPts val="0"/>
-              </a:spcAft>
+              <a:lnSpc>
+                <a:spcPct val="100000"/>
+              </a:lnSpc>
+              <a:spcBef>
+                <a:spcPts val="0"/>
+              </a:spcBef>
+              <a:spcAft>
+                <a:spcPts val="0"/>
+              </a:spcAft>
+              <a:buSzPts val="1100"/>
               <a:buNone/>
             </a:pPr>
             <a:r>
@@ -979,6 +1158,16 @@
               </a:path>
             </a:pathLst>
           </a:custGeom>
+          <a:noFill/>
+          <a:ln cap="flat" cmpd="sng" w="9525">
+            <a:solidFill>
+              <a:srgbClr val="000000"/>
+            </a:solidFill>
+            <a:prstDash val="solid"/>
+            <a:round/>
+            <a:headEnd len="sm" w="sm" type="none"/>
+            <a:tailEnd len="sm" w="sm" type="none"/>
+          </a:ln>
         </p:spPr>
       </p:sp>
     </p:spTree>
@@ -1022,6 +1211,10 @@
           <a:prstGeom prst="rect">
             <a:avLst/>
           </a:prstGeom>
+          <a:noFill/>
+          <a:ln>
+            <a:noFill/>
+          </a:ln>
         </p:spPr>
         <p:txBody>
           <a:bodyPr anchorCtr="0" anchor="t" bIns="91425" lIns="91425" spcFirstLastPara="1" rIns="91425" wrap="square" tIns="91425">
@@ -1030,12 +1223,16 @@
           <a:lstStyle/>
           <a:p>
             <a:pPr indent="0" lvl="0" marL="0" rtl="0" algn="l">
-              <a:spcBef>
-                <a:spcPts val="0"/>
-              </a:spcBef>
-              <a:spcAft>
-                <a:spcPts val="0"/>
-              </a:spcAft>
+              <a:lnSpc>
+                <a:spcPct val="100000"/>
+              </a:lnSpc>
+              <a:spcBef>
+                <a:spcPts val="0"/>
+              </a:spcBef>
+              <a:spcAft>
+                <a:spcPts val="0"/>
+              </a:spcAft>
+              <a:buSzPts val="1100"/>
               <a:buNone/>
             </a:pPr>
             <a:r>
@@ -1078,6 +1275,16 @@
               </a:path>
             </a:pathLst>
           </a:custGeom>
+          <a:noFill/>
+          <a:ln cap="flat" cmpd="sng" w="9525">
+            <a:solidFill>
+              <a:srgbClr val="000000"/>
+            </a:solidFill>
+            <a:prstDash val="solid"/>
+            <a:round/>
+            <a:headEnd len="sm" w="sm" type="none"/>
+            <a:tailEnd len="sm" w="sm" type="none"/>
+          </a:ln>
         </p:spPr>
       </p:sp>
     </p:spTree>
@@ -1149,7 +1356,10 @@
               <a:buNone/>
               <a:defRPr sz="6000"/>
             </a:lvl1pPr>
-            <a:lvl2pPr lvl="1">
+            <a:lvl2pPr lvl="1" algn="l">
+              <a:lnSpc>
+                <a:spcPct val="100000"/>
+              </a:lnSpc>
               <a:spcBef>
                 <a:spcPts val="0"/>
               </a:spcBef>
@@ -1160,7 +1370,10 @@
               <a:buNone/>
               <a:defRPr/>
             </a:lvl2pPr>
-            <a:lvl3pPr lvl="2">
+            <a:lvl3pPr lvl="2" algn="l">
+              <a:lnSpc>
+                <a:spcPct val="100000"/>
+              </a:lnSpc>
               <a:spcBef>
                 <a:spcPts val="0"/>
               </a:spcBef>
@@ -1171,7 +1384,10 @@
               <a:buNone/>
               <a:defRPr/>
             </a:lvl3pPr>
-            <a:lvl4pPr lvl="3">
+            <a:lvl4pPr lvl="3" algn="l">
+              <a:lnSpc>
+                <a:spcPct val="100000"/>
+              </a:lnSpc>
               <a:spcBef>
                 <a:spcPts val="0"/>
               </a:spcBef>
@@ -1182,7 +1398,10 @@
               <a:buNone/>
               <a:defRPr/>
             </a:lvl4pPr>
-            <a:lvl5pPr lvl="4">
+            <a:lvl5pPr lvl="4" algn="l">
+              <a:lnSpc>
+                <a:spcPct val="100000"/>
+              </a:lnSpc>
               <a:spcBef>
                 <a:spcPts val="0"/>
               </a:spcBef>
@@ -1193,7 +1412,10 @@
               <a:buNone/>
               <a:defRPr/>
             </a:lvl5pPr>
-            <a:lvl6pPr lvl="5">
+            <a:lvl6pPr lvl="5" algn="l">
+              <a:lnSpc>
+                <a:spcPct val="100000"/>
+              </a:lnSpc>
               <a:spcBef>
                 <a:spcPts val="0"/>
               </a:spcBef>
@@ -1204,7 +1426,10 @@
               <a:buNone/>
               <a:defRPr/>
             </a:lvl6pPr>
-            <a:lvl7pPr lvl="6">
+            <a:lvl7pPr lvl="6" algn="l">
+              <a:lnSpc>
+                <a:spcPct val="100000"/>
+              </a:lnSpc>
               <a:spcBef>
                 <a:spcPts val="0"/>
               </a:spcBef>
@@ -1215,7 +1440,10 @@
               <a:buNone/>
               <a:defRPr/>
             </a:lvl7pPr>
-            <a:lvl8pPr lvl="7">
+            <a:lvl8pPr lvl="7" algn="l">
+              <a:lnSpc>
+                <a:spcPct val="100000"/>
+              </a:lnSpc>
               <a:spcBef>
                 <a:spcPts val="0"/>
               </a:spcBef>
@@ -1226,7 +1454,10 @@
               <a:buNone/>
               <a:defRPr/>
             </a:lvl8pPr>
-            <a:lvl9pPr lvl="8">
+            <a:lvl9pPr lvl="8" algn="l">
+              <a:lnSpc>
+                <a:spcPct val="100000"/>
+              </a:lnSpc>
               <a:spcBef>
                 <a:spcPts val="0"/>
               </a:spcBef>
@@ -1451,6 +1682,9 @@
           </a:bodyPr>
           <a:lstStyle>
             <a:lvl1pPr lvl="0" algn="l">
+              <a:lnSpc>
+                <a:spcPct val="100000"/>
+              </a:lnSpc>
               <a:spcBef>
                 <a:spcPts val="0"/>
               </a:spcBef>
@@ -1462,6 +1696,9 @@
               <a:defRPr/>
             </a:lvl1pPr>
             <a:lvl2pPr lvl="1" algn="l">
+              <a:lnSpc>
+                <a:spcPct val="100000"/>
+              </a:lnSpc>
               <a:spcBef>
                 <a:spcPts val="0"/>
               </a:spcBef>
@@ -1473,6 +1710,9 @@
               <a:defRPr/>
             </a:lvl2pPr>
             <a:lvl3pPr lvl="2" algn="l">
+              <a:lnSpc>
+                <a:spcPct val="100000"/>
+              </a:lnSpc>
               <a:spcBef>
                 <a:spcPts val="0"/>
               </a:spcBef>
@@ -1484,6 +1724,9 @@
               <a:defRPr/>
             </a:lvl3pPr>
             <a:lvl4pPr lvl="3" algn="l">
+              <a:lnSpc>
+                <a:spcPct val="100000"/>
+              </a:lnSpc>
               <a:spcBef>
                 <a:spcPts val="0"/>
               </a:spcBef>
@@ -1495,6 +1738,9 @@
               <a:defRPr/>
             </a:lvl4pPr>
             <a:lvl5pPr lvl="4" algn="l">
+              <a:lnSpc>
+                <a:spcPct val="100000"/>
+              </a:lnSpc>
               <a:spcBef>
                 <a:spcPts val="0"/>
               </a:spcBef>
@@ -1506,6 +1752,9 @@
               <a:defRPr/>
             </a:lvl5pPr>
             <a:lvl6pPr lvl="5" algn="l">
+              <a:lnSpc>
+                <a:spcPct val="100000"/>
+              </a:lnSpc>
               <a:spcBef>
                 <a:spcPts val="0"/>
               </a:spcBef>
@@ -1517,6 +1766,9 @@
               <a:defRPr/>
             </a:lvl6pPr>
             <a:lvl7pPr lvl="6" algn="l">
+              <a:lnSpc>
+                <a:spcPct val="100000"/>
+              </a:lnSpc>
               <a:spcBef>
                 <a:spcPts val="0"/>
               </a:spcBef>
@@ -1528,6 +1780,9 @@
               <a:defRPr/>
             </a:lvl7pPr>
             <a:lvl8pPr lvl="7" algn="l">
+              <a:lnSpc>
+                <a:spcPct val="100000"/>
+              </a:lnSpc>
               <a:spcBef>
                 <a:spcPts val="0"/>
               </a:spcBef>
@@ -1539,6 +1794,9 @@
               <a:defRPr/>
             </a:lvl8pPr>
             <a:lvl9pPr lvl="8" algn="l">
+              <a:lnSpc>
+                <a:spcPct val="100000"/>
+              </a:lnSpc>
               <a:spcBef>
                 <a:spcPts val="0"/>
               </a:spcBef>
@@ -1580,6 +1838,9 @@
           </a:bodyPr>
           <a:lstStyle>
             <a:lvl1pPr lvl="0" algn="ctr">
+              <a:lnSpc>
+                <a:spcPct val="100000"/>
+              </a:lnSpc>
               <a:spcBef>
                 <a:spcPts val="0"/>
               </a:spcBef>
@@ -1591,6 +1852,9 @@
               <a:defRPr/>
             </a:lvl1pPr>
             <a:lvl2pPr lvl="1" algn="l">
+              <a:lnSpc>
+                <a:spcPct val="100000"/>
+              </a:lnSpc>
               <a:spcBef>
                 <a:spcPts val="0"/>
               </a:spcBef>
@@ -1602,6 +1866,9 @@
               <a:defRPr/>
             </a:lvl2pPr>
             <a:lvl3pPr lvl="2" algn="l">
+              <a:lnSpc>
+                <a:spcPct val="100000"/>
+              </a:lnSpc>
               <a:spcBef>
                 <a:spcPts val="0"/>
               </a:spcBef>
@@ -1613,6 +1880,9 @@
               <a:defRPr/>
             </a:lvl3pPr>
             <a:lvl4pPr lvl="3" algn="l">
+              <a:lnSpc>
+                <a:spcPct val="100000"/>
+              </a:lnSpc>
               <a:spcBef>
                 <a:spcPts val="0"/>
               </a:spcBef>
@@ -1624,6 +1894,9 @@
               <a:defRPr/>
             </a:lvl4pPr>
             <a:lvl5pPr lvl="4" algn="l">
+              <a:lnSpc>
+                <a:spcPct val="100000"/>
+              </a:lnSpc>
               <a:spcBef>
                 <a:spcPts val="0"/>
               </a:spcBef>
@@ -1635,6 +1908,9 @@
               <a:defRPr/>
             </a:lvl5pPr>
             <a:lvl6pPr lvl="5" algn="l">
+              <a:lnSpc>
+                <a:spcPct val="100000"/>
+              </a:lnSpc>
               <a:spcBef>
                 <a:spcPts val="0"/>
               </a:spcBef>
@@ -1646,6 +1922,9 @@
               <a:defRPr/>
             </a:lvl6pPr>
             <a:lvl7pPr lvl="6" algn="l">
+              <a:lnSpc>
+                <a:spcPct val="100000"/>
+              </a:lnSpc>
               <a:spcBef>
                 <a:spcPts val="0"/>
               </a:spcBef>
@@ -1657,6 +1936,9 @@
               <a:defRPr/>
             </a:lvl7pPr>
             <a:lvl8pPr lvl="7" algn="l">
+              <a:lnSpc>
+                <a:spcPct val="100000"/>
+              </a:lnSpc>
               <a:spcBef>
                 <a:spcPts val="0"/>
               </a:spcBef>
@@ -1668,6 +1950,9 @@
               <a:defRPr/>
             </a:lvl8pPr>
             <a:lvl9pPr lvl="8" algn="l">
+              <a:lnSpc>
+                <a:spcPct val="100000"/>
+              </a:lnSpc>
               <a:spcBef>
                 <a:spcPts val="0"/>
               </a:spcBef>
@@ -1708,68 +1993,239 @@
             <a:noAutofit/>
           </a:bodyPr>
           <a:lstStyle>
-            <a:lvl1pPr indent="0" lvl="0" marL="0" algn="r">
-              <a:spcBef>
-                <a:spcPts val="0"/>
-              </a:spcBef>
-              <a:buNone/>
-              <a:defRPr/>
+            <a:lvl1pPr indent="0" lvl="0" marL="0" marR="0" algn="r">
+              <a:lnSpc>
+                <a:spcPct val="100000"/>
+              </a:lnSpc>
+              <a:spcBef>
+                <a:spcPts val="0"/>
+              </a:spcBef>
+              <a:spcAft>
+                <a:spcPts val="0"/>
+              </a:spcAft>
+              <a:buClr>
+                <a:srgbClr val="000000"/>
+              </a:buClr>
+              <a:buSzPts val="1200"/>
+              <a:buFont typeface="Arial"/>
+              <a:buNone/>
+              <a:defRPr b="0" i="0" sz="1200" u="none" cap="none" strike="noStrike">
+                <a:solidFill>
+                  <a:srgbClr val="888888"/>
+                </a:solidFill>
+                <a:latin typeface="Calibri"/>
+                <a:ea typeface="Calibri"/>
+                <a:cs typeface="Calibri"/>
+                <a:sym typeface="Calibri"/>
+              </a:defRPr>
             </a:lvl1pPr>
-            <a:lvl2pPr indent="0" lvl="1" marL="0" algn="r">
-              <a:spcBef>
-                <a:spcPts val="0"/>
-              </a:spcBef>
-              <a:buNone/>
-              <a:defRPr/>
+            <a:lvl2pPr indent="0" lvl="1" marL="0" marR="0" algn="r">
+              <a:lnSpc>
+                <a:spcPct val="100000"/>
+              </a:lnSpc>
+              <a:spcBef>
+                <a:spcPts val="0"/>
+              </a:spcBef>
+              <a:spcAft>
+                <a:spcPts val="0"/>
+              </a:spcAft>
+              <a:buClr>
+                <a:srgbClr val="000000"/>
+              </a:buClr>
+              <a:buSzPts val="1200"/>
+              <a:buFont typeface="Arial"/>
+              <a:buNone/>
+              <a:defRPr b="0" i="0" sz="1200" u="none" cap="none" strike="noStrike">
+                <a:solidFill>
+                  <a:srgbClr val="888888"/>
+                </a:solidFill>
+                <a:latin typeface="Calibri"/>
+                <a:ea typeface="Calibri"/>
+                <a:cs typeface="Calibri"/>
+                <a:sym typeface="Calibri"/>
+              </a:defRPr>
             </a:lvl2pPr>
-            <a:lvl3pPr indent="0" lvl="2" marL="0" algn="r">
-              <a:spcBef>
-                <a:spcPts val="0"/>
-              </a:spcBef>
-              <a:buNone/>
-              <a:defRPr/>
+            <a:lvl3pPr indent="0" lvl="2" marL="0" marR="0" algn="r">
+              <a:lnSpc>
+                <a:spcPct val="100000"/>
+              </a:lnSpc>
+              <a:spcBef>
+                <a:spcPts val="0"/>
+              </a:spcBef>
+              <a:spcAft>
+                <a:spcPts val="0"/>
+              </a:spcAft>
+              <a:buClr>
+                <a:srgbClr val="000000"/>
+              </a:buClr>
+              <a:buSzPts val="1200"/>
+              <a:buFont typeface="Arial"/>
+              <a:buNone/>
+              <a:defRPr b="0" i="0" sz="1200" u="none" cap="none" strike="noStrike">
+                <a:solidFill>
+                  <a:srgbClr val="888888"/>
+                </a:solidFill>
+                <a:latin typeface="Calibri"/>
+                <a:ea typeface="Calibri"/>
+                <a:cs typeface="Calibri"/>
+                <a:sym typeface="Calibri"/>
+              </a:defRPr>
             </a:lvl3pPr>
-            <a:lvl4pPr indent="0" lvl="3" marL="0" algn="r">
-              <a:spcBef>
-                <a:spcPts val="0"/>
-              </a:spcBef>
-              <a:buNone/>
-              <a:defRPr/>
+            <a:lvl4pPr indent="0" lvl="3" marL="0" marR="0" algn="r">
+              <a:lnSpc>
+                <a:spcPct val="100000"/>
+              </a:lnSpc>
+              <a:spcBef>
+                <a:spcPts val="0"/>
+              </a:spcBef>
+              <a:spcAft>
+                <a:spcPts val="0"/>
+              </a:spcAft>
+              <a:buClr>
+                <a:srgbClr val="000000"/>
+              </a:buClr>
+              <a:buSzPts val="1200"/>
+              <a:buFont typeface="Arial"/>
+              <a:buNone/>
+              <a:defRPr b="0" i="0" sz="1200" u="none" cap="none" strike="noStrike">
+                <a:solidFill>
+                  <a:srgbClr val="888888"/>
+                </a:solidFill>
+                <a:latin typeface="Calibri"/>
+                <a:ea typeface="Calibri"/>
+                <a:cs typeface="Calibri"/>
+                <a:sym typeface="Calibri"/>
+              </a:defRPr>
             </a:lvl4pPr>
-            <a:lvl5pPr indent="0" lvl="4" marL="0" algn="r">
-              <a:spcBef>
-                <a:spcPts val="0"/>
-              </a:spcBef>
-              <a:buNone/>
-              <a:defRPr/>
+            <a:lvl5pPr indent="0" lvl="4" marL="0" marR="0" algn="r">
+              <a:lnSpc>
+                <a:spcPct val="100000"/>
+              </a:lnSpc>
+              <a:spcBef>
+                <a:spcPts val="0"/>
+              </a:spcBef>
+              <a:spcAft>
+                <a:spcPts val="0"/>
+              </a:spcAft>
+              <a:buClr>
+                <a:srgbClr val="000000"/>
+              </a:buClr>
+              <a:buSzPts val="1200"/>
+              <a:buFont typeface="Arial"/>
+              <a:buNone/>
+              <a:defRPr b="0" i="0" sz="1200" u="none" cap="none" strike="noStrike">
+                <a:solidFill>
+                  <a:srgbClr val="888888"/>
+                </a:solidFill>
+                <a:latin typeface="Calibri"/>
+                <a:ea typeface="Calibri"/>
+                <a:cs typeface="Calibri"/>
+                <a:sym typeface="Calibri"/>
+              </a:defRPr>
             </a:lvl5pPr>
-            <a:lvl6pPr indent="0" lvl="5" marL="0" algn="r">
-              <a:spcBef>
-                <a:spcPts val="0"/>
-              </a:spcBef>
-              <a:buNone/>
-              <a:defRPr/>
+            <a:lvl6pPr indent="0" lvl="5" marL="0" marR="0" algn="r">
+              <a:lnSpc>
+                <a:spcPct val="100000"/>
+              </a:lnSpc>
+              <a:spcBef>
+                <a:spcPts val="0"/>
+              </a:spcBef>
+              <a:spcAft>
+                <a:spcPts val="0"/>
+              </a:spcAft>
+              <a:buClr>
+                <a:srgbClr val="000000"/>
+              </a:buClr>
+              <a:buSzPts val="1200"/>
+              <a:buFont typeface="Arial"/>
+              <a:buNone/>
+              <a:defRPr b="0" i="0" sz="1200" u="none" cap="none" strike="noStrike">
+                <a:solidFill>
+                  <a:srgbClr val="888888"/>
+                </a:solidFill>
+                <a:latin typeface="Calibri"/>
+                <a:ea typeface="Calibri"/>
+                <a:cs typeface="Calibri"/>
+                <a:sym typeface="Calibri"/>
+              </a:defRPr>
             </a:lvl6pPr>
-            <a:lvl7pPr indent="0" lvl="6" marL="0" algn="r">
-              <a:spcBef>
-                <a:spcPts val="0"/>
-              </a:spcBef>
-              <a:buNone/>
-              <a:defRPr/>
+            <a:lvl7pPr indent="0" lvl="6" marL="0" marR="0" algn="r">
+              <a:lnSpc>
+                <a:spcPct val="100000"/>
+              </a:lnSpc>
+              <a:spcBef>
+                <a:spcPts val="0"/>
+              </a:spcBef>
+              <a:spcAft>
+                <a:spcPts val="0"/>
+              </a:spcAft>
+              <a:buClr>
+                <a:srgbClr val="000000"/>
+              </a:buClr>
+              <a:buSzPts val="1200"/>
+              <a:buFont typeface="Arial"/>
+              <a:buNone/>
+              <a:defRPr b="0" i="0" sz="1200" u="none" cap="none" strike="noStrike">
+                <a:solidFill>
+                  <a:srgbClr val="888888"/>
+                </a:solidFill>
+                <a:latin typeface="Calibri"/>
+                <a:ea typeface="Calibri"/>
+                <a:cs typeface="Calibri"/>
+                <a:sym typeface="Calibri"/>
+              </a:defRPr>
             </a:lvl7pPr>
-            <a:lvl8pPr indent="0" lvl="7" marL="0" algn="r">
-              <a:spcBef>
-                <a:spcPts val="0"/>
-              </a:spcBef>
-              <a:buNone/>
-              <a:defRPr/>
+            <a:lvl8pPr indent="0" lvl="7" marL="0" marR="0" algn="r">
+              <a:lnSpc>
+                <a:spcPct val="100000"/>
+              </a:lnSpc>
+              <a:spcBef>
+                <a:spcPts val="0"/>
+              </a:spcBef>
+              <a:spcAft>
+                <a:spcPts val="0"/>
+              </a:spcAft>
+              <a:buClr>
+                <a:srgbClr val="000000"/>
+              </a:buClr>
+              <a:buSzPts val="1200"/>
+              <a:buFont typeface="Arial"/>
+              <a:buNone/>
+              <a:defRPr b="0" i="0" sz="1200" u="none" cap="none" strike="noStrike">
+                <a:solidFill>
+                  <a:srgbClr val="888888"/>
+                </a:solidFill>
+                <a:latin typeface="Calibri"/>
+                <a:ea typeface="Calibri"/>
+                <a:cs typeface="Calibri"/>
+                <a:sym typeface="Calibri"/>
+              </a:defRPr>
             </a:lvl8pPr>
-            <a:lvl9pPr indent="0" lvl="8" marL="0" algn="r">
-              <a:spcBef>
-                <a:spcPts val="0"/>
-              </a:spcBef>
-              <a:buNone/>
-              <a:defRPr/>
+            <a:lvl9pPr indent="0" lvl="8" marL="0" marR="0" algn="r">
+              <a:lnSpc>
+                <a:spcPct val="100000"/>
+              </a:lnSpc>
+              <a:spcBef>
+                <a:spcPts val="0"/>
+              </a:spcBef>
+              <a:spcAft>
+                <a:spcPts val="0"/>
+              </a:spcAft>
+              <a:buClr>
+                <a:srgbClr val="000000"/>
+              </a:buClr>
+              <a:buSzPts val="1200"/>
+              <a:buFont typeface="Arial"/>
+              <a:buNone/>
+              <a:defRPr b="0" i="0" sz="1200" u="none" cap="none" strike="noStrike">
+                <a:solidFill>
+                  <a:srgbClr val="888888"/>
+                </a:solidFill>
+                <a:latin typeface="Calibri"/>
+                <a:ea typeface="Calibri"/>
+                <a:cs typeface="Calibri"/>
+                <a:sym typeface="Calibri"/>
+              </a:defRPr>
             </a:lvl9pPr>
           </a:lstStyle>
           <a:p>
@@ -1858,7 +2314,10 @@
               <a:buNone/>
               <a:defRPr/>
             </a:lvl1pPr>
-            <a:lvl2pPr lvl="1">
+            <a:lvl2pPr lvl="1" algn="l">
+              <a:lnSpc>
+                <a:spcPct val="100000"/>
+              </a:lnSpc>
               <a:spcBef>
                 <a:spcPts val="0"/>
               </a:spcBef>
@@ -1869,7 +2328,10 @@
               <a:buNone/>
               <a:defRPr/>
             </a:lvl2pPr>
-            <a:lvl3pPr lvl="2">
+            <a:lvl3pPr lvl="2" algn="l">
+              <a:lnSpc>
+                <a:spcPct val="100000"/>
+              </a:lnSpc>
               <a:spcBef>
                 <a:spcPts val="0"/>
               </a:spcBef>
@@ -1880,7 +2342,10 @@
               <a:buNone/>
               <a:defRPr/>
             </a:lvl3pPr>
-            <a:lvl4pPr lvl="3">
+            <a:lvl4pPr lvl="3" algn="l">
+              <a:lnSpc>
+                <a:spcPct val="100000"/>
+              </a:lnSpc>
               <a:spcBef>
                 <a:spcPts val="0"/>
               </a:spcBef>
@@ -1891,7 +2356,10 @@
               <a:buNone/>
               <a:defRPr/>
             </a:lvl4pPr>
-            <a:lvl5pPr lvl="4">
+            <a:lvl5pPr lvl="4" algn="l">
+              <a:lnSpc>
+                <a:spcPct val="100000"/>
+              </a:lnSpc>
               <a:spcBef>
                 <a:spcPts val="0"/>
               </a:spcBef>
@@ -1902,7 +2370,10 @@
               <a:buNone/>
               <a:defRPr/>
             </a:lvl5pPr>
-            <a:lvl6pPr lvl="5">
+            <a:lvl6pPr lvl="5" algn="l">
+              <a:lnSpc>
+                <a:spcPct val="100000"/>
+              </a:lnSpc>
               <a:spcBef>
                 <a:spcPts val="0"/>
               </a:spcBef>
@@ -1913,7 +2384,10 @@
               <a:buNone/>
               <a:defRPr/>
             </a:lvl6pPr>
-            <a:lvl7pPr lvl="6">
+            <a:lvl7pPr lvl="6" algn="l">
+              <a:lnSpc>
+                <a:spcPct val="100000"/>
+              </a:lnSpc>
               <a:spcBef>
                 <a:spcPts val="0"/>
               </a:spcBef>
@@ -1924,7 +2398,10 @@
               <a:buNone/>
               <a:defRPr/>
             </a:lvl7pPr>
-            <a:lvl8pPr lvl="7">
+            <a:lvl8pPr lvl="7" algn="l">
+              <a:lnSpc>
+                <a:spcPct val="100000"/>
+              </a:lnSpc>
               <a:spcBef>
                 <a:spcPts val="0"/>
               </a:spcBef>
@@ -1935,7 +2412,10 @@
               <a:buNone/>
               <a:defRPr/>
             </a:lvl8pPr>
-            <a:lvl9pPr lvl="8">
+            <a:lvl9pPr lvl="8" algn="l">
+              <a:lnSpc>
+                <a:spcPct val="100000"/>
+              </a:lnSpc>
               <a:spcBef>
                 <a:spcPts val="0"/>
               </a:spcBef>
@@ -2160,6 +2640,9 @@
           </a:bodyPr>
           <a:lstStyle>
             <a:lvl1pPr lvl="0" algn="l">
+              <a:lnSpc>
+                <a:spcPct val="100000"/>
+              </a:lnSpc>
               <a:spcBef>
                 <a:spcPts val="0"/>
               </a:spcBef>
@@ -2171,6 +2654,9 @@
               <a:defRPr/>
             </a:lvl1pPr>
             <a:lvl2pPr lvl="1" algn="l">
+              <a:lnSpc>
+                <a:spcPct val="100000"/>
+              </a:lnSpc>
               <a:spcBef>
                 <a:spcPts val="0"/>
               </a:spcBef>
@@ -2182,6 +2668,9 @@
               <a:defRPr/>
             </a:lvl2pPr>
             <a:lvl3pPr lvl="2" algn="l">
+              <a:lnSpc>
+                <a:spcPct val="100000"/>
+              </a:lnSpc>
               <a:spcBef>
                 <a:spcPts val="0"/>
               </a:spcBef>
@@ -2193,6 +2682,9 @@
               <a:defRPr/>
             </a:lvl3pPr>
             <a:lvl4pPr lvl="3" algn="l">
+              <a:lnSpc>
+                <a:spcPct val="100000"/>
+              </a:lnSpc>
               <a:spcBef>
                 <a:spcPts val="0"/>
               </a:spcBef>
@@ -2204,6 +2696,9 @@
               <a:defRPr/>
             </a:lvl4pPr>
             <a:lvl5pPr lvl="4" algn="l">
+              <a:lnSpc>
+                <a:spcPct val="100000"/>
+              </a:lnSpc>
               <a:spcBef>
                 <a:spcPts val="0"/>
               </a:spcBef>
@@ -2215,6 +2710,9 @@
               <a:defRPr/>
             </a:lvl5pPr>
             <a:lvl6pPr lvl="5" algn="l">
+              <a:lnSpc>
+                <a:spcPct val="100000"/>
+              </a:lnSpc>
               <a:spcBef>
                 <a:spcPts val="0"/>
               </a:spcBef>
@@ -2226,6 +2724,9 @@
               <a:defRPr/>
             </a:lvl6pPr>
             <a:lvl7pPr lvl="6" algn="l">
+              <a:lnSpc>
+                <a:spcPct val="100000"/>
+              </a:lnSpc>
               <a:spcBef>
                 <a:spcPts val="0"/>
               </a:spcBef>
@@ -2237,6 +2738,9 @@
               <a:defRPr/>
             </a:lvl7pPr>
             <a:lvl8pPr lvl="7" algn="l">
+              <a:lnSpc>
+                <a:spcPct val="100000"/>
+              </a:lnSpc>
               <a:spcBef>
                 <a:spcPts val="0"/>
               </a:spcBef>
@@ -2248,6 +2752,9 @@
               <a:defRPr/>
             </a:lvl8pPr>
             <a:lvl9pPr lvl="8" algn="l">
+              <a:lnSpc>
+                <a:spcPct val="100000"/>
+              </a:lnSpc>
               <a:spcBef>
                 <a:spcPts val="0"/>
               </a:spcBef>
@@ -2289,6 +2796,9 @@
           </a:bodyPr>
           <a:lstStyle>
             <a:lvl1pPr lvl="0" algn="ctr">
+              <a:lnSpc>
+                <a:spcPct val="100000"/>
+              </a:lnSpc>
               <a:spcBef>
                 <a:spcPts val="0"/>
               </a:spcBef>
@@ -2300,6 +2810,9 @@
               <a:defRPr/>
             </a:lvl1pPr>
             <a:lvl2pPr lvl="1" algn="l">
+              <a:lnSpc>
+                <a:spcPct val="100000"/>
+              </a:lnSpc>
               <a:spcBef>
                 <a:spcPts val="0"/>
               </a:spcBef>
@@ -2311,6 +2824,9 @@
               <a:defRPr/>
             </a:lvl2pPr>
             <a:lvl3pPr lvl="2" algn="l">
+              <a:lnSpc>
+                <a:spcPct val="100000"/>
+              </a:lnSpc>
               <a:spcBef>
                 <a:spcPts val="0"/>
               </a:spcBef>
@@ -2322,6 +2838,9 @@
               <a:defRPr/>
             </a:lvl3pPr>
             <a:lvl4pPr lvl="3" algn="l">
+              <a:lnSpc>
+                <a:spcPct val="100000"/>
+              </a:lnSpc>
               <a:spcBef>
                 <a:spcPts val="0"/>
               </a:spcBef>
@@ -2333,6 +2852,9 @@
               <a:defRPr/>
             </a:lvl4pPr>
             <a:lvl5pPr lvl="4" algn="l">
+              <a:lnSpc>
+                <a:spcPct val="100000"/>
+              </a:lnSpc>
               <a:spcBef>
                 <a:spcPts val="0"/>
               </a:spcBef>
@@ -2344,6 +2866,9 @@
               <a:defRPr/>
             </a:lvl5pPr>
             <a:lvl6pPr lvl="5" algn="l">
+              <a:lnSpc>
+                <a:spcPct val="100000"/>
+              </a:lnSpc>
               <a:spcBef>
                 <a:spcPts val="0"/>
               </a:spcBef>
@@ -2355,6 +2880,9 @@
               <a:defRPr/>
             </a:lvl6pPr>
             <a:lvl7pPr lvl="6" algn="l">
+              <a:lnSpc>
+                <a:spcPct val="100000"/>
+              </a:lnSpc>
               <a:spcBef>
                 <a:spcPts val="0"/>
               </a:spcBef>
@@ -2366,6 +2894,9 @@
               <a:defRPr/>
             </a:lvl7pPr>
             <a:lvl8pPr lvl="7" algn="l">
+              <a:lnSpc>
+                <a:spcPct val="100000"/>
+              </a:lnSpc>
               <a:spcBef>
                 <a:spcPts val="0"/>
               </a:spcBef>
@@ -2377,6 +2908,9 @@
               <a:defRPr/>
             </a:lvl8pPr>
             <a:lvl9pPr lvl="8" algn="l">
+              <a:lnSpc>
+                <a:spcPct val="100000"/>
+              </a:lnSpc>
               <a:spcBef>
                 <a:spcPts val="0"/>
               </a:spcBef>
@@ -2417,68 +2951,239 @@
             <a:noAutofit/>
           </a:bodyPr>
           <a:lstStyle>
-            <a:lvl1pPr indent="0" lvl="0" marL="0" algn="r">
-              <a:spcBef>
-                <a:spcPts val="0"/>
-              </a:spcBef>
-              <a:buNone/>
-              <a:defRPr/>
+            <a:lvl1pPr indent="0" lvl="0" marL="0" marR="0" algn="r">
+              <a:lnSpc>
+                <a:spcPct val="100000"/>
+              </a:lnSpc>
+              <a:spcBef>
+                <a:spcPts val="0"/>
+              </a:spcBef>
+              <a:spcAft>
+                <a:spcPts val="0"/>
+              </a:spcAft>
+              <a:buClr>
+                <a:srgbClr val="000000"/>
+              </a:buClr>
+              <a:buSzPts val="1200"/>
+              <a:buFont typeface="Arial"/>
+              <a:buNone/>
+              <a:defRPr b="0" i="0" sz="1200" u="none" cap="none" strike="noStrike">
+                <a:solidFill>
+                  <a:srgbClr val="888888"/>
+                </a:solidFill>
+                <a:latin typeface="Calibri"/>
+                <a:ea typeface="Calibri"/>
+                <a:cs typeface="Calibri"/>
+                <a:sym typeface="Calibri"/>
+              </a:defRPr>
             </a:lvl1pPr>
-            <a:lvl2pPr indent="0" lvl="1" marL="0" algn="r">
-              <a:spcBef>
-                <a:spcPts val="0"/>
-              </a:spcBef>
-              <a:buNone/>
-              <a:defRPr/>
+            <a:lvl2pPr indent="0" lvl="1" marL="0" marR="0" algn="r">
+              <a:lnSpc>
+                <a:spcPct val="100000"/>
+              </a:lnSpc>
+              <a:spcBef>
+                <a:spcPts val="0"/>
+              </a:spcBef>
+              <a:spcAft>
+                <a:spcPts val="0"/>
+              </a:spcAft>
+              <a:buClr>
+                <a:srgbClr val="000000"/>
+              </a:buClr>
+              <a:buSzPts val="1200"/>
+              <a:buFont typeface="Arial"/>
+              <a:buNone/>
+              <a:defRPr b="0" i="0" sz="1200" u="none" cap="none" strike="noStrike">
+                <a:solidFill>
+                  <a:srgbClr val="888888"/>
+                </a:solidFill>
+                <a:latin typeface="Calibri"/>
+                <a:ea typeface="Calibri"/>
+                <a:cs typeface="Calibri"/>
+                <a:sym typeface="Calibri"/>
+              </a:defRPr>
             </a:lvl2pPr>
-            <a:lvl3pPr indent="0" lvl="2" marL="0" algn="r">
-              <a:spcBef>
-                <a:spcPts val="0"/>
-              </a:spcBef>
-              <a:buNone/>
-              <a:defRPr/>
+            <a:lvl3pPr indent="0" lvl="2" marL="0" marR="0" algn="r">
+              <a:lnSpc>
+                <a:spcPct val="100000"/>
+              </a:lnSpc>
+              <a:spcBef>
+                <a:spcPts val="0"/>
+              </a:spcBef>
+              <a:spcAft>
+                <a:spcPts val="0"/>
+              </a:spcAft>
+              <a:buClr>
+                <a:srgbClr val="000000"/>
+              </a:buClr>
+              <a:buSzPts val="1200"/>
+              <a:buFont typeface="Arial"/>
+              <a:buNone/>
+              <a:defRPr b="0" i="0" sz="1200" u="none" cap="none" strike="noStrike">
+                <a:solidFill>
+                  <a:srgbClr val="888888"/>
+                </a:solidFill>
+                <a:latin typeface="Calibri"/>
+                <a:ea typeface="Calibri"/>
+                <a:cs typeface="Calibri"/>
+                <a:sym typeface="Calibri"/>
+              </a:defRPr>
             </a:lvl3pPr>
-            <a:lvl4pPr indent="0" lvl="3" marL="0" algn="r">
-              <a:spcBef>
-                <a:spcPts val="0"/>
-              </a:spcBef>
-              <a:buNone/>
-              <a:defRPr/>
+            <a:lvl4pPr indent="0" lvl="3" marL="0" marR="0" algn="r">
+              <a:lnSpc>
+                <a:spcPct val="100000"/>
+              </a:lnSpc>
+              <a:spcBef>
+                <a:spcPts val="0"/>
+              </a:spcBef>
+              <a:spcAft>
+                <a:spcPts val="0"/>
+              </a:spcAft>
+              <a:buClr>
+                <a:srgbClr val="000000"/>
+              </a:buClr>
+              <a:buSzPts val="1200"/>
+              <a:buFont typeface="Arial"/>
+              <a:buNone/>
+              <a:defRPr b="0" i="0" sz="1200" u="none" cap="none" strike="noStrike">
+                <a:solidFill>
+                  <a:srgbClr val="888888"/>
+                </a:solidFill>
+                <a:latin typeface="Calibri"/>
+                <a:ea typeface="Calibri"/>
+                <a:cs typeface="Calibri"/>
+                <a:sym typeface="Calibri"/>
+              </a:defRPr>
             </a:lvl4pPr>
-            <a:lvl5pPr indent="0" lvl="4" marL="0" algn="r">
-              <a:spcBef>
-                <a:spcPts val="0"/>
-              </a:spcBef>
-              <a:buNone/>
-              <a:defRPr/>
+            <a:lvl5pPr indent="0" lvl="4" marL="0" marR="0" algn="r">
+              <a:lnSpc>
+                <a:spcPct val="100000"/>
+              </a:lnSpc>
+              <a:spcBef>
+                <a:spcPts val="0"/>
+              </a:spcBef>
+              <a:spcAft>
+                <a:spcPts val="0"/>
+              </a:spcAft>
+              <a:buClr>
+                <a:srgbClr val="000000"/>
+              </a:buClr>
+              <a:buSzPts val="1200"/>
+              <a:buFont typeface="Arial"/>
+              <a:buNone/>
+              <a:defRPr b="0" i="0" sz="1200" u="none" cap="none" strike="noStrike">
+                <a:solidFill>
+                  <a:srgbClr val="888888"/>
+                </a:solidFill>
+                <a:latin typeface="Calibri"/>
+                <a:ea typeface="Calibri"/>
+                <a:cs typeface="Calibri"/>
+                <a:sym typeface="Calibri"/>
+              </a:defRPr>
             </a:lvl5pPr>
-            <a:lvl6pPr indent="0" lvl="5" marL="0" algn="r">
-              <a:spcBef>
-                <a:spcPts val="0"/>
-              </a:spcBef>
-              <a:buNone/>
-              <a:defRPr/>
+            <a:lvl6pPr indent="0" lvl="5" marL="0" marR="0" algn="r">
+              <a:lnSpc>
+                <a:spcPct val="100000"/>
+              </a:lnSpc>
+              <a:spcBef>
+                <a:spcPts val="0"/>
+              </a:spcBef>
+              <a:spcAft>
+                <a:spcPts val="0"/>
+              </a:spcAft>
+              <a:buClr>
+                <a:srgbClr val="000000"/>
+              </a:buClr>
+              <a:buSzPts val="1200"/>
+              <a:buFont typeface="Arial"/>
+              <a:buNone/>
+              <a:defRPr b="0" i="0" sz="1200" u="none" cap="none" strike="noStrike">
+                <a:solidFill>
+                  <a:srgbClr val="888888"/>
+                </a:solidFill>
+                <a:latin typeface="Calibri"/>
+                <a:ea typeface="Calibri"/>
+                <a:cs typeface="Calibri"/>
+                <a:sym typeface="Calibri"/>
+              </a:defRPr>
             </a:lvl6pPr>
-            <a:lvl7pPr indent="0" lvl="6" marL="0" algn="r">
-              <a:spcBef>
-                <a:spcPts val="0"/>
-              </a:spcBef>
-              <a:buNone/>
-              <a:defRPr/>
+            <a:lvl7pPr indent="0" lvl="6" marL="0" marR="0" algn="r">
+              <a:lnSpc>
+                <a:spcPct val="100000"/>
+              </a:lnSpc>
+              <a:spcBef>
+                <a:spcPts val="0"/>
+              </a:spcBef>
+              <a:spcAft>
+                <a:spcPts val="0"/>
+              </a:spcAft>
+              <a:buClr>
+                <a:srgbClr val="000000"/>
+              </a:buClr>
+              <a:buSzPts val="1200"/>
+              <a:buFont typeface="Arial"/>
+              <a:buNone/>
+              <a:defRPr b="0" i="0" sz="1200" u="none" cap="none" strike="noStrike">
+                <a:solidFill>
+                  <a:srgbClr val="888888"/>
+                </a:solidFill>
+                <a:latin typeface="Calibri"/>
+                <a:ea typeface="Calibri"/>
+                <a:cs typeface="Calibri"/>
+                <a:sym typeface="Calibri"/>
+              </a:defRPr>
             </a:lvl7pPr>
-            <a:lvl8pPr indent="0" lvl="7" marL="0" algn="r">
-              <a:spcBef>
-                <a:spcPts val="0"/>
-              </a:spcBef>
-              <a:buNone/>
-              <a:defRPr/>
+            <a:lvl8pPr indent="0" lvl="7" marL="0" marR="0" algn="r">
+              <a:lnSpc>
+                <a:spcPct val="100000"/>
+              </a:lnSpc>
+              <a:spcBef>
+                <a:spcPts val="0"/>
+              </a:spcBef>
+              <a:spcAft>
+                <a:spcPts val="0"/>
+              </a:spcAft>
+              <a:buClr>
+                <a:srgbClr val="000000"/>
+              </a:buClr>
+              <a:buSzPts val="1200"/>
+              <a:buFont typeface="Arial"/>
+              <a:buNone/>
+              <a:defRPr b="0" i="0" sz="1200" u="none" cap="none" strike="noStrike">
+                <a:solidFill>
+                  <a:srgbClr val="888888"/>
+                </a:solidFill>
+                <a:latin typeface="Calibri"/>
+                <a:ea typeface="Calibri"/>
+                <a:cs typeface="Calibri"/>
+                <a:sym typeface="Calibri"/>
+              </a:defRPr>
             </a:lvl8pPr>
-            <a:lvl9pPr indent="0" lvl="8" marL="0" algn="r">
-              <a:spcBef>
-                <a:spcPts val="0"/>
-              </a:spcBef>
-              <a:buNone/>
-              <a:defRPr/>
+            <a:lvl9pPr indent="0" lvl="8" marL="0" marR="0" algn="r">
+              <a:lnSpc>
+                <a:spcPct val="100000"/>
+              </a:lnSpc>
+              <a:spcBef>
+                <a:spcPts val="0"/>
+              </a:spcBef>
+              <a:spcAft>
+                <a:spcPts val="0"/>
+              </a:spcAft>
+              <a:buClr>
+                <a:srgbClr val="000000"/>
+              </a:buClr>
+              <a:buSzPts val="1200"/>
+              <a:buFont typeface="Arial"/>
+              <a:buNone/>
+              <a:defRPr b="0" i="0" sz="1200" u="none" cap="none" strike="noStrike">
+                <a:solidFill>
+                  <a:srgbClr val="888888"/>
+                </a:solidFill>
+                <a:latin typeface="Calibri"/>
+                <a:ea typeface="Calibri"/>
+                <a:cs typeface="Calibri"/>
+                <a:sym typeface="Calibri"/>
+              </a:defRPr>
             </a:lvl9pPr>
           </a:lstStyle>
           <a:p>
@@ -2567,7 +3272,10 @@
               <a:buNone/>
               <a:defRPr/>
             </a:lvl1pPr>
-            <a:lvl2pPr lvl="1">
+            <a:lvl2pPr lvl="1" algn="l">
+              <a:lnSpc>
+                <a:spcPct val="100000"/>
+              </a:lnSpc>
               <a:spcBef>
                 <a:spcPts val="0"/>
               </a:spcBef>
@@ -2578,7 +3286,10 @@
               <a:buNone/>
               <a:defRPr/>
             </a:lvl2pPr>
-            <a:lvl3pPr lvl="2">
+            <a:lvl3pPr lvl="2" algn="l">
+              <a:lnSpc>
+                <a:spcPct val="100000"/>
+              </a:lnSpc>
               <a:spcBef>
                 <a:spcPts val="0"/>
               </a:spcBef>
@@ -2589,7 +3300,10 @@
               <a:buNone/>
               <a:defRPr/>
             </a:lvl3pPr>
-            <a:lvl4pPr lvl="3">
+            <a:lvl4pPr lvl="3" algn="l">
+              <a:lnSpc>
+                <a:spcPct val="100000"/>
+              </a:lnSpc>
               <a:spcBef>
                 <a:spcPts val="0"/>
               </a:spcBef>
@@ -2600,7 +3314,10 @@
               <a:buNone/>
               <a:defRPr/>
             </a:lvl4pPr>
-            <a:lvl5pPr lvl="4">
+            <a:lvl5pPr lvl="4" algn="l">
+              <a:lnSpc>
+                <a:spcPct val="100000"/>
+              </a:lnSpc>
               <a:spcBef>
                 <a:spcPts val="0"/>
               </a:spcBef>
@@ -2611,7 +3328,10 @@
               <a:buNone/>
               <a:defRPr/>
             </a:lvl5pPr>
-            <a:lvl6pPr lvl="5">
+            <a:lvl6pPr lvl="5" algn="l">
+              <a:lnSpc>
+                <a:spcPct val="100000"/>
+              </a:lnSpc>
               <a:spcBef>
                 <a:spcPts val="0"/>
               </a:spcBef>
@@ -2622,7 +3342,10 @@
               <a:buNone/>
               <a:defRPr/>
             </a:lvl6pPr>
-            <a:lvl7pPr lvl="6">
+            <a:lvl7pPr lvl="6" algn="l">
+              <a:lnSpc>
+                <a:spcPct val="100000"/>
+              </a:lnSpc>
               <a:spcBef>
                 <a:spcPts val="0"/>
               </a:spcBef>
@@ -2633,7 +3356,10 @@
               <a:buNone/>
               <a:defRPr/>
             </a:lvl7pPr>
-            <a:lvl8pPr lvl="7">
+            <a:lvl8pPr lvl="7" algn="l">
+              <a:lnSpc>
+                <a:spcPct val="100000"/>
+              </a:lnSpc>
               <a:spcBef>
                 <a:spcPts val="0"/>
               </a:spcBef>
@@ -2644,7 +3370,10 @@
               <a:buNone/>
               <a:defRPr/>
             </a:lvl8pPr>
-            <a:lvl9pPr lvl="8">
+            <a:lvl9pPr lvl="8" algn="l">
+              <a:lnSpc>
+                <a:spcPct val="100000"/>
+              </a:lnSpc>
               <a:spcBef>
                 <a:spcPts val="0"/>
               </a:spcBef>
@@ -2869,6 +3598,9 @@
           </a:bodyPr>
           <a:lstStyle>
             <a:lvl1pPr lvl="0" algn="l">
+              <a:lnSpc>
+                <a:spcPct val="100000"/>
+              </a:lnSpc>
               <a:spcBef>
                 <a:spcPts val="0"/>
               </a:spcBef>
@@ -2880,6 +3612,9 @@
               <a:defRPr/>
             </a:lvl1pPr>
             <a:lvl2pPr lvl="1" algn="l">
+              <a:lnSpc>
+                <a:spcPct val="100000"/>
+              </a:lnSpc>
               <a:spcBef>
                 <a:spcPts val="0"/>
               </a:spcBef>
@@ -2891,6 +3626,9 @@
               <a:defRPr/>
             </a:lvl2pPr>
             <a:lvl3pPr lvl="2" algn="l">
+              <a:lnSpc>
+                <a:spcPct val="100000"/>
+              </a:lnSpc>
               <a:spcBef>
                 <a:spcPts val="0"/>
               </a:spcBef>
@@ -2902,6 +3640,9 @@
               <a:defRPr/>
             </a:lvl3pPr>
             <a:lvl4pPr lvl="3" algn="l">
+              <a:lnSpc>
+                <a:spcPct val="100000"/>
+              </a:lnSpc>
               <a:spcBef>
                 <a:spcPts val="0"/>
               </a:spcBef>
@@ -2913,6 +3654,9 @@
               <a:defRPr/>
             </a:lvl4pPr>
             <a:lvl5pPr lvl="4" algn="l">
+              <a:lnSpc>
+                <a:spcPct val="100000"/>
+              </a:lnSpc>
               <a:spcBef>
                 <a:spcPts val="0"/>
               </a:spcBef>
@@ -2924,6 +3668,9 @@
               <a:defRPr/>
             </a:lvl5pPr>
             <a:lvl6pPr lvl="5" algn="l">
+              <a:lnSpc>
+                <a:spcPct val="100000"/>
+              </a:lnSpc>
               <a:spcBef>
                 <a:spcPts val="0"/>
               </a:spcBef>
@@ -2935,6 +3682,9 @@
               <a:defRPr/>
             </a:lvl6pPr>
             <a:lvl7pPr lvl="6" algn="l">
+              <a:lnSpc>
+                <a:spcPct val="100000"/>
+              </a:lnSpc>
               <a:spcBef>
                 <a:spcPts val="0"/>
               </a:spcBef>
@@ -2946,6 +3696,9 @@
               <a:defRPr/>
             </a:lvl7pPr>
             <a:lvl8pPr lvl="7" algn="l">
+              <a:lnSpc>
+                <a:spcPct val="100000"/>
+              </a:lnSpc>
               <a:spcBef>
                 <a:spcPts val="0"/>
               </a:spcBef>
@@ -2957,6 +3710,9 @@
               <a:defRPr/>
             </a:lvl8pPr>
             <a:lvl9pPr lvl="8" algn="l">
+              <a:lnSpc>
+                <a:spcPct val="100000"/>
+              </a:lnSpc>
               <a:spcBef>
                 <a:spcPts val="0"/>
               </a:spcBef>
@@ -2998,6 +3754,9 @@
           </a:bodyPr>
           <a:lstStyle>
             <a:lvl1pPr lvl="0" algn="ctr">
+              <a:lnSpc>
+                <a:spcPct val="100000"/>
+              </a:lnSpc>
               <a:spcBef>
                 <a:spcPts val="0"/>
               </a:spcBef>
@@ -3009,6 +3768,9 @@
               <a:defRPr/>
             </a:lvl1pPr>
             <a:lvl2pPr lvl="1" algn="l">
+              <a:lnSpc>
+                <a:spcPct val="100000"/>
+              </a:lnSpc>
               <a:spcBef>
                 <a:spcPts val="0"/>
               </a:spcBef>
@@ -3020,6 +3782,9 @@
               <a:defRPr/>
             </a:lvl2pPr>
             <a:lvl3pPr lvl="2" algn="l">
+              <a:lnSpc>
+                <a:spcPct val="100000"/>
+              </a:lnSpc>
               <a:spcBef>
                 <a:spcPts val="0"/>
               </a:spcBef>
@@ -3031,6 +3796,9 @@
               <a:defRPr/>
             </a:lvl3pPr>
             <a:lvl4pPr lvl="3" algn="l">
+              <a:lnSpc>
+                <a:spcPct val="100000"/>
+              </a:lnSpc>
               <a:spcBef>
                 <a:spcPts val="0"/>
               </a:spcBef>
@@ -3042,6 +3810,9 @@
               <a:defRPr/>
             </a:lvl4pPr>
             <a:lvl5pPr lvl="4" algn="l">
+              <a:lnSpc>
+                <a:spcPct val="100000"/>
+              </a:lnSpc>
               <a:spcBef>
                 <a:spcPts val="0"/>
               </a:spcBef>
@@ -3053,6 +3824,9 @@
               <a:defRPr/>
             </a:lvl5pPr>
             <a:lvl6pPr lvl="5" algn="l">
+              <a:lnSpc>
+                <a:spcPct val="100000"/>
+              </a:lnSpc>
               <a:spcBef>
                 <a:spcPts val="0"/>
               </a:spcBef>
@@ -3064,6 +3838,9 @@
               <a:defRPr/>
             </a:lvl6pPr>
             <a:lvl7pPr lvl="6" algn="l">
+              <a:lnSpc>
+                <a:spcPct val="100000"/>
+              </a:lnSpc>
               <a:spcBef>
                 <a:spcPts val="0"/>
               </a:spcBef>
@@ -3075,6 +3852,9 @@
               <a:defRPr/>
             </a:lvl7pPr>
             <a:lvl8pPr lvl="7" algn="l">
+              <a:lnSpc>
+                <a:spcPct val="100000"/>
+              </a:lnSpc>
               <a:spcBef>
                 <a:spcPts val="0"/>
               </a:spcBef>
@@ -3086,6 +3866,9 @@
               <a:defRPr/>
             </a:lvl8pPr>
             <a:lvl9pPr lvl="8" algn="l">
+              <a:lnSpc>
+                <a:spcPct val="100000"/>
+              </a:lnSpc>
               <a:spcBef>
                 <a:spcPts val="0"/>
               </a:spcBef>
@@ -3126,68 +3909,239 @@
             <a:noAutofit/>
           </a:bodyPr>
           <a:lstStyle>
-            <a:lvl1pPr indent="0" lvl="0" marL="0" algn="r">
-              <a:spcBef>
-                <a:spcPts val="0"/>
-              </a:spcBef>
-              <a:buNone/>
-              <a:defRPr/>
+            <a:lvl1pPr indent="0" lvl="0" marL="0" marR="0" algn="r">
+              <a:lnSpc>
+                <a:spcPct val="100000"/>
+              </a:lnSpc>
+              <a:spcBef>
+                <a:spcPts val="0"/>
+              </a:spcBef>
+              <a:spcAft>
+                <a:spcPts val="0"/>
+              </a:spcAft>
+              <a:buClr>
+                <a:srgbClr val="000000"/>
+              </a:buClr>
+              <a:buSzPts val="1200"/>
+              <a:buFont typeface="Arial"/>
+              <a:buNone/>
+              <a:defRPr b="0" i="0" sz="1200" u="none" cap="none" strike="noStrike">
+                <a:solidFill>
+                  <a:srgbClr val="888888"/>
+                </a:solidFill>
+                <a:latin typeface="Calibri"/>
+                <a:ea typeface="Calibri"/>
+                <a:cs typeface="Calibri"/>
+                <a:sym typeface="Calibri"/>
+              </a:defRPr>
             </a:lvl1pPr>
-            <a:lvl2pPr indent="0" lvl="1" marL="0" algn="r">
-              <a:spcBef>
-                <a:spcPts val="0"/>
-              </a:spcBef>
-              <a:buNone/>
-              <a:defRPr/>
+            <a:lvl2pPr indent="0" lvl="1" marL="0" marR="0" algn="r">
+              <a:lnSpc>
+                <a:spcPct val="100000"/>
+              </a:lnSpc>
+              <a:spcBef>
+                <a:spcPts val="0"/>
+              </a:spcBef>
+              <a:spcAft>
+                <a:spcPts val="0"/>
+              </a:spcAft>
+              <a:buClr>
+                <a:srgbClr val="000000"/>
+              </a:buClr>
+              <a:buSzPts val="1200"/>
+              <a:buFont typeface="Arial"/>
+              <a:buNone/>
+              <a:defRPr b="0" i="0" sz="1200" u="none" cap="none" strike="noStrike">
+                <a:solidFill>
+                  <a:srgbClr val="888888"/>
+                </a:solidFill>
+                <a:latin typeface="Calibri"/>
+                <a:ea typeface="Calibri"/>
+                <a:cs typeface="Calibri"/>
+                <a:sym typeface="Calibri"/>
+              </a:defRPr>
             </a:lvl2pPr>
-            <a:lvl3pPr indent="0" lvl="2" marL="0" algn="r">
-              <a:spcBef>
-                <a:spcPts val="0"/>
-              </a:spcBef>
-              <a:buNone/>
-              <a:defRPr/>
+            <a:lvl3pPr indent="0" lvl="2" marL="0" marR="0" algn="r">
+              <a:lnSpc>
+                <a:spcPct val="100000"/>
+              </a:lnSpc>
+              <a:spcBef>
+                <a:spcPts val="0"/>
+              </a:spcBef>
+              <a:spcAft>
+                <a:spcPts val="0"/>
+              </a:spcAft>
+              <a:buClr>
+                <a:srgbClr val="000000"/>
+              </a:buClr>
+              <a:buSzPts val="1200"/>
+              <a:buFont typeface="Arial"/>
+              <a:buNone/>
+              <a:defRPr b="0" i="0" sz="1200" u="none" cap="none" strike="noStrike">
+                <a:solidFill>
+                  <a:srgbClr val="888888"/>
+                </a:solidFill>
+                <a:latin typeface="Calibri"/>
+                <a:ea typeface="Calibri"/>
+                <a:cs typeface="Calibri"/>
+                <a:sym typeface="Calibri"/>
+              </a:defRPr>
             </a:lvl3pPr>
-            <a:lvl4pPr indent="0" lvl="3" marL="0" algn="r">
-              <a:spcBef>
-                <a:spcPts val="0"/>
-              </a:spcBef>
-              <a:buNone/>
-              <a:defRPr/>
+            <a:lvl4pPr indent="0" lvl="3" marL="0" marR="0" algn="r">
+              <a:lnSpc>
+                <a:spcPct val="100000"/>
+              </a:lnSpc>
+              <a:spcBef>
+                <a:spcPts val="0"/>
+              </a:spcBef>
+              <a:spcAft>
+                <a:spcPts val="0"/>
+              </a:spcAft>
+              <a:buClr>
+                <a:srgbClr val="000000"/>
+              </a:buClr>
+              <a:buSzPts val="1200"/>
+              <a:buFont typeface="Arial"/>
+              <a:buNone/>
+              <a:defRPr b="0" i="0" sz="1200" u="none" cap="none" strike="noStrike">
+                <a:solidFill>
+                  <a:srgbClr val="888888"/>
+                </a:solidFill>
+                <a:latin typeface="Calibri"/>
+                <a:ea typeface="Calibri"/>
+                <a:cs typeface="Calibri"/>
+                <a:sym typeface="Calibri"/>
+              </a:defRPr>
             </a:lvl4pPr>
-            <a:lvl5pPr indent="0" lvl="4" marL="0" algn="r">
-              <a:spcBef>
-                <a:spcPts val="0"/>
-              </a:spcBef>
-              <a:buNone/>
-              <a:defRPr/>
+            <a:lvl5pPr indent="0" lvl="4" marL="0" marR="0" algn="r">
+              <a:lnSpc>
+                <a:spcPct val="100000"/>
+              </a:lnSpc>
+              <a:spcBef>
+                <a:spcPts val="0"/>
+              </a:spcBef>
+              <a:spcAft>
+                <a:spcPts val="0"/>
+              </a:spcAft>
+              <a:buClr>
+                <a:srgbClr val="000000"/>
+              </a:buClr>
+              <a:buSzPts val="1200"/>
+              <a:buFont typeface="Arial"/>
+              <a:buNone/>
+              <a:defRPr b="0" i="0" sz="1200" u="none" cap="none" strike="noStrike">
+                <a:solidFill>
+                  <a:srgbClr val="888888"/>
+                </a:solidFill>
+                <a:latin typeface="Calibri"/>
+                <a:ea typeface="Calibri"/>
+                <a:cs typeface="Calibri"/>
+                <a:sym typeface="Calibri"/>
+              </a:defRPr>
             </a:lvl5pPr>
-            <a:lvl6pPr indent="0" lvl="5" marL="0" algn="r">
-              <a:spcBef>
-                <a:spcPts val="0"/>
-              </a:spcBef>
-              <a:buNone/>
-              <a:defRPr/>
+            <a:lvl6pPr indent="0" lvl="5" marL="0" marR="0" algn="r">
+              <a:lnSpc>
+                <a:spcPct val="100000"/>
+              </a:lnSpc>
+              <a:spcBef>
+                <a:spcPts val="0"/>
+              </a:spcBef>
+              <a:spcAft>
+                <a:spcPts val="0"/>
+              </a:spcAft>
+              <a:buClr>
+                <a:srgbClr val="000000"/>
+              </a:buClr>
+              <a:buSzPts val="1200"/>
+              <a:buFont typeface="Arial"/>
+              <a:buNone/>
+              <a:defRPr b="0" i="0" sz="1200" u="none" cap="none" strike="noStrike">
+                <a:solidFill>
+                  <a:srgbClr val="888888"/>
+                </a:solidFill>
+                <a:latin typeface="Calibri"/>
+                <a:ea typeface="Calibri"/>
+                <a:cs typeface="Calibri"/>
+                <a:sym typeface="Calibri"/>
+              </a:defRPr>
             </a:lvl6pPr>
-            <a:lvl7pPr indent="0" lvl="6" marL="0" algn="r">
-              <a:spcBef>
-                <a:spcPts val="0"/>
-              </a:spcBef>
-              <a:buNone/>
-              <a:defRPr/>
+            <a:lvl7pPr indent="0" lvl="6" marL="0" marR="0" algn="r">
+              <a:lnSpc>
+                <a:spcPct val="100000"/>
+              </a:lnSpc>
+              <a:spcBef>
+                <a:spcPts val="0"/>
+              </a:spcBef>
+              <a:spcAft>
+                <a:spcPts val="0"/>
+              </a:spcAft>
+              <a:buClr>
+                <a:srgbClr val="000000"/>
+              </a:buClr>
+              <a:buSzPts val="1200"/>
+              <a:buFont typeface="Arial"/>
+              <a:buNone/>
+              <a:defRPr b="0" i="0" sz="1200" u="none" cap="none" strike="noStrike">
+                <a:solidFill>
+                  <a:srgbClr val="888888"/>
+                </a:solidFill>
+                <a:latin typeface="Calibri"/>
+                <a:ea typeface="Calibri"/>
+                <a:cs typeface="Calibri"/>
+                <a:sym typeface="Calibri"/>
+              </a:defRPr>
             </a:lvl7pPr>
-            <a:lvl8pPr indent="0" lvl="7" marL="0" algn="r">
-              <a:spcBef>
-                <a:spcPts val="0"/>
-              </a:spcBef>
-              <a:buNone/>
-              <a:defRPr/>
+            <a:lvl8pPr indent="0" lvl="7" marL="0" marR="0" algn="r">
+              <a:lnSpc>
+                <a:spcPct val="100000"/>
+              </a:lnSpc>
+              <a:spcBef>
+                <a:spcPts val="0"/>
+              </a:spcBef>
+              <a:spcAft>
+                <a:spcPts val="0"/>
+              </a:spcAft>
+              <a:buClr>
+                <a:srgbClr val="000000"/>
+              </a:buClr>
+              <a:buSzPts val="1200"/>
+              <a:buFont typeface="Arial"/>
+              <a:buNone/>
+              <a:defRPr b="0" i="0" sz="1200" u="none" cap="none" strike="noStrike">
+                <a:solidFill>
+                  <a:srgbClr val="888888"/>
+                </a:solidFill>
+                <a:latin typeface="Calibri"/>
+                <a:ea typeface="Calibri"/>
+                <a:cs typeface="Calibri"/>
+                <a:sym typeface="Calibri"/>
+              </a:defRPr>
             </a:lvl8pPr>
-            <a:lvl9pPr indent="0" lvl="8" marL="0" algn="r">
-              <a:spcBef>
-                <a:spcPts val="0"/>
-              </a:spcBef>
-              <a:buNone/>
-              <a:defRPr/>
+            <a:lvl9pPr indent="0" lvl="8" marL="0" marR="0" algn="r">
+              <a:lnSpc>
+                <a:spcPct val="100000"/>
+              </a:lnSpc>
+              <a:spcBef>
+                <a:spcPts val="0"/>
+              </a:spcBef>
+              <a:spcAft>
+                <a:spcPts val="0"/>
+              </a:spcAft>
+              <a:buClr>
+                <a:srgbClr val="000000"/>
+              </a:buClr>
+              <a:buSzPts val="1200"/>
+              <a:buFont typeface="Arial"/>
+              <a:buNone/>
+              <a:defRPr b="0" i="0" sz="1200" u="none" cap="none" strike="noStrike">
+                <a:solidFill>
+                  <a:srgbClr val="888888"/>
+                </a:solidFill>
+                <a:latin typeface="Calibri"/>
+                <a:ea typeface="Calibri"/>
+                <a:cs typeface="Calibri"/>
+                <a:sym typeface="Calibri"/>
+              </a:defRPr>
             </a:lvl9pPr>
           </a:lstStyle>
           <a:p>
@@ -3276,7 +4230,10 @@
               <a:buNone/>
               <a:defRPr/>
             </a:lvl1pPr>
-            <a:lvl2pPr lvl="1">
+            <a:lvl2pPr lvl="1" algn="l">
+              <a:lnSpc>
+                <a:spcPct val="100000"/>
+              </a:lnSpc>
               <a:spcBef>
                 <a:spcPts val="0"/>
               </a:spcBef>
@@ -3287,7 +4244,10 @@
               <a:buNone/>
               <a:defRPr/>
             </a:lvl2pPr>
-            <a:lvl3pPr lvl="2">
+            <a:lvl3pPr lvl="2" algn="l">
+              <a:lnSpc>
+                <a:spcPct val="100000"/>
+              </a:lnSpc>
               <a:spcBef>
                 <a:spcPts val="0"/>
               </a:spcBef>
@@ -3298,7 +4258,10 @@
               <a:buNone/>
               <a:defRPr/>
             </a:lvl3pPr>
-            <a:lvl4pPr lvl="3">
+            <a:lvl4pPr lvl="3" algn="l">
+              <a:lnSpc>
+                <a:spcPct val="100000"/>
+              </a:lnSpc>
               <a:spcBef>
                 <a:spcPts val="0"/>
               </a:spcBef>
@@ -3309,7 +4272,10 @@
               <a:buNone/>
               <a:defRPr/>
             </a:lvl4pPr>
-            <a:lvl5pPr lvl="4">
+            <a:lvl5pPr lvl="4" algn="l">
+              <a:lnSpc>
+                <a:spcPct val="100000"/>
+              </a:lnSpc>
               <a:spcBef>
                 <a:spcPts val="0"/>
               </a:spcBef>
@@ -3320,7 +4286,10 @@
               <a:buNone/>
               <a:defRPr/>
             </a:lvl5pPr>
-            <a:lvl6pPr lvl="5">
+            <a:lvl6pPr lvl="5" algn="l">
+              <a:lnSpc>
+                <a:spcPct val="100000"/>
+              </a:lnSpc>
               <a:spcBef>
                 <a:spcPts val="0"/>
               </a:spcBef>
@@ -3331,7 +4300,10 @@
               <a:buNone/>
               <a:defRPr/>
             </a:lvl6pPr>
-            <a:lvl7pPr lvl="6">
+            <a:lvl7pPr lvl="6" algn="l">
+              <a:lnSpc>
+                <a:spcPct val="100000"/>
+              </a:lnSpc>
               <a:spcBef>
                 <a:spcPts val="0"/>
               </a:spcBef>
@@ -3342,7 +4314,10 @@
               <a:buNone/>
               <a:defRPr/>
             </a:lvl7pPr>
-            <a:lvl8pPr lvl="7">
+            <a:lvl8pPr lvl="7" algn="l">
+              <a:lnSpc>
+                <a:spcPct val="100000"/>
+              </a:lnSpc>
               <a:spcBef>
                 <a:spcPts val="0"/>
               </a:spcBef>
@@ -3353,7 +4328,10 @@
               <a:buNone/>
               <a:defRPr/>
             </a:lvl8pPr>
-            <a:lvl9pPr lvl="8">
+            <a:lvl9pPr lvl="8" algn="l">
+              <a:lnSpc>
+                <a:spcPct val="100000"/>
+              </a:lnSpc>
               <a:spcBef>
                 <a:spcPts val="0"/>
               </a:spcBef>
@@ -3578,6 +4556,9 @@
           </a:bodyPr>
           <a:lstStyle>
             <a:lvl1pPr lvl="0" algn="l">
+              <a:lnSpc>
+                <a:spcPct val="100000"/>
+              </a:lnSpc>
               <a:spcBef>
                 <a:spcPts val="0"/>
               </a:spcBef>
@@ -3589,6 +4570,9 @@
               <a:defRPr/>
             </a:lvl1pPr>
             <a:lvl2pPr lvl="1" algn="l">
+              <a:lnSpc>
+                <a:spcPct val="100000"/>
+              </a:lnSpc>
               <a:spcBef>
                 <a:spcPts val="0"/>
               </a:spcBef>
@@ -3600,6 +4584,9 @@
               <a:defRPr/>
             </a:lvl2pPr>
             <a:lvl3pPr lvl="2" algn="l">
+              <a:lnSpc>
+                <a:spcPct val="100000"/>
+              </a:lnSpc>
               <a:spcBef>
                 <a:spcPts val="0"/>
               </a:spcBef>
@@ -3611,6 +4598,9 @@
               <a:defRPr/>
             </a:lvl3pPr>
             <a:lvl4pPr lvl="3" algn="l">
+              <a:lnSpc>
+                <a:spcPct val="100000"/>
+              </a:lnSpc>
               <a:spcBef>
                 <a:spcPts val="0"/>
               </a:spcBef>
@@ -3622,6 +4612,9 @@
               <a:defRPr/>
             </a:lvl4pPr>
             <a:lvl5pPr lvl="4" algn="l">
+              <a:lnSpc>
+                <a:spcPct val="100000"/>
+              </a:lnSpc>
               <a:spcBef>
                 <a:spcPts val="0"/>
               </a:spcBef>
@@ -3633,6 +4626,9 @@
               <a:defRPr/>
             </a:lvl5pPr>
             <a:lvl6pPr lvl="5" algn="l">
+              <a:lnSpc>
+                <a:spcPct val="100000"/>
+              </a:lnSpc>
               <a:spcBef>
                 <a:spcPts val="0"/>
               </a:spcBef>
@@ -3644,6 +4640,9 @@
               <a:defRPr/>
             </a:lvl6pPr>
             <a:lvl7pPr lvl="6" algn="l">
+              <a:lnSpc>
+                <a:spcPct val="100000"/>
+              </a:lnSpc>
               <a:spcBef>
                 <a:spcPts val="0"/>
               </a:spcBef>
@@ -3655,6 +4654,9 @@
               <a:defRPr/>
             </a:lvl7pPr>
             <a:lvl8pPr lvl="7" algn="l">
+              <a:lnSpc>
+                <a:spcPct val="100000"/>
+              </a:lnSpc>
               <a:spcBef>
                 <a:spcPts val="0"/>
               </a:spcBef>
@@ -3666,6 +4668,9 @@
               <a:defRPr/>
             </a:lvl8pPr>
             <a:lvl9pPr lvl="8" algn="l">
+              <a:lnSpc>
+                <a:spcPct val="100000"/>
+              </a:lnSpc>
               <a:spcBef>
                 <a:spcPts val="0"/>
               </a:spcBef>
@@ -3707,6 +4712,9 @@
           </a:bodyPr>
           <a:lstStyle>
             <a:lvl1pPr lvl="0" algn="ctr">
+              <a:lnSpc>
+                <a:spcPct val="100000"/>
+              </a:lnSpc>
               <a:spcBef>
                 <a:spcPts val="0"/>
               </a:spcBef>
@@ -3718,6 +4726,9 @@
               <a:defRPr/>
             </a:lvl1pPr>
             <a:lvl2pPr lvl="1" algn="l">
+              <a:lnSpc>
+                <a:spcPct val="100000"/>
+              </a:lnSpc>
               <a:spcBef>
                 <a:spcPts val="0"/>
               </a:spcBef>
@@ -3729,6 +4740,9 @@
               <a:defRPr/>
             </a:lvl2pPr>
             <a:lvl3pPr lvl="2" algn="l">
+              <a:lnSpc>
+                <a:spcPct val="100000"/>
+              </a:lnSpc>
               <a:spcBef>
                 <a:spcPts val="0"/>
               </a:spcBef>
@@ -3740,6 +4754,9 @@
               <a:defRPr/>
             </a:lvl3pPr>
             <a:lvl4pPr lvl="3" algn="l">
+              <a:lnSpc>
+                <a:spcPct val="100000"/>
+              </a:lnSpc>
               <a:spcBef>
                 <a:spcPts val="0"/>
               </a:spcBef>
@@ -3751,6 +4768,9 @@
               <a:defRPr/>
             </a:lvl4pPr>
             <a:lvl5pPr lvl="4" algn="l">
+              <a:lnSpc>
+                <a:spcPct val="100000"/>
+              </a:lnSpc>
               <a:spcBef>
                 <a:spcPts val="0"/>
               </a:spcBef>
@@ -3762,6 +4782,9 @@
               <a:defRPr/>
             </a:lvl5pPr>
             <a:lvl6pPr lvl="5" algn="l">
+              <a:lnSpc>
+                <a:spcPct val="100000"/>
+              </a:lnSpc>
               <a:spcBef>
                 <a:spcPts val="0"/>
               </a:spcBef>
@@ -3773,6 +4796,9 @@
               <a:defRPr/>
             </a:lvl6pPr>
             <a:lvl7pPr lvl="6" algn="l">
+              <a:lnSpc>
+                <a:spcPct val="100000"/>
+              </a:lnSpc>
               <a:spcBef>
                 <a:spcPts val="0"/>
               </a:spcBef>
@@ -3784,6 +4810,9 @@
               <a:defRPr/>
             </a:lvl7pPr>
             <a:lvl8pPr lvl="7" algn="l">
+              <a:lnSpc>
+                <a:spcPct val="100000"/>
+              </a:lnSpc>
               <a:spcBef>
                 <a:spcPts val="0"/>
               </a:spcBef>
@@ -3795,6 +4824,9 @@
               <a:defRPr/>
             </a:lvl8pPr>
             <a:lvl9pPr lvl="8" algn="l">
+              <a:lnSpc>
+                <a:spcPct val="100000"/>
+              </a:lnSpc>
               <a:spcBef>
                 <a:spcPts val="0"/>
               </a:spcBef>
@@ -3835,68 +4867,239 @@
             <a:noAutofit/>
           </a:bodyPr>
           <a:lstStyle>
-            <a:lvl1pPr indent="0" lvl="0" marL="0" algn="r">
-              <a:spcBef>
-                <a:spcPts val="0"/>
-              </a:spcBef>
-              <a:buNone/>
-              <a:defRPr/>
+            <a:lvl1pPr indent="0" lvl="0" marL="0" marR="0" algn="r">
+              <a:lnSpc>
+                <a:spcPct val="100000"/>
+              </a:lnSpc>
+              <a:spcBef>
+                <a:spcPts val="0"/>
+              </a:spcBef>
+              <a:spcAft>
+                <a:spcPts val="0"/>
+              </a:spcAft>
+              <a:buClr>
+                <a:srgbClr val="000000"/>
+              </a:buClr>
+              <a:buSzPts val="1200"/>
+              <a:buFont typeface="Arial"/>
+              <a:buNone/>
+              <a:defRPr b="0" i="0" sz="1200" u="none" cap="none" strike="noStrike">
+                <a:solidFill>
+                  <a:srgbClr val="888888"/>
+                </a:solidFill>
+                <a:latin typeface="Calibri"/>
+                <a:ea typeface="Calibri"/>
+                <a:cs typeface="Calibri"/>
+                <a:sym typeface="Calibri"/>
+              </a:defRPr>
             </a:lvl1pPr>
-            <a:lvl2pPr indent="0" lvl="1" marL="0" algn="r">
-              <a:spcBef>
-                <a:spcPts val="0"/>
-              </a:spcBef>
-              <a:buNone/>
-              <a:defRPr/>
+            <a:lvl2pPr indent="0" lvl="1" marL="0" marR="0" algn="r">
+              <a:lnSpc>
+                <a:spcPct val="100000"/>
+              </a:lnSpc>
+              <a:spcBef>
+                <a:spcPts val="0"/>
+              </a:spcBef>
+              <a:spcAft>
+                <a:spcPts val="0"/>
+              </a:spcAft>
+              <a:buClr>
+                <a:srgbClr val="000000"/>
+              </a:buClr>
+              <a:buSzPts val="1200"/>
+              <a:buFont typeface="Arial"/>
+              <a:buNone/>
+              <a:defRPr b="0" i="0" sz="1200" u="none" cap="none" strike="noStrike">
+                <a:solidFill>
+                  <a:srgbClr val="888888"/>
+                </a:solidFill>
+                <a:latin typeface="Calibri"/>
+                <a:ea typeface="Calibri"/>
+                <a:cs typeface="Calibri"/>
+                <a:sym typeface="Calibri"/>
+              </a:defRPr>
             </a:lvl2pPr>
-            <a:lvl3pPr indent="0" lvl="2" marL="0" algn="r">
-              <a:spcBef>
-                <a:spcPts val="0"/>
-              </a:spcBef>
-              <a:buNone/>
-              <a:defRPr/>
+            <a:lvl3pPr indent="0" lvl="2" marL="0" marR="0" algn="r">
+              <a:lnSpc>
+                <a:spcPct val="100000"/>
+              </a:lnSpc>
+              <a:spcBef>
+                <a:spcPts val="0"/>
+              </a:spcBef>
+              <a:spcAft>
+                <a:spcPts val="0"/>
+              </a:spcAft>
+              <a:buClr>
+                <a:srgbClr val="000000"/>
+              </a:buClr>
+              <a:buSzPts val="1200"/>
+              <a:buFont typeface="Arial"/>
+              <a:buNone/>
+              <a:defRPr b="0" i="0" sz="1200" u="none" cap="none" strike="noStrike">
+                <a:solidFill>
+                  <a:srgbClr val="888888"/>
+                </a:solidFill>
+                <a:latin typeface="Calibri"/>
+                <a:ea typeface="Calibri"/>
+                <a:cs typeface="Calibri"/>
+                <a:sym typeface="Calibri"/>
+              </a:defRPr>
             </a:lvl3pPr>
-            <a:lvl4pPr indent="0" lvl="3" marL="0" algn="r">
-              <a:spcBef>
-                <a:spcPts val="0"/>
-              </a:spcBef>
-              <a:buNone/>
-              <a:defRPr/>
+            <a:lvl4pPr indent="0" lvl="3" marL="0" marR="0" algn="r">
+              <a:lnSpc>
+                <a:spcPct val="100000"/>
+              </a:lnSpc>
+              <a:spcBef>
+                <a:spcPts val="0"/>
+              </a:spcBef>
+              <a:spcAft>
+                <a:spcPts val="0"/>
+              </a:spcAft>
+              <a:buClr>
+                <a:srgbClr val="000000"/>
+              </a:buClr>
+              <a:buSzPts val="1200"/>
+              <a:buFont typeface="Arial"/>
+              <a:buNone/>
+              <a:defRPr b="0" i="0" sz="1200" u="none" cap="none" strike="noStrike">
+                <a:solidFill>
+                  <a:srgbClr val="888888"/>
+                </a:solidFill>
+                <a:latin typeface="Calibri"/>
+                <a:ea typeface="Calibri"/>
+                <a:cs typeface="Calibri"/>
+                <a:sym typeface="Calibri"/>
+              </a:defRPr>
             </a:lvl4pPr>
-            <a:lvl5pPr indent="0" lvl="4" marL="0" algn="r">
-              <a:spcBef>
-                <a:spcPts val="0"/>
-              </a:spcBef>
-              <a:buNone/>
-              <a:defRPr/>
+            <a:lvl5pPr indent="0" lvl="4" marL="0" marR="0" algn="r">
+              <a:lnSpc>
+                <a:spcPct val="100000"/>
+              </a:lnSpc>
+              <a:spcBef>
+                <a:spcPts val="0"/>
+              </a:spcBef>
+              <a:spcAft>
+                <a:spcPts val="0"/>
+              </a:spcAft>
+              <a:buClr>
+                <a:srgbClr val="000000"/>
+              </a:buClr>
+              <a:buSzPts val="1200"/>
+              <a:buFont typeface="Arial"/>
+              <a:buNone/>
+              <a:defRPr b="0" i="0" sz="1200" u="none" cap="none" strike="noStrike">
+                <a:solidFill>
+                  <a:srgbClr val="888888"/>
+                </a:solidFill>
+                <a:latin typeface="Calibri"/>
+                <a:ea typeface="Calibri"/>
+                <a:cs typeface="Calibri"/>
+                <a:sym typeface="Calibri"/>
+              </a:defRPr>
             </a:lvl5pPr>
-            <a:lvl6pPr indent="0" lvl="5" marL="0" algn="r">
-              <a:spcBef>
-                <a:spcPts val="0"/>
-              </a:spcBef>
-              <a:buNone/>
-              <a:defRPr/>
+            <a:lvl6pPr indent="0" lvl="5" marL="0" marR="0" algn="r">
+              <a:lnSpc>
+                <a:spcPct val="100000"/>
+              </a:lnSpc>
+              <a:spcBef>
+                <a:spcPts val="0"/>
+              </a:spcBef>
+              <a:spcAft>
+                <a:spcPts val="0"/>
+              </a:spcAft>
+              <a:buClr>
+                <a:srgbClr val="000000"/>
+              </a:buClr>
+              <a:buSzPts val="1200"/>
+              <a:buFont typeface="Arial"/>
+              <a:buNone/>
+              <a:defRPr b="0" i="0" sz="1200" u="none" cap="none" strike="noStrike">
+                <a:solidFill>
+                  <a:srgbClr val="888888"/>
+                </a:solidFill>
+                <a:latin typeface="Calibri"/>
+                <a:ea typeface="Calibri"/>
+                <a:cs typeface="Calibri"/>
+                <a:sym typeface="Calibri"/>
+              </a:defRPr>
             </a:lvl6pPr>
-            <a:lvl7pPr indent="0" lvl="6" marL="0" algn="r">
-              <a:spcBef>
-                <a:spcPts val="0"/>
-              </a:spcBef>
-              <a:buNone/>
-              <a:defRPr/>
+            <a:lvl7pPr indent="0" lvl="6" marL="0" marR="0" algn="r">
+              <a:lnSpc>
+                <a:spcPct val="100000"/>
+              </a:lnSpc>
+              <a:spcBef>
+                <a:spcPts val="0"/>
+              </a:spcBef>
+              <a:spcAft>
+                <a:spcPts val="0"/>
+              </a:spcAft>
+              <a:buClr>
+                <a:srgbClr val="000000"/>
+              </a:buClr>
+              <a:buSzPts val="1200"/>
+              <a:buFont typeface="Arial"/>
+              <a:buNone/>
+              <a:defRPr b="0" i="0" sz="1200" u="none" cap="none" strike="noStrike">
+                <a:solidFill>
+                  <a:srgbClr val="888888"/>
+                </a:solidFill>
+                <a:latin typeface="Calibri"/>
+                <a:ea typeface="Calibri"/>
+                <a:cs typeface="Calibri"/>
+                <a:sym typeface="Calibri"/>
+              </a:defRPr>
             </a:lvl7pPr>
-            <a:lvl8pPr indent="0" lvl="7" marL="0" algn="r">
-              <a:spcBef>
-                <a:spcPts val="0"/>
-              </a:spcBef>
-              <a:buNone/>
-              <a:defRPr/>
+            <a:lvl8pPr indent="0" lvl="7" marL="0" marR="0" algn="r">
+              <a:lnSpc>
+                <a:spcPct val="100000"/>
+              </a:lnSpc>
+              <a:spcBef>
+                <a:spcPts val="0"/>
+              </a:spcBef>
+              <a:spcAft>
+                <a:spcPts val="0"/>
+              </a:spcAft>
+              <a:buClr>
+                <a:srgbClr val="000000"/>
+              </a:buClr>
+              <a:buSzPts val="1200"/>
+              <a:buFont typeface="Arial"/>
+              <a:buNone/>
+              <a:defRPr b="0" i="0" sz="1200" u="none" cap="none" strike="noStrike">
+                <a:solidFill>
+                  <a:srgbClr val="888888"/>
+                </a:solidFill>
+                <a:latin typeface="Calibri"/>
+                <a:ea typeface="Calibri"/>
+                <a:cs typeface="Calibri"/>
+                <a:sym typeface="Calibri"/>
+              </a:defRPr>
             </a:lvl8pPr>
-            <a:lvl9pPr indent="0" lvl="8" marL="0" algn="r">
-              <a:spcBef>
-                <a:spcPts val="0"/>
-              </a:spcBef>
-              <a:buNone/>
-              <a:defRPr/>
+            <a:lvl9pPr indent="0" lvl="8" marL="0" marR="0" algn="r">
+              <a:lnSpc>
+                <a:spcPct val="100000"/>
+              </a:lnSpc>
+              <a:spcBef>
+                <a:spcPts val="0"/>
+              </a:spcBef>
+              <a:spcAft>
+                <a:spcPts val="0"/>
+              </a:spcAft>
+              <a:buClr>
+                <a:srgbClr val="000000"/>
+              </a:buClr>
+              <a:buSzPts val="1200"/>
+              <a:buFont typeface="Arial"/>
+              <a:buNone/>
+              <a:defRPr b="0" i="0" sz="1200" u="none" cap="none" strike="noStrike">
+                <a:solidFill>
+                  <a:srgbClr val="888888"/>
+                </a:solidFill>
+                <a:latin typeface="Calibri"/>
+                <a:ea typeface="Calibri"/>
+                <a:cs typeface="Calibri"/>
+                <a:sym typeface="Calibri"/>
+              </a:defRPr>
             </a:lvl9pPr>
           </a:lstStyle>
           <a:p>
@@ -3986,7 +5189,10 @@
               <a:buNone/>
               <a:defRPr sz="6000"/>
             </a:lvl1pPr>
-            <a:lvl2pPr lvl="1">
+            <a:lvl2pPr lvl="1" algn="l">
+              <a:lnSpc>
+                <a:spcPct val="100000"/>
+              </a:lnSpc>
               <a:spcBef>
                 <a:spcPts val="0"/>
               </a:spcBef>
@@ -3997,7 +5203,10 @@
               <a:buNone/>
               <a:defRPr/>
             </a:lvl2pPr>
-            <a:lvl3pPr lvl="2">
+            <a:lvl3pPr lvl="2" algn="l">
+              <a:lnSpc>
+                <a:spcPct val="100000"/>
+              </a:lnSpc>
               <a:spcBef>
                 <a:spcPts val="0"/>
               </a:spcBef>
@@ -4008,7 +5217,10 @@
               <a:buNone/>
               <a:defRPr/>
             </a:lvl3pPr>
-            <a:lvl4pPr lvl="3">
+            <a:lvl4pPr lvl="3" algn="l">
+              <a:lnSpc>
+                <a:spcPct val="100000"/>
+              </a:lnSpc>
               <a:spcBef>
                 <a:spcPts val="0"/>
               </a:spcBef>
@@ -4019,7 +5231,10 @@
               <a:buNone/>
               <a:defRPr/>
             </a:lvl4pPr>
-            <a:lvl5pPr lvl="4">
+            <a:lvl5pPr lvl="4" algn="l">
+              <a:lnSpc>
+                <a:spcPct val="100000"/>
+              </a:lnSpc>
               <a:spcBef>
                 <a:spcPts val="0"/>
               </a:spcBef>
@@ -4030,7 +5245,10 @@
               <a:buNone/>
               <a:defRPr/>
             </a:lvl5pPr>
-            <a:lvl6pPr lvl="5">
+            <a:lvl6pPr lvl="5" algn="l">
+              <a:lnSpc>
+                <a:spcPct val="100000"/>
+              </a:lnSpc>
               <a:spcBef>
                 <a:spcPts val="0"/>
               </a:spcBef>
@@ -4041,7 +5259,10 @@
               <a:buNone/>
               <a:defRPr/>
             </a:lvl6pPr>
-            <a:lvl7pPr lvl="6">
+            <a:lvl7pPr lvl="6" algn="l">
+              <a:lnSpc>
+                <a:spcPct val="100000"/>
+              </a:lnSpc>
               <a:spcBef>
                 <a:spcPts val="0"/>
               </a:spcBef>
@@ -4052,7 +5273,10 @@
               <a:buNone/>
               <a:defRPr/>
             </a:lvl7pPr>
-            <a:lvl8pPr lvl="7">
+            <a:lvl8pPr lvl="7" algn="l">
+              <a:lnSpc>
+                <a:spcPct val="100000"/>
+              </a:lnSpc>
               <a:spcBef>
                 <a:spcPts val="0"/>
               </a:spcBef>
@@ -4063,7 +5287,10 @@
               <a:buNone/>
               <a:defRPr/>
             </a:lvl8pPr>
-            <a:lvl9pPr lvl="8">
+            <a:lvl9pPr lvl="8" algn="l">
+              <a:lnSpc>
+                <a:spcPct val="100000"/>
+              </a:lnSpc>
               <a:spcBef>
                 <a:spcPts val="0"/>
               </a:spcBef>
@@ -4324,6 +5551,9 @@
           </a:bodyPr>
           <a:lstStyle>
             <a:lvl1pPr lvl="0" algn="l">
+              <a:lnSpc>
+                <a:spcPct val="100000"/>
+              </a:lnSpc>
               <a:spcBef>
                 <a:spcPts val="0"/>
               </a:spcBef>
@@ -4335,6 +5565,9 @@
               <a:defRPr/>
             </a:lvl1pPr>
             <a:lvl2pPr lvl="1" algn="l">
+              <a:lnSpc>
+                <a:spcPct val="100000"/>
+              </a:lnSpc>
               <a:spcBef>
                 <a:spcPts val="0"/>
               </a:spcBef>
@@ -4346,6 +5579,9 @@
               <a:defRPr/>
             </a:lvl2pPr>
             <a:lvl3pPr lvl="2" algn="l">
+              <a:lnSpc>
+                <a:spcPct val="100000"/>
+              </a:lnSpc>
               <a:spcBef>
                 <a:spcPts val="0"/>
               </a:spcBef>
@@ -4357,6 +5593,9 @@
               <a:defRPr/>
             </a:lvl3pPr>
             <a:lvl4pPr lvl="3" algn="l">
+              <a:lnSpc>
+                <a:spcPct val="100000"/>
+              </a:lnSpc>
               <a:spcBef>
                 <a:spcPts val="0"/>
               </a:spcBef>
@@ -4368,6 +5607,9 @@
               <a:defRPr/>
             </a:lvl4pPr>
             <a:lvl5pPr lvl="4" algn="l">
+              <a:lnSpc>
+                <a:spcPct val="100000"/>
+              </a:lnSpc>
               <a:spcBef>
                 <a:spcPts val="0"/>
               </a:spcBef>
@@ -4379,6 +5621,9 @@
               <a:defRPr/>
             </a:lvl5pPr>
             <a:lvl6pPr lvl="5" algn="l">
+              <a:lnSpc>
+                <a:spcPct val="100000"/>
+              </a:lnSpc>
               <a:spcBef>
                 <a:spcPts val="0"/>
               </a:spcBef>
@@ -4390,6 +5635,9 @@
               <a:defRPr/>
             </a:lvl6pPr>
             <a:lvl7pPr lvl="6" algn="l">
+              <a:lnSpc>
+                <a:spcPct val="100000"/>
+              </a:lnSpc>
               <a:spcBef>
                 <a:spcPts val="0"/>
               </a:spcBef>
@@ -4401,6 +5649,9 @@
               <a:defRPr/>
             </a:lvl7pPr>
             <a:lvl8pPr lvl="7" algn="l">
+              <a:lnSpc>
+                <a:spcPct val="100000"/>
+              </a:lnSpc>
               <a:spcBef>
                 <a:spcPts val="0"/>
               </a:spcBef>
@@ -4412,6 +5663,9 @@
               <a:defRPr/>
             </a:lvl8pPr>
             <a:lvl9pPr lvl="8" algn="l">
+              <a:lnSpc>
+                <a:spcPct val="100000"/>
+              </a:lnSpc>
               <a:spcBef>
                 <a:spcPts val="0"/>
               </a:spcBef>
@@ -4453,6 +5707,9 @@
           </a:bodyPr>
           <a:lstStyle>
             <a:lvl1pPr lvl="0" algn="ctr">
+              <a:lnSpc>
+                <a:spcPct val="100000"/>
+              </a:lnSpc>
               <a:spcBef>
                 <a:spcPts val="0"/>
               </a:spcBef>
@@ -4464,6 +5721,9 @@
               <a:defRPr/>
             </a:lvl1pPr>
             <a:lvl2pPr lvl="1" algn="l">
+              <a:lnSpc>
+                <a:spcPct val="100000"/>
+              </a:lnSpc>
               <a:spcBef>
                 <a:spcPts val="0"/>
               </a:spcBef>
@@ -4475,6 +5735,9 @@
               <a:defRPr/>
             </a:lvl2pPr>
             <a:lvl3pPr lvl="2" algn="l">
+              <a:lnSpc>
+                <a:spcPct val="100000"/>
+              </a:lnSpc>
               <a:spcBef>
                 <a:spcPts val="0"/>
               </a:spcBef>
@@ -4486,6 +5749,9 @@
               <a:defRPr/>
             </a:lvl3pPr>
             <a:lvl4pPr lvl="3" algn="l">
+              <a:lnSpc>
+                <a:spcPct val="100000"/>
+              </a:lnSpc>
               <a:spcBef>
                 <a:spcPts val="0"/>
               </a:spcBef>
@@ -4497,6 +5763,9 @@
               <a:defRPr/>
             </a:lvl4pPr>
             <a:lvl5pPr lvl="4" algn="l">
+              <a:lnSpc>
+                <a:spcPct val="100000"/>
+              </a:lnSpc>
               <a:spcBef>
                 <a:spcPts val="0"/>
               </a:spcBef>
@@ -4508,6 +5777,9 @@
               <a:defRPr/>
             </a:lvl5pPr>
             <a:lvl6pPr lvl="5" algn="l">
+              <a:lnSpc>
+                <a:spcPct val="100000"/>
+              </a:lnSpc>
               <a:spcBef>
                 <a:spcPts val="0"/>
               </a:spcBef>
@@ -4519,6 +5791,9 @@
               <a:defRPr/>
             </a:lvl6pPr>
             <a:lvl7pPr lvl="6" algn="l">
+              <a:lnSpc>
+                <a:spcPct val="100000"/>
+              </a:lnSpc>
               <a:spcBef>
                 <a:spcPts val="0"/>
               </a:spcBef>
@@ -4530,6 +5805,9 @@
               <a:defRPr/>
             </a:lvl7pPr>
             <a:lvl8pPr lvl="7" algn="l">
+              <a:lnSpc>
+                <a:spcPct val="100000"/>
+              </a:lnSpc>
               <a:spcBef>
                 <a:spcPts val="0"/>
               </a:spcBef>
@@ -4541,6 +5819,9 @@
               <a:defRPr/>
             </a:lvl8pPr>
             <a:lvl9pPr lvl="8" algn="l">
+              <a:lnSpc>
+                <a:spcPct val="100000"/>
+              </a:lnSpc>
               <a:spcBef>
                 <a:spcPts val="0"/>
               </a:spcBef>
@@ -4581,68 +5862,239 @@
             <a:noAutofit/>
           </a:bodyPr>
           <a:lstStyle>
-            <a:lvl1pPr indent="0" lvl="0" marL="0" algn="r">
-              <a:spcBef>
-                <a:spcPts val="0"/>
-              </a:spcBef>
-              <a:buNone/>
-              <a:defRPr/>
+            <a:lvl1pPr indent="0" lvl="0" marL="0" marR="0" algn="r">
+              <a:lnSpc>
+                <a:spcPct val="100000"/>
+              </a:lnSpc>
+              <a:spcBef>
+                <a:spcPts val="0"/>
+              </a:spcBef>
+              <a:spcAft>
+                <a:spcPts val="0"/>
+              </a:spcAft>
+              <a:buClr>
+                <a:srgbClr val="000000"/>
+              </a:buClr>
+              <a:buSzPts val="1200"/>
+              <a:buFont typeface="Arial"/>
+              <a:buNone/>
+              <a:defRPr b="0" i="0" sz="1200" u="none" cap="none" strike="noStrike">
+                <a:solidFill>
+                  <a:srgbClr val="888888"/>
+                </a:solidFill>
+                <a:latin typeface="Calibri"/>
+                <a:ea typeface="Calibri"/>
+                <a:cs typeface="Calibri"/>
+                <a:sym typeface="Calibri"/>
+              </a:defRPr>
             </a:lvl1pPr>
-            <a:lvl2pPr indent="0" lvl="1" marL="0" algn="r">
-              <a:spcBef>
-                <a:spcPts val="0"/>
-              </a:spcBef>
-              <a:buNone/>
-              <a:defRPr/>
+            <a:lvl2pPr indent="0" lvl="1" marL="0" marR="0" algn="r">
+              <a:lnSpc>
+                <a:spcPct val="100000"/>
+              </a:lnSpc>
+              <a:spcBef>
+                <a:spcPts val="0"/>
+              </a:spcBef>
+              <a:spcAft>
+                <a:spcPts val="0"/>
+              </a:spcAft>
+              <a:buClr>
+                <a:srgbClr val="000000"/>
+              </a:buClr>
+              <a:buSzPts val="1200"/>
+              <a:buFont typeface="Arial"/>
+              <a:buNone/>
+              <a:defRPr b="0" i="0" sz="1200" u="none" cap="none" strike="noStrike">
+                <a:solidFill>
+                  <a:srgbClr val="888888"/>
+                </a:solidFill>
+                <a:latin typeface="Calibri"/>
+                <a:ea typeface="Calibri"/>
+                <a:cs typeface="Calibri"/>
+                <a:sym typeface="Calibri"/>
+              </a:defRPr>
             </a:lvl2pPr>
-            <a:lvl3pPr indent="0" lvl="2" marL="0" algn="r">
-              <a:spcBef>
-                <a:spcPts val="0"/>
-              </a:spcBef>
-              <a:buNone/>
-              <a:defRPr/>
+            <a:lvl3pPr indent="0" lvl="2" marL="0" marR="0" algn="r">
+              <a:lnSpc>
+                <a:spcPct val="100000"/>
+              </a:lnSpc>
+              <a:spcBef>
+                <a:spcPts val="0"/>
+              </a:spcBef>
+              <a:spcAft>
+                <a:spcPts val="0"/>
+              </a:spcAft>
+              <a:buClr>
+                <a:srgbClr val="000000"/>
+              </a:buClr>
+              <a:buSzPts val="1200"/>
+              <a:buFont typeface="Arial"/>
+              <a:buNone/>
+              <a:defRPr b="0" i="0" sz="1200" u="none" cap="none" strike="noStrike">
+                <a:solidFill>
+                  <a:srgbClr val="888888"/>
+                </a:solidFill>
+                <a:latin typeface="Calibri"/>
+                <a:ea typeface="Calibri"/>
+                <a:cs typeface="Calibri"/>
+                <a:sym typeface="Calibri"/>
+              </a:defRPr>
             </a:lvl3pPr>
-            <a:lvl4pPr indent="0" lvl="3" marL="0" algn="r">
-              <a:spcBef>
-                <a:spcPts val="0"/>
-              </a:spcBef>
-              <a:buNone/>
-              <a:defRPr/>
+            <a:lvl4pPr indent="0" lvl="3" marL="0" marR="0" algn="r">
+              <a:lnSpc>
+                <a:spcPct val="100000"/>
+              </a:lnSpc>
+              <a:spcBef>
+                <a:spcPts val="0"/>
+              </a:spcBef>
+              <a:spcAft>
+                <a:spcPts val="0"/>
+              </a:spcAft>
+              <a:buClr>
+                <a:srgbClr val="000000"/>
+              </a:buClr>
+              <a:buSzPts val="1200"/>
+              <a:buFont typeface="Arial"/>
+              <a:buNone/>
+              <a:defRPr b="0" i="0" sz="1200" u="none" cap="none" strike="noStrike">
+                <a:solidFill>
+                  <a:srgbClr val="888888"/>
+                </a:solidFill>
+                <a:latin typeface="Calibri"/>
+                <a:ea typeface="Calibri"/>
+                <a:cs typeface="Calibri"/>
+                <a:sym typeface="Calibri"/>
+              </a:defRPr>
             </a:lvl4pPr>
-            <a:lvl5pPr indent="0" lvl="4" marL="0" algn="r">
-              <a:spcBef>
-                <a:spcPts val="0"/>
-              </a:spcBef>
-              <a:buNone/>
-              <a:defRPr/>
+            <a:lvl5pPr indent="0" lvl="4" marL="0" marR="0" algn="r">
+              <a:lnSpc>
+                <a:spcPct val="100000"/>
+              </a:lnSpc>
+              <a:spcBef>
+                <a:spcPts val="0"/>
+              </a:spcBef>
+              <a:spcAft>
+                <a:spcPts val="0"/>
+              </a:spcAft>
+              <a:buClr>
+                <a:srgbClr val="000000"/>
+              </a:buClr>
+              <a:buSzPts val="1200"/>
+              <a:buFont typeface="Arial"/>
+              <a:buNone/>
+              <a:defRPr b="0" i="0" sz="1200" u="none" cap="none" strike="noStrike">
+                <a:solidFill>
+                  <a:srgbClr val="888888"/>
+                </a:solidFill>
+                <a:latin typeface="Calibri"/>
+                <a:ea typeface="Calibri"/>
+                <a:cs typeface="Calibri"/>
+                <a:sym typeface="Calibri"/>
+              </a:defRPr>
             </a:lvl5pPr>
-            <a:lvl6pPr indent="0" lvl="5" marL="0" algn="r">
-              <a:spcBef>
-                <a:spcPts val="0"/>
-              </a:spcBef>
-              <a:buNone/>
-              <a:defRPr/>
+            <a:lvl6pPr indent="0" lvl="5" marL="0" marR="0" algn="r">
+              <a:lnSpc>
+                <a:spcPct val="100000"/>
+              </a:lnSpc>
+              <a:spcBef>
+                <a:spcPts val="0"/>
+              </a:spcBef>
+              <a:spcAft>
+                <a:spcPts val="0"/>
+              </a:spcAft>
+              <a:buClr>
+                <a:srgbClr val="000000"/>
+              </a:buClr>
+              <a:buSzPts val="1200"/>
+              <a:buFont typeface="Arial"/>
+              <a:buNone/>
+              <a:defRPr b="0" i="0" sz="1200" u="none" cap="none" strike="noStrike">
+                <a:solidFill>
+                  <a:srgbClr val="888888"/>
+                </a:solidFill>
+                <a:latin typeface="Calibri"/>
+                <a:ea typeface="Calibri"/>
+                <a:cs typeface="Calibri"/>
+                <a:sym typeface="Calibri"/>
+              </a:defRPr>
             </a:lvl6pPr>
-            <a:lvl7pPr indent="0" lvl="6" marL="0" algn="r">
-              <a:spcBef>
-                <a:spcPts val="0"/>
-              </a:spcBef>
-              <a:buNone/>
-              <a:defRPr/>
+            <a:lvl7pPr indent="0" lvl="6" marL="0" marR="0" algn="r">
+              <a:lnSpc>
+                <a:spcPct val="100000"/>
+              </a:lnSpc>
+              <a:spcBef>
+                <a:spcPts val="0"/>
+              </a:spcBef>
+              <a:spcAft>
+                <a:spcPts val="0"/>
+              </a:spcAft>
+              <a:buClr>
+                <a:srgbClr val="000000"/>
+              </a:buClr>
+              <a:buSzPts val="1200"/>
+              <a:buFont typeface="Arial"/>
+              <a:buNone/>
+              <a:defRPr b="0" i="0" sz="1200" u="none" cap="none" strike="noStrike">
+                <a:solidFill>
+                  <a:srgbClr val="888888"/>
+                </a:solidFill>
+                <a:latin typeface="Calibri"/>
+                <a:ea typeface="Calibri"/>
+                <a:cs typeface="Calibri"/>
+                <a:sym typeface="Calibri"/>
+              </a:defRPr>
             </a:lvl7pPr>
-            <a:lvl8pPr indent="0" lvl="7" marL="0" algn="r">
-              <a:spcBef>
-                <a:spcPts val="0"/>
-              </a:spcBef>
-              <a:buNone/>
-              <a:defRPr/>
+            <a:lvl8pPr indent="0" lvl="7" marL="0" marR="0" algn="r">
+              <a:lnSpc>
+                <a:spcPct val="100000"/>
+              </a:lnSpc>
+              <a:spcBef>
+                <a:spcPts val="0"/>
+              </a:spcBef>
+              <a:spcAft>
+                <a:spcPts val="0"/>
+              </a:spcAft>
+              <a:buClr>
+                <a:srgbClr val="000000"/>
+              </a:buClr>
+              <a:buSzPts val="1200"/>
+              <a:buFont typeface="Arial"/>
+              <a:buNone/>
+              <a:defRPr b="0" i="0" sz="1200" u="none" cap="none" strike="noStrike">
+                <a:solidFill>
+                  <a:srgbClr val="888888"/>
+                </a:solidFill>
+                <a:latin typeface="Calibri"/>
+                <a:ea typeface="Calibri"/>
+                <a:cs typeface="Calibri"/>
+                <a:sym typeface="Calibri"/>
+              </a:defRPr>
             </a:lvl8pPr>
-            <a:lvl9pPr indent="0" lvl="8" marL="0" algn="r">
-              <a:spcBef>
-                <a:spcPts val="0"/>
-              </a:spcBef>
-              <a:buNone/>
-              <a:defRPr/>
+            <a:lvl9pPr indent="0" lvl="8" marL="0" marR="0" algn="r">
+              <a:lnSpc>
+                <a:spcPct val="100000"/>
+              </a:lnSpc>
+              <a:spcBef>
+                <a:spcPts val="0"/>
+              </a:spcBef>
+              <a:spcAft>
+                <a:spcPts val="0"/>
+              </a:spcAft>
+              <a:buClr>
+                <a:srgbClr val="000000"/>
+              </a:buClr>
+              <a:buSzPts val="1200"/>
+              <a:buFont typeface="Arial"/>
+              <a:buNone/>
+              <a:defRPr b="0" i="0" sz="1200" u="none" cap="none" strike="noStrike">
+                <a:solidFill>
+                  <a:srgbClr val="888888"/>
+                </a:solidFill>
+                <a:latin typeface="Calibri"/>
+                <a:ea typeface="Calibri"/>
+                <a:cs typeface="Calibri"/>
+                <a:sym typeface="Calibri"/>
+              </a:defRPr>
             </a:lvl9pPr>
           </a:lstStyle>
           <a:p>
@@ -4731,7 +6183,10 @@
               <a:buNone/>
               <a:defRPr/>
             </a:lvl1pPr>
-            <a:lvl2pPr lvl="1">
+            <a:lvl2pPr lvl="1" algn="l">
+              <a:lnSpc>
+                <a:spcPct val="100000"/>
+              </a:lnSpc>
               <a:spcBef>
                 <a:spcPts val="0"/>
               </a:spcBef>
@@ -4742,7 +6197,10 @@
               <a:buNone/>
               <a:defRPr/>
             </a:lvl2pPr>
-            <a:lvl3pPr lvl="2">
+            <a:lvl3pPr lvl="2" algn="l">
+              <a:lnSpc>
+                <a:spcPct val="100000"/>
+              </a:lnSpc>
               <a:spcBef>
                 <a:spcPts val="0"/>
               </a:spcBef>
@@ -4753,7 +6211,10 @@
               <a:buNone/>
               <a:defRPr/>
             </a:lvl3pPr>
-            <a:lvl4pPr lvl="3">
+            <a:lvl4pPr lvl="3" algn="l">
+              <a:lnSpc>
+                <a:spcPct val="100000"/>
+              </a:lnSpc>
               <a:spcBef>
                 <a:spcPts val="0"/>
               </a:spcBef>
@@ -4764,7 +6225,10 @@
               <a:buNone/>
               <a:defRPr/>
             </a:lvl4pPr>
-            <a:lvl5pPr lvl="4">
+            <a:lvl5pPr lvl="4" algn="l">
+              <a:lnSpc>
+                <a:spcPct val="100000"/>
+              </a:lnSpc>
               <a:spcBef>
                 <a:spcPts val="0"/>
               </a:spcBef>
@@ -4775,7 +6239,10 @@
               <a:buNone/>
               <a:defRPr/>
             </a:lvl5pPr>
-            <a:lvl6pPr lvl="5">
+            <a:lvl6pPr lvl="5" algn="l">
+              <a:lnSpc>
+                <a:spcPct val="100000"/>
+              </a:lnSpc>
               <a:spcBef>
                 <a:spcPts val="0"/>
               </a:spcBef>
@@ -4786,7 +6253,10 @@
               <a:buNone/>
               <a:defRPr/>
             </a:lvl6pPr>
-            <a:lvl7pPr lvl="6">
+            <a:lvl7pPr lvl="6" algn="l">
+              <a:lnSpc>
+                <a:spcPct val="100000"/>
+              </a:lnSpc>
               <a:spcBef>
                 <a:spcPts val="0"/>
               </a:spcBef>
@@ -4797,7 +6267,10 @@
               <a:buNone/>
               <a:defRPr/>
             </a:lvl7pPr>
-            <a:lvl8pPr lvl="7">
+            <a:lvl8pPr lvl="7" algn="l">
+              <a:lnSpc>
+                <a:spcPct val="100000"/>
+              </a:lnSpc>
               <a:spcBef>
                 <a:spcPts val="0"/>
               </a:spcBef>
@@ -4808,7 +6281,10 @@
               <a:buNone/>
               <a:defRPr/>
             </a:lvl8pPr>
-            <a:lvl9pPr lvl="8">
+            <a:lvl9pPr lvl="8" algn="l">
+              <a:lnSpc>
+                <a:spcPct val="100000"/>
+              </a:lnSpc>
               <a:spcBef>
                 <a:spcPts val="0"/>
               </a:spcBef>
@@ -5216,6 +6692,9 @@
           </a:bodyPr>
           <a:lstStyle>
             <a:lvl1pPr lvl="0" algn="l">
+              <a:lnSpc>
+                <a:spcPct val="100000"/>
+              </a:lnSpc>
               <a:spcBef>
                 <a:spcPts val="0"/>
               </a:spcBef>
@@ -5227,6 +6706,9 @@
               <a:defRPr/>
             </a:lvl1pPr>
             <a:lvl2pPr lvl="1" algn="l">
+              <a:lnSpc>
+                <a:spcPct val="100000"/>
+              </a:lnSpc>
               <a:spcBef>
                 <a:spcPts val="0"/>
               </a:spcBef>
@@ -5238,6 +6720,9 @@
               <a:defRPr/>
             </a:lvl2pPr>
             <a:lvl3pPr lvl="2" algn="l">
+              <a:lnSpc>
+                <a:spcPct val="100000"/>
+              </a:lnSpc>
               <a:spcBef>
                 <a:spcPts val="0"/>
               </a:spcBef>
@@ -5249,6 +6734,9 @@
               <a:defRPr/>
             </a:lvl3pPr>
             <a:lvl4pPr lvl="3" algn="l">
+              <a:lnSpc>
+                <a:spcPct val="100000"/>
+              </a:lnSpc>
               <a:spcBef>
                 <a:spcPts val="0"/>
               </a:spcBef>
@@ -5260,6 +6748,9 @@
               <a:defRPr/>
             </a:lvl4pPr>
             <a:lvl5pPr lvl="4" algn="l">
+              <a:lnSpc>
+                <a:spcPct val="100000"/>
+              </a:lnSpc>
               <a:spcBef>
                 <a:spcPts val="0"/>
               </a:spcBef>
@@ -5271,6 +6762,9 @@
               <a:defRPr/>
             </a:lvl5pPr>
             <a:lvl6pPr lvl="5" algn="l">
+              <a:lnSpc>
+                <a:spcPct val="100000"/>
+              </a:lnSpc>
               <a:spcBef>
                 <a:spcPts val="0"/>
               </a:spcBef>
@@ -5282,6 +6776,9 @@
               <a:defRPr/>
             </a:lvl6pPr>
             <a:lvl7pPr lvl="6" algn="l">
+              <a:lnSpc>
+                <a:spcPct val="100000"/>
+              </a:lnSpc>
               <a:spcBef>
                 <a:spcPts val="0"/>
               </a:spcBef>
@@ -5293,6 +6790,9 @@
               <a:defRPr/>
             </a:lvl7pPr>
             <a:lvl8pPr lvl="7" algn="l">
+              <a:lnSpc>
+                <a:spcPct val="100000"/>
+              </a:lnSpc>
               <a:spcBef>
                 <a:spcPts val="0"/>
               </a:spcBef>
@@ -5304,6 +6804,9 @@
               <a:defRPr/>
             </a:lvl8pPr>
             <a:lvl9pPr lvl="8" algn="l">
+              <a:lnSpc>
+                <a:spcPct val="100000"/>
+              </a:lnSpc>
               <a:spcBef>
                 <a:spcPts val="0"/>
               </a:spcBef>
@@ -5345,6 +6848,9 @@
           </a:bodyPr>
           <a:lstStyle>
             <a:lvl1pPr lvl="0" algn="ctr">
+              <a:lnSpc>
+                <a:spcPct val="100000"/>
+              </a:lnSpc>
               <a:spcBef>
                 <a:spcPts val="0"/>
               </a:spcBef>
@@ -5356,6 +6862,9 @@
               <a:defRPr/>
             </a:lvl1pPr>
             <a:lvl2pPr lvl="1" algn="l">
+              <a:lnSpc>
+                <a:spcPct val="100000"/>
+              </a:lnSpc>
               <a:spcBef>
                 <a:spcPts val="0"/>
               </a:spcBef>
@@ -5367,6 +6876,9 @@
               <a:defRPr/>
             </a:lvl2pPr>
             <a:lvl3pPr lvl="2" algn="l">
+              <a:lnSpc>
+                <a:spcPct val="100000"/>
+              </a:lnSpc>
               <a:spcBef>
                 <a:spcPts val="0"/>
               </a:spcBef>
@@ -5378,6 +6890,9 @@
               <a:defRPr/>
             </a:lvl3pPr>
             <a:lvl4pPr lvl="3" algn="l">
+              <a:lnSpc>
+                <a:spcPct val="100000"/>
+              </a:lnSpc>
               <a:spcBef>
                 <a:spcPts val="0"/>
               </a:spcBef>
@@ -5389,6 +6904,9 @@
               <a:defRPr/>
             </a:lvl4pPr>
             <a:lvl5pPr lvl="4" algn="l">
+              <a:lnSpc>
+                <a:spcPct val="100000"/>
+              </a:lnSpc>
               <a:spcBef>
                 <a:spcPts val="0"/>
               </a:spcBef>
@@ -5400,6 +6918,9 @@
               <a:defRPr/>
             </a:lvl5pPr>
             <a:lvl6pPr lvl="5" algn="l">
+              <a:lnSpc>
+                <a:spcPct val="100000"/>
+              </a:lnSpc>
               <a:spcBef>
                 <a:spcPts val="0"/>
               </a:spcBef>
@@ -5411,6 +6932,9 @@
               <a:defRPr/>
             </a:lvl6pPr>
             <a:lvl7pPr lvl="6" algn="l">
+              <a:lnSpc>
+                <a:spcPct val="100000"/>
+              </a:lnSpc>
               <a:spcBef>
                 <a:spcPts val="0"/>
               </a:spcBef>
@@ -5422,6 +6946,9 @@
               <a:defRPr/>
             </a:lvl7pPr>
             <a:lvl8pPr lvl="7" algn="l">
+              <a:lnSpc>
+                <a:spcPct val="100000"/>
+              </a:lnSpc>
               <a:spcBef>
                 <a:spcPts val="0"/>
               </a:spcBef>
@@ -5433,6 +6960,9 @@
               <a:defRPr/>
             </a:lvl8pPr>
             <a:lvl9pPr lvl="8" algn="l">
+              <a:lnSpc>
+                <a:spcPct val="100000"/>
+              </a:lnSpc>
               <a:spcBef>
                 <a:spcPts val="0"/>
               </a:spcBef>
@@ -5473,68 +7003,239 @@
             <a:noAutofit/>
           </a:bodyPr>
           <a:lstStyle>
-            <a:lvl1pPr indent="0" lvl="0" marL="0" algn="r">
-              <a:spcBef>
-                <a:spcPts val="0"/>
-              </a:spcBef>
-              <a:buNone/>
-              <a:defRPr/>
+            <a:lvl1pPr indent="0" lvl="0" marL="0" marR="0" algn="r">
+              <a:lnSpc>
+                <a:spcPct val="100000"/>
+              </a:lnSpc>
+              <a:spcBef>
+                <a:spcPts val="0"/>
+              </a:spcBef>
+              <a:spcAft>
+                <a:spcPts val="0"/>
+              </a:spcAft>
+              <a:buClr>
+                <a:srgbClr val="000000"/>
+              </a:buClr>
+              <a:buSzPts val="1200"/>
+              <a:buFont typeface="Arial"/>
+              <a:buNone/>
+              <a:defRPr b="0" i="0" sz="1200" u="none" cap="none" strike="noStrike">
+                <a:solidFill>
+                  <a:srgbClr val="888888"/>
+                </a:solidFill>
+                <a:latin typeface="Calibri"/>
+                <a:ea typeface="Calibri"/>
+                <a:cs typeface="Calibri"/>
+                <a:sym typeface="Calibri"/>
+              </a:defRPr>
             </a:lvl1pPr>
-            <a:lvl2pPr indent="0" lvl="1" marL="0" algn="r">
-              <a:spcBef>
-                <a:spcPts val="0"/>
-              </a:spcBef>
-              <a:buNone/>
-              <a:defRPr/>
+            <a:lvl2pPr indent="0" lvl="1" marL="0" marR="0" algn="r">
+              <a:lnSpc>
+                <a:spcPct val="100000"/>
+              </a:lnSpc>
+              <a:spcBef>
+                <a:spcPts val="0"/>
+              </a:spcBef>
+              <a:spcAft>
+                <a:spcPts val="0"/>
+              </a:spcAft>
+              <a:buClr>
+                <a:srgbClr val="000000"/>
+              </a:buClr>
+              <a:buSzPts val="1200"/>
+              <a:buFont typeface="Arial"/>
+              <a:buNone/>
+              <a:defRPr b="0" i="0" sz="1200" u="none" cap="none" strike="noStrike">
+                <a:solidFill>
+                  <a:srgbClr val="888888"/>
+                </a:solidFill>
+                <a:latin typeface="Calibri"/>
+                <a:ea typeface="Calibri"/>
+                <a:cs typeface="Calibri"/>
+                <a:sym typeface="Calibri"/>
+              </a:defRPr>
             </a:lvl2pPr>
-            <a:lvl3pPr indent="0" lvl="2" marL="0" algn="r">
-              <a:spcBef>
-                <a:spcPts val="0"/>
-              </a:spcBef>
-              <a:buNone/>
-              <a:defRPr/>
+            <a:lvl3pPr indent="0" lvl="2" marL="0" marR="0" algn="r">
+              <a:lnSpc>
+                <a:spcPct val="100000"/>
+              </a:lnSpc>
+              <a:spcBef>
+                <a:spcPts val="0"/>
+              </a:spcBef>
+              <a:spcAft>
+                <a:spcPts val="0"/>
+              </a:spcAft>
+              <a:buClr>
+                <a:srgbClr val="000000"/>
+              </a:buClr>
+              <a:buSzPts val="1200"/>
+              <a:buFont typeface="Arial"/>
+              <a:buNone/>
+              <a:defRPr b="0" i="0" sz="1200" u="none" cap="none" strike="noStrike">
+                <a:solidFill>
+                  <a:srgbClr val="888888"/>
+                </a:solidFill>
+                <a:latin typeface="Calibri"/>
+                <a:ea typeface="Calibri"/>
+                <a:cs typeface="Calibri"/>
+                <a:sym typeface="Calibri"/>
+              </a:defRPr>
             </a:lvl3pPr>
-            <a:lvl4pPr indent="0" lvl="3" marL="0" algn="r">
-              <a:spcBef>
-                <a:spcPts val="0"/>
-              </a:spcBef>
-              <a:buNone/>
-              <a:defRPr/>
+            <a:lvl4pPr indent="0" lvl="3" marL="0" marR="0" algn="r">
+              <a:lnSpc>
+                <a:spcPct val="100000"/>
+              </a:lnSpc>
+              <a:spcBef>
+                <a:spcPts val="0"/>
+              </a:spcBef>
+              <a:spcAft>
+                <a:spcPts val="0"/>
+              </a:spcAft>
+              <a:buClr>
+                <a:srgbClr val="000000"/>
+              </a:buClr>
+              <a:buSzPts val="1200"/>
+              <a:buFont typeface="Arial"/>
+              <a:buNone/>
+              <a:defRPr b="0" i="0" sz="1200" u="none" cap="none" strike="noStrike">
+                <a:solidFill>
+                  <a:srgbClr val="888888"/>
+                </a:solidFill>
+                <a:latin typeface="Calibri"/>
+                <a:ea typeface="Calibri"/>
+                <a:cs typeface="Calibri"/>
+                <a:sym typeface="Calibri"/>
+              </a:defRPr>
             </a:lvl4pPr>
-            <a:lvl5pPr indent="0" lvl="4" marL="0" algn="r">
-              <a:spcBef>
-                <a:spcPts val="0"/>
-              </a:spcBef>
-              <a:buNone/>
-              <a:defRPr/>
+            <a:lvl5pPr indent="0" lvl="4" marL="0" marR="0" algn="r">
+              <a:lnSpc>
+                <a:spcPct val="100000"/>
+              </a:lnSpc>
+              <a:spcBef>
+                <a:spcPts val="0"/>
+              </a:spcBef>
+              <a:spcAft>
+                <a:spcPts val="0"/>
+              </a:spcAft>
+              <a:buClr>
+                <a:srgbClr val="000000"/>
+              </a:buClr>
+              <a:buSzPts val="1200"/>
+              <a:buFont typeface="Arial"/>
+              <a:buNone/>
+              <a:defRPr b="0" i="0" sz="1200" u="none" cap="none" strike="noStrike">
+                <a:solidFill>
+                  <a:srgbClr val="888888"/>
+                </a:solidFill>
+                <a:latin typeface="Calibri"/>
+                <a:ea typeface="Calibri"/>
+                <a:cs typeface="Calibri"/>
+                <a:sym typeface="Calibri"/>
+              </a:defRPr>
             </a:lvl5pPr>
-            <a:lvl6pPr indent="0" lvl="5" marL="0" algn="r">
-              <a:spcBef>
-                <a:spcPts val="0"/>
-              </a:spcBef>
-              <a:buNone/>
-              <a:defRPr/>
+            <a:lvl6pPr indent="0" lvl="5" marL="0" marR="0" algn="r">
+              <a:lnSpc>
+                <a:spcPct val="100000"/>
+              </a:lnSpc>
+              <a:spcBef>
+                <a:spcPts val="0"/>
+              </a:spcBef>
+              <a:spcAft>
+                <a:spcPts val="0"/>
+              </a:spcAft>
+              <a:buClr>
+                <a:srgbClr val="000000"/>
+              </a:buClr>
+              <a:buSzPts val="1200"/>
+              <a:buFont typeface="Arial"/>
+              <a:buNone/>
+              <a:defRPr b="0" i="0" sz="1200" u="none" cap="none" strike="noStrike">
+                <a:solidFill>
+                  <a:srgbClr val="888888"/>
+                </a:solidFill>
+                <a:latin typeface="Calibri"/>
+                <a:ea typeface="Calibri"/>
+                <a:cs typeface="Calibri"/>
+                <a:sym typeface="Calibri"/>
+              </a:defRPr>
             </a:lvl6pPr>
-            <a:lvl7pPr indent="0" lvl="6" marL="0" algn="r">
-              <a:spcBef>
-                <a:spcPts val="0"/>
-              </a:spcBef>
-              <a:buNone/>
-              <a:defRPr/>
+            <a:lvl7pPr indent="0" lvl="6" marL="0" marR="0" algn="r">
+              <a:lnSpc>
+                <a:spcPct val="100000"/>
+              </a:lnSpc>
+              <a:spcBef>
+                <a:spcPts val="0"/>
+              </a:spcBef>
+              <a:spcAft>
+                <a:spcPts val="0"/>
+              </a:spcAft>
+              <a:buClr>
+                <a:srgbClr val="000000"/>
+              </a:buClr>
+              <a:buSzPts val="1200"/>
+              <a:buFont typeface="Arial"/>
+              <a:buNone/>
+              <a:defRPr b="0" i="0" sz="1200" u="none" cap="none" strike="noStrike">
+                <a:solidFill>
+                  <a:srgbClr val="888888"/>
+                </a:solidFill>
+                <a:latin typeface="Calibri"/>
+                <a:ea typeface="Calibri"/>
+                <a:cs typeface="Calibri"/>
+                <a:sym typeface="Calibri"/>
+              </a:defRPr>
             </a:lvl7pPr>
-            <a:lvl8pPr indent="0" lvl="7" marL="0" algn="r">
-              <a:spcBef>
-                <a:spcPts val="0"/>
-              </a:spcBef>
-              <a:buNone/>
-              <a:defRPr/>
+            <a:lvl8pPr indent="0" lvl="7" marL="0" marR="0" algn="r">
+              <a:lnSpc>
+                <a:spcPct val="100000"/>
+              </a:lnSpc>
+              <a:spcBef>
+                <a:spcPts val="0"/>
+              </a:spcBef>
+              <a:spcAft>
+                <a:spcPts val="0"/>
+              </a:spcAft>
+              <a:buClr>
+                <a:srgbClr val="000000"/>
+              </a:buClr>
+              <a:buSzPts val="1200"/>
+              <a:buFont typeface="Arial"/>
+              <a:buNone/>
+              <a:defRPr b="0" i="0" sz="1200" u="none" cap="none" strike="noStrike">
+                <a:solidFill>
+                  <a:srgbClr val="888888"/>
+                </a:solidFill>
+                <a:latin typeface="Calibri"/>
+                <a:ea typeface="Calibri"/>
+                <a:cs typeface="Calibri"/>
+                <a:sym typeface="Calibri"/>
+              </a:defRPr>
             </a:lvl8pPr>
-            <a:lvl9pPr indent="0" lvl="8" marL="0" algn="r">
-              <a:spcBef>
-                <a:spcPts val="0"/>
-              </a:spcBef>
-              <a:buNone/>
-              <a:defRPr/>
+            <a:lvl9pPr indent="0" lvl="8" marL="0" marR="0" algn="r">
+              <a:lnSpc>
+                <a:spcPct val="100000"/>
+              </a:lnSpc>
+              <a:spcBef>
+                <a:spcPts val="0"/>
+              </a:spcBef>
+              <a:spcAft>
+                <a:spcPts val="0"/>
+              </a:spcAft>
+              <a:buClr>
+                <a:srgbClr val="000000"/>
+              </a:buClr>
+              <a:buSzPts val="1200"/>
+              <a:buFont typeface="Arial"/>
+              <a:buNone/>
+              <a:defRPr b="0" i="0" sz="1200" u="none" cap="none" strike="noStrike">
+                <a:solidFill>
+                  <a:srgbClr val="888888"/>
+                </a:solidFill>
+                <a:latin typeface="Calibri"/>
+                <a:ea typeface="Calibri"/>
+                <a:cs typeface="Calibri"/>
+                <a:sym typeface="Calibri"/>
+              </a:defRPr>
             </a:lvl9pPr>
           </a:lstStyle>
           <a:p>
@@ -5623,7 +7324,10 @@
               <a:buNone/>
               <a:defRPr/>
             </a:lvl1pPr>
-            <a:lvl2pPr lvl="1">
+            <a:lvl2pPr lvl="1" algn="l">
+              <a:lnSpc>
+                <a:spcPct val="100000"/>
+              </a:lnSpc>
               <a:spcBef>
                 <a:spcPts val="0"/>
               </a:spcBef>
@@ -5634,7 +7338,10 @@
               <a:buNone/>
               <a:defRPr/>
             </a:lvl2pPr>
-            <a:lvl3pPr lvl="2">
+            <a:lvl3pPr lvl="2" algn="l">
+              <a:lnSpc>
+                <a:spcPct val="100000"/>
+              </a:lnSpc>
               <a:spcBef>
                 <a:spcPts val="0"/>
               </a:spcBef>
@@ -5645,7 +7352,10 @@
               <a:buNone/>
               <a:defRPr/>
             </a:lvl3pPr>
-            <a:lvl4pPr lvl="3">
+            <a:lvl4pPr lvl="3" algn="l">
+              <a:lnSpc>
+                <a:spcPct val="100000"/>
+              </a:lnSpc>
               <a:spcBef>
                 <a:spcPts val="0"/>
               </a:spcBef>
@@ -5656,7 +7366,10 @@
               <a:buNone/>
               <a:defRPr/>
             </a:lvl4pPr>
-            <a:lvl5pPr lvl="4">
+            <a:lvl5pPr lvl="4" algn="l">
+              <a:lnSpc>
+                <a:spcPct val="100000"/>
+              </a:lnSpc>
               <a:spcBef>
                 <a:spcPts val="0"/>
               </a:spcBef>
@@ -5667,7 +7380,10 @@
               <a:buNone/>
               <a:defRPr/>
             </a:lvl5pPr>
-            <a:lvl6pPr lvl="5">
+            <a:lvl6pPr lvl="5" algn="l">
+              <a:lnSpc>
+                <a:spcPct val="100000"/>
+              </a:lnSpc>
               <a:spcBef>
                 <a:spcPts val="0"/>
               </a:spcBef>
@@ -5678,7 +7394,10 @@
               <a:buNone/>
               <a:defRPr/>
             </a:lvl6pPr>
-            <a:lvl7pPr lvl="6">
+            <a:lvl7pPr lvl="6" algn="l">
+              <a:lnSpc>
+                <a:spcPct val="100000"/>
+              </a:lnSpc>
               <a:spcBef>
                 <a:spcPts val="0"/>
               </a:spcBef>
@@ -5689,7 +7408,10 @@
               <a:buNone/>
               <a:defRPr/>
             </a:lvl7pPr>
-            <a:lvl8pPr lvl="7">
+            <a:lvl8pPr lvl="7" algn="l">
+              <a:lnSpc>
+                <a:spcPct val="100000"/>
+              </a:lnSpc>
               <a:spcBef>
                 <a:spcPts val="0"/>
               </a:spcBef>
@@ -5700,7 +7422,10 @@
               <a:buNone/>
               <a:defRPr/>
             </a:lvl8pPr>
-            <a:lvl9pPr lvl="8">
+            <a:lvl9pPr lvl="8" algn="l">
+              <a:lnSpc>
+                <a:spcPct val="100000"/>
+              </a:lnSpc>
               <a:spcBef>
                 <a:spcPts val="0"/>
               </a:spcBef>
@@ -6474,6 +8199,9 @@
           </a:bodyPr>
           <a:lstStyle>
             <a:lvl1pPr lvl="0" algn="l">
+              <a:lnSpc>
+                <a:spcPct val="100000"/>
+              </a:lnSpc>
               <a:spcBef>
                 <a:spcPts val="0"/>
               </a:spcBef>
@@ -6485,6 +8213,9 @@
               <a:defRPr/>
             </a:lvl1pPr>
             <a:lvl2pPr lvl="1" algn="l">
+              <a:lnSpc>
+                <a:spcPct val="100000"/>
+              </a:lnSpc>
               <a:spcBef>
                 <a:spcPts val="0"/>
               </a:spcBef>
@@ -6496,6 +8227,9 @@
               <a:defRPr/>
             </a:lvl2pPr>
             <a:lvl3pPr lvl="2" algn="l">
+              <a:lnSpc>
+                <a:spcPct val="100000"/>
+              </a:lnSpc>
               <a:spcBef>
                 <a:spcPts val="0"/>
               </a:spcBef>
@@ -6507,6 +8241,9 @@
               <a:defRPr/>
             </a:lvl3pPr>
             <a:lvl4pPr lvl="3" algn="l">
+              <a:lnSpc>
+                <a:spcPct val="100000"/>
+              </a:lnSpc>
               <a:spcBef>
                 <a:spcPts val="0"/>
               </a:spcBef>
@@ -6518,6 +8255,9 @@
               <a:defRPr/>
             </a:lvl4pPr>
             <a:lvl5pPr lvl="4" algn="l">
+              <a:lnSpc>
+                <a:spcPct val="100000"/>
+              </a:lnSpc>
               <a:spcBef>
                 <a:spcPts val="0"/>
               </a:spcBef>
@@ -6529,6 +8269,9 @@
               <a:defRPr/>
             </a:lvl5pPr>
             <a:lvl6pPr lvl="5" algn="l">
+              <a:lnSpc>
+                <a:spcPct val="100000"/>
+              </a:lnSpc>
               <a:spcBef>
                 <a:spcPts val="0"/>
               </a:spcBef>
@@ -6540,6 +8283,9 @@
               <a:defRPr/>
             </a:lvl6pPr>
             <a:lvl7pPr lvl="6" algn="l">
+              <a:lnSpc>
+                <a:spcPct val="100000"/>
+              </a:lnSpc>
               <a:spcBef>
                 <a:spcPts val="0"/>
               </a:spcBef>
@@ -6551,6 +8297,9 @@
               <a:defRPr/>
             </a:lvl7pPr>
             <a:lvl8pPr lvl="7" algn="l">
+              <a:lnSpc>
+                <a:spcPct val="100000"/>
+              </a:lnSpc>
               <a:spcBef>
                 <a:spcPts val="0"/>
               </a:spcBef>
@@ -6562,6 +8311,9 @@
               <a:defRPr/>
             </a:lvl8pPr>
             <a:lvl9pPr lvl="8" algn="l">
+              <a:lnSpc>
+                <a:spcPct val="100000"/>
+              </a:lnSpc>
               <a:spcBef>
                 <a:spcPts val="0"/>
               </a:spcBef>
@@ -6603,6 +8355,9 @@
           </a:bodyPr>
           <a:lstStyle>
             <a:lvl1pPr lvl="0" algn="ctr">
+              <a:lnSpc>
+                <a:spcPct val="100000"/>
+              </a:lnSpc>
               <a:spcBef>
                 <a:spcPts val="0"/>
               </a:spcBef>
@@ -6614,6 +8369,9 @@
               <a:defRPr/>
             </a:lvl1pPr>
             <a:lvl2pPr lvl="1" algn="l">
+              <a:lnSpc>
+                <a:spcPct val="100000"/>
+              </a:lnSpc>
               <a:spcBef>
                 <a:spcPts val="0"/>
               </a:spcBef>
@@ -6625,6 +8383,9 @@
               <a:defRPr/>
             </a:lvl2pPr>
             <a:lvl3pPr lvl="2" algn="l">
+              <a:lnSpc>
+                <a:spcPct val="100000"/>
+              </a:lnSpc>
               <a:spcBef>
                 <a:spcPts val="0"/>
               </a:spcBef>
@@ -6636,6 +8397,9 @@
               <a:defRPr/>
             </a:lvl3pPr>
             <a:lvl4pPr lvl="3" algn="l">
+              <a:lnSpc>
+                <a:spcPct val="100000"/>
+              </a:lnSpc>
               <a:spcBef>
                 <a:spcPts val="0"/>
               </a:spcBef>
@@ -6647,6 +8411,9 @@
               <a:defRPr/>
             </a:lvl4pPr>
             <a:lvl5pPr lvl="4" algn="l">
+              <a:lnSpc>
+                <a:spcPct val="100000"/>
+              </a:lnSpc>
               <a:spcBef>
                 <a:spcPts val="0"/>
               </a:spcBef>
@@ -6658,6 +8425,9 @@
               <a:defRPr/>
             </a:lvl5pPr>
             <a:lvl6pPr lvl="5" algn="l">
+              <a:lnSpc>
+                <a:spcPct val="100000"/>
+              </a:lnSpc>
               <a:spcBef>
                 <a:spcPts val="0"/>
               </a:spcBef>
@@ -6669,6 +8439,9 @@
               <a:defRPr/>
             </a:lvl6pPr>
             <a:lvl7pPr lvl="6" algn="l">
+              <a:lnSpc>
+                <a:spcPct val="100000"/>
+              </a:lnSpc>
               <a:spcBef>
                 <a:spcPts val="0"/>
               </a:spcBef>
@@ -6680,6 +8453,9 @@
               <a:defRPr/>
             </a:lvl7pPr>
             <a:lvl8pPr lvl="7" algn="l">
+              <a:lnSpc>
+                <a:spcPct val="100000"/>
+              </a:lnSpc>
               <a:spcBef>
                 <a:spcPts val="0"/>
               </a:spcBef>
@@ -6691,6 +8467,9 @@
               <a:defRPr/>
             </a:lvl8pPr>
             <a:lvl9pPr lvl="8" algn="l">
+              <a:lnSpc>
+                <a:spcPct val="100000"/>
+              </a:lnSpc>
               <a:spcBef>
                 <a:spcPts val="0"/>
               </a:spcBef>
@@ -6731,68 +8510,239 @@
             <a:noAutofit/>
           </a:bodyPr>
           <a:lstStyle>
-            <a:lvl1pPr indent="0" lvl="0" marL="0" algn="r">
-              <a:spcBef>
-                <a:spcPts val="0"/>
-              </a:spcBef>
-              <a:buNone/>
-              <a:defRPr/>
+            <a:lvl1pPr indent="0" lvl="0" marL="0" marR="0" algn="r">
+              <a:lnSpc>
+                <a:spcPct val="100000"/>
+              </a:lnSpc>
+              <a:spcBef>
+                <a:spcPts val="0"/>
+              </a:spcBef>
+              <a:spcAft>
+                <a:spcPts val="0"/>
+              </a:spcAft>
+              <a:buClr>
+                <a:srgbClr val="000000"/>
+              </a:buClr>
+              <a:buSzPts val="1200"/>
+              <a:buFont typeface="Arial"/>
+              <a:buNone/>
+              <a:defRPr b="0" i="0" sz="1200" u="none" cap="none" strike="noStrike">
+                <a:solidFill>
+                  <a:srgbClr val="888888"/>
+                </a:solidFill>
+                <a:latin typeface="Calibri"/>
+                <a:ea typeface="Calibri"/>
+                <a:cs typeface="Calibri"/>
+                <a:sym typeface="Calibri"/>
+              </a:defRPr>
             </a:lvl1pPr>
-            <a:lvl2pPr indent="0" lvl="1" marL="0" algn="r">
-              <a:spcBef>
-                <a:spcPts val="0"/>
-              </a:spcBef>
-              <a:buNone/>
-              <a:defRPr/>
+            <a:lvl2pPr indent="0" lvl="1" marL="0" marR="0" algn="r">
+              <a:lnSpc>
+                <a:spcPct val="100000"/>
+              </a:lnSpc>
+              <a:spcBef>
+                <a:spcPts val="0"/>
+              </a:spcBef>
+              <a:spcAft>
+                <a:spcPts val="0"/>
+              </a:spcAft>
+              <a:buClr>
+                <a:srgbClr val="000000"/>
+              </a:buClr>
+              <a:buSzPts val="1200"/>
+              <a:buFont typeface="Arial"/>
+              <a:buNone/>
+              <a:defRPr b="0" i="0" sz="1200" u="none" cap="none" strike="noStrike">
+                <a:solidFill>
+                  <a:srgbClr val="888888"/>
+                </a:solidFill>
+                <a:latin typeface="Calibri"/>
+                <a:ea typeface="Calibri"/>
+                <a:cs typeface="Calibri"/>
+                <a:sym typeface="Calibri"/>
+              </a:defRPr>
             </a:lvl2pPr>
-            <a:lvl3pPr indent="0" lvl="2" marL="0" algn="r">
-              <a:spcBef>
-                <a:spcPts val="0"/>
-              </a:spcBef>
-              <a:buNone/>
-              <a:defRPr/>
+            <a:lvl3pPr indent="0" lvl="2" marL="0" marR="0" algn="r">
+              <a:lnSpc>
+                <a:spcPct val="100000"/>
+              </a:lnSpc>
+              <a:spcBef>
+                <a:spcPts val="0"/>
+              </a:spcBef>
+              <a:spcAft>
+                <a:spcPts val="0"/>
+              </a:spcAft>
+              <a:buClr>
+                <a:srgbClr val="000000"/>
+              </a:buClr>
+              <a:buSzPts val="1200"/>
+              <a:buFont typeface="Arial"/>
+              <a:buNone/>
+              <a:defRPr b="0" i="0" sz="1200" u="none" cap="none" strike="noStrike">
+                <a:solidFill>
+                  <a:srgbClr val="888888"/>
+                </a:solidFill>
+                <a:latin typeface="Calibri"/>
+                <a:ea typeface="Calibri"/>
+                <a:cs typeface="Calibri"/>
+                <a:sym typeface="Calibri"/>
+              </a:defRPr>
             </a:lvl3pPr>
-            <a:lvl4pPr indent="0" lvl="3" marL="0" algn="r">
-              <a:spcBef>
-                <a:spcPts val="0"/>
-              </a:spcBef>
-              <a:buNone/>
-              <a:defRPr/>
+            <a:lvl4pPr indent="0" lvl="3" marL="0" marR="0" algn="r">
+              <a:lnSpc>
+                <a:spcPct val="100000"/>
+              </a:lnSpc>
+              <a:spcBef>
+                <a:spcPts val="0"/>
+              </a:spcBef>
+              <a:spcAft>
+                <a:spcPts val="0"/>
+              </a:spcAft>
+              <a:buClr>
+                <a:srgbClr val="000000"/>
+              </a:buClr>
+              <a:buSzPts val="1200"/>
+              <a:buFont typeface="Arial"/>
+              <a:buNone/>
+              <a:defRPr b="0" i="0" sz="1200" u="none" cap="none" strike="noStrike">
+                <a:solidFill>
+                  <a:srgbClr val="888888"/>
+                </a:solidFill>
+                <a:latin typeface="Calibri"/>
+                <a:ea typeface="Calibri"/>
+                <a:cs typeface="Calibri"/>
+                <a:sym typeface="Calibri"/>
+              </a:defRPr>
             </a:lvl4pPr>
-            <a:lvl5pPr indent="0" lvl="4" marL="0" algn="r">
-              <a:spcBef>
-                <a:spcPts val="0"/>
-              </a:spcBef>
-              <a:buNone/>
-              <a:defRPr/>
+            <a:lvl5pPr indent="0" lvl="4" marL="0" marR="0" algn="r">
+              <a:lnSpc>
+                <a:spcPct val="100000"/>
+              </a:lnSpc>
+              <a:spcBef>
+                <a:spcPts val="0"/>
+              </a:spcBef>
+              <a:spcAft>
+                <a:spcPts val="0"/>
+              </a:spcAft>
+              <a:buClr>
+                <a:srgbClr val="000000"/>
+              </a:buClr>
+              <a:buSzPts val="1200"/>
+              <a:buFont typeface="Arial"/>
+              <a:buNone/>
+              <a:defRPr b="0" i="0" sz="1200" u="none" cap="none" strike="noStrike">
+                <a:solidFill>
+                  <a:srgbClr val="888888"/>
+                </a:solidFill>
+                <a:latin typeface="Calibri"/>
+                <a:ea typeface="Calibri"/>
+                <a:cs typeface="Calibri"/>
+                <a:sym typeface="Calibri"/>
+              </a:defRPr>
             </a:lvl5pPr>
-            <a:lvl6pPr indent="0" lvl="5" marL="0" algn="r">
-              <a:spcBef>
-                <a:spcPts val="0"/>
-              </a:spcBef>
-              <a:buNone/>
-              <a:defRPr/>
+            <a:lvl6pPr indent="0" lvl="5" marL="0" marR="0" algn="r">
+              <a:lnSpc>
+                <a:spcPct val="100000"/>
+              </a:lnSpc>
+              <a:spcBef>
+                <a:spcPts val="0"/>
+              </a:spcBef>
+              <a:spcAft>
+                <a:spcPts val="0"/>
+              </a:spcAft>
+              <a:buClr>
+                <a:srgbClr val="000000"/>
+              </a:buClr>
+              <a:buSzPts val="1200"/>
+              <a:buFont typeface="Arial"/>
+              <a:buNone/>
+              <a:defRPr b="0" i="0" sz="1200" u="none" cap="none" strike="noStrike">
+                <a:solidFill>
+                  <a:srgbClr val="888888"/>
+                </a:solidFill>
+                <a:latin typeface="Calibri"/>
+                <a:ea typeface="Calibri"/>
+                <a:cs typeface="Calibri"/>
+                <a:sym typeface="Calibri"/>
+              </a:defRPr>
             </a:lvl6pPr>
-            <a:lvl7pPr indent="0" lvl="6" marL="0" algn="r">
-              <a:spcBef>
-                <a:spcPts val="0"/>
-              </a:spcBef>
-              <a:buNone/>
-              <a:defRPr/>
+            <a:lvl7pPr indent="0" lvl="6" marL="0" marR="0" algn="r">
+              <a:lnSpc>
+                <a:spcPct val="100000"/>
+              </a:lnSpc>
+              <a:spcBef>
+                <a:spcPts val="0"/>
+              </a:spcBef>
+              <a:spcAft>
+                <a:spcPts val="0"/>
+              </a:spcAft>
+              <a:buClr>
+                <a:srgbClr val="000000"/>
+              </a:buClr>
+              <a:buSzPts val="1200"/>
+              <a:buFont typeface="Arial"/>
+              <a:buNone/>
+              <a:defRPr b="0" i="0" sz="1200" u="none" cap="none" strike="noStrike">
+                <a:solidFill>
+                  <a:srgbClr val="888888"/>
+                </a:solidFill>
+                <a:latin typeface="Calibri"/>
+                <a:ea typeface="Calibri"/>
+                <a:cs typeface="Calibri"/>
+                <a:sym typeface="Calibri"/>
+              </a:defRPr>
             </a:lvl7pPr>
-            <a:lvl8pPr indent="0" lvl="7" marL="0" algn="r">
-              <a:spcBef>
-                <a:spcPts val="0"/>
-              </a:spcBef>
-              <a:buNone/>
-              <a:defRPr/>
+            <a:lvl8pPr indent="0" lvl="7" marL="0" marR="0" algn="r">
+              <a:lnSpc>
+                <a:spcPct val="100000"/>
+              </a:lnSpc>
+              <a:spcBef>
+                <a:spcPts val="0"/>
+              </a:spcBef>
+              <a:spcAft>
+                <a:spcPts val="0"/>
+              </a:spcAft>
+              <a:buClr>
+                <a:srgbClr val="000000"/>
+              </a:buClr>
+              <a:buSzPts val="1200"/>
+              <a:buFont typeface="Arial"/>
+              <a:buNone/>
+              <a:defRPr b="0" i="0" sz="1200" u="none" cap="none" strike="noStrike">
+                <a:solidFill>
+                  <a:srgbClr val="888888"/>
+                </a:solidFill>
+                <a:latin typeface="Calibri"/>
+                <a:ea typeface="Calibri"/>
+                <a:cs typeface="Calibri"/>
+                <a:sym typeface="Calibri"/>
+              </a:defRPr>
             </a:lvl8pPr>
-            <a:lvl9pPr indent="0" lvl="8" marL="0" algn="r">
-              <a:spcBef>
-                <a:spcPts val="0"/>
-              </a:spcBef>
-              <a:buNone/>
-              <a:defRPr/>
+            <a:lvl9pPr indent="0" lvl="8" marL="0" marR="0" algn="r">
+              <a:lnSpc>
+                <a:spcPct val="100000"/>
+              </a:lnSpc>
+              <a:spcBef>
+                <a:spcPts val="0"/>
+              </a:spcBef>
+              <a:spcAft>
+                <a:spcPts val="0"/>
+              </a:spcAft>
+              <a:buClr>
+                <a:srgbClr val="000000"/>
+              </a:buClr>
+              <a:buSzPts val="1200"/>
+              <a:buFont typeface="Arial"/>
+              <a:buNone/>
+              <a:defRPr b="0" i="0" sz="1200" u="none" cap="none" strike="noStrike">
+                <a:solidFill>
+                  <a:srgbClr val="888888"/>
+                </a:solidFill>
+                <a:latin typeface="Calibri"/>
+                <a:ea typeface="Calibri"/>
+                <a:cs typeface="Calibri"/>
+                <a:sym typeface="Calibri"/>
+              </a:defRPr>
             </a:lvl9pPr>
           </a:lstStyle>
           <a:p>
@@ -6881,7 +8831,10 @@
               <a:buNone/>
               <a:defRPr/>
             </a:lvl1pPr>
-            <a:lvl2pPr lvl="1">
+            <a:lvl2pPr lvl="1" algn="l">
+              <a:lnSpc>
+                <a:spcPct val="100000"/>
+              </a:lnSpc>
               <a:spcBef>
                 <a:spcPts val="0"/>
               </a:spcBef>
@@ -6892,7 +8845,10 @@
               <a:buNone/>
               <a:defRPr/>
             </a:lvl2pPr>
-            <a:lvl3pPr lvl="2">
+            <a:lvl3pPr lvl="2" algn="l">
+              <a:lnSpc>
+                <a:spcPct val="100000"/>
+              </a:lnSpc>
               <a:spcBef>
                 <a:spcPts val="0"/>
               </a:spcBef>
@@ -6903,7 +8859,10 @@
               <a:buNone/>
               <a:defRPr/>
             </a:lvl3pPr>
-            <a:lvl4pPr lvl="3">
+            <a:lvl4pPr lvl="3" algn="l">
+              <a:lnSpc>
+                <a:spcPct val="100000"/>
+              </a:lnSpc>
               <a:spcBef>
                 <a:spcPts val="0"/>
               </a:spcBef>
@@ -6914,7 +8873,10 @@
               <a:buNone/>
               <a:defRPr/>
             </a:lvl4pPr>
-            <a:lvl5pPr lvl="4">
+            <a:lvl5pPr lvl="4" algn="l">
+              <a:lnSpc>
+                <a:spcPct val="100000"/>
+              </a:lnSpc>
               <a:spcBef>
                 <a:spcPts val="0"/>
               </a:spcBef>
@@ -6925,7 +8887,10 @@
               <a:buNone/>
               <a:defRPr/>
             </a:lvl5pPr>
-            <a:lvl6pPr lvl="5">
+            <a:lvl6pPr lvl="5" algn="l">
+              <a:lnSpc>
+                <a:spcPct val="100000"/>
+              </a:lnSpc>
               <a:spcBef>
                 <a:spcPts val="0"/>
               </a:spcBef>
@@ -6936,7 +8901,10 @@
               <a:buNone/>
               <a:defRPr/>
             </a:lvl6pPr>
-            <a:lvl7pPr lvl="6">
+            <a:lvl7pPr lvl="6" algn="l">
+              <a:lnSpc>
+                <a:spcPct val="100000"/>
+              </a:lnSpc>
               <a:spcBef>
                 <a:spcPts val="0"/>
               </a:spcBef>
@@ -6947,7 +8915,10 @@
               <a:buNone/>
               <a:defRPr/>
             </a:lvl7pPr>
-            <a:lvl8pPr lvl="7">
+            <a:lvl8pPr lvl="7" algn="l">
+              <a:lnSpc>
+                <a:spcPct val="100000"/>
+              </a:lnSpc>
               <a:spcBef>
                 <a:spcPts val="0"/>
               </a:spcBef>
@@ -6958,7 +8929,10 @@
               <a:buNone/>
               <a:defRPr/>
             </a:lvl8pPr>
-            <a:lvl9pPr lvl="8">
+            <a:lvl9pPr lvl="8" algn="l">
+              <a:lnSpc>
+                <a:spcPct val="100000"/>
+              </a:lnSpc>
               <a:spcBef>
                 <a:spcPts val="0"/>
               </a:spcBef>
@@ -7000,6 +8974,9 @@
           </a:bodyPr>
           <a:lstStyle>
             <a:lvl1pPr lvl="0" algn="l">
+              <a:lnSpc>
+                <a:spcPct val="100000"/>
+              </a:lnSpc>
               <a:spcBef>
                 <a:spcPts val="0"/>
               </a:spcBef>
@@ -7011,6 +8988,9 @@
               <a:defRPr/>
             </a:lvl1pPr>
             <a:lvl2pPr lvl="1" algn="l">
+              <a:lnSpc>
+                <a:spcPct val="100000"/>
+              </a:lnSpc>
               <a:spcBef>
                 <a:spcPts val="0"/>
               </a:spcBef>
@@ -7022,6 +9002,9 @@
               <a:defRPr/>
             </a:lvl2pPr>
             <a:lvl3pPr lvl="2" algn="l">
+              <a:lnSpc>
+                <a:spcPct val="100000"/>
+              </a:lnSpc>
               <a:spcBef>
                 <a:spcPts val="0"/>
               </a:spcBef>
@@ -7033,6 +9016,9 @@
               <a:defRPr/>
             </a:lvl3pPr>
             <a:lvl4pPr lvl="3" algn="l">
+              <a:lnSpc>
+                <a:spcPct val="100000"/>
+              </a:lnSpc>
               <a:spcBef>
                 <a:spcPts val="0"/>
               </a:spcBef>
@@ -7044,6 +9030,9 @@
               <a:defRPr/>
             </a:lvl4pPr>
             <a:lvl5pPr lvl="4" algn="l">
+              <a:lnSpc>
+                <a:spcPct val="100000"/>
+              </a:lnSpc>
               <a:spcBef>
                 <a:spcPts val="0"/>
               </a:spcBef>
@@ -7055,6 +9044,9 @@
               <a:defRPr/>
             </a:lvl5pPr>
             <a:lvl6pPr lvl="5" algn="l">
+              <a:lnSpc>
+                <a:spcPct val="100000"/>
+              </a:lnSpc>
               <a:spcBef>
                 <a:spcPts val="0"/>
               </a:spcBef>
@@ -7066,6 +9058,9 @@
               <a:defRPr/>
             </a:lvl6pPr>
             <a:lvl7pPr lvl="6" algn="l">
+              <a:lnSpc>
+                <a:spcPct val="100000"/>
+              </a:lnSpc>
               <a:spcBef>
                 <a:spcPts val="0"/>
               </a:spcBef>
@@ -7077,6 +9072,9 @@
               <a:defRPr/>
             </a:lvl7pPr>
             <a:lvl8pPr lvl="7" algn="l">
+              <a:lnSpc>
+                <a:spcPct val="100000"/>
+              </a:lnSpc>
               <a:spcBef>
                 <a:spcPts val="0"/>
               </a:spcBef>
@@ -7088,6 +9086,9 @@
               <a:defRPr/>
             </a:lvl8pPr>
             <a:lvl9pPr lvl="8" algn="l">
+              <a:lnSpc>
+                <a:spcPct val="100000"/>
+              </a:lnSpc>
               <a:spcBef>
                 <a:spcPts val="0"/>
               </a:spcBef>
@@ -7129,6 +9130,9 @@
           </a:bodyPr>
           <a:lstStyle>
             <a:lvl1pPr lvl="0" algn="ctr">
+              <a:lnSpc>
+                <a:spcPct val="100000"/>
+              </a:lnSpc>
               <a:spcBef>
                 <a:spcPts val="0"/>
               </a:spcBef>
@@ -7140,6 +9144,9 @@
               <a:defRPr/>
             </a:lvl1pPr>
             <a:lvl2pPr lvl="1" algn="l">
+              <a:lnSpc>
+                <a:spcPct val="100000"/>
+              </a:lnSpc>
               <a:spcBef>
                 <a:spcPts val="0"/>
               </a:spcBef>
@@ -7151,6 +9158,9 @@
               <a:defRPr/>
             </a:lvl2pPr>
             <a:lvl3pPr lvl="2" algn="l">
+              <a:lnSpc>
+                <a:spcPct val="100000"/>
+              </a:lnSpc>
               <a:spcBef>
                 <a:spcPts val="0"/>
               </a:spcBef>
@@ -7162,6 +9172,9 @@
               <a:defRPr/>
             </a:lvl3pPr>
             <a:lvl4pPr lvl="3" algn="l">
+              <a:lnSpc>
+                <a:spcPct val="100000"/>
+              </a:lnSpc>
               <a:spcBef>
                 <a:spcPts val="0"/>
               </a:spcBef>
@@ -7173,6 +9186,9 @@
               <a:defRPr/>
             </a:lvl4pPr>
             <a:lvl5pPr lvl="4" algn="l">
+              <a:lnSpc>
+                <a:spcPct val="100000"/>
+              </a:lnSpc>
               <a:spcBef>
                 <a:spcPts val="0"/>
               </a:spcBef>
@@ -7184,6 +9200,9 @@
               <a:defRPr/>
             </a:lvl5pPr>
             <a:lvl6pPr lvl="5" algn="l">
+              <a:lnSpc>
+                <a:spcPct val="100000"/>
+              </a:lnSpc>
               <a:spcBef>
                 <a:spcPts val="0"/>
               </a:spcBef>
@@ -7195,6 +9214,9 @@
               <a:defRPr/>
             </a:lvl6pPr>
             <a:lvl7pPr lvl="6" algn="l">
+              <a:lnSpc>
+                <a:spcPct val="100000"/>
+              </a:lnSpc>
               <a:spcBef>
                 <a:spcPts val="0"/>
               </a:spcBef>
@@ -7206,6 +9228,9 @@
               <a:defRPr/>
             </a:lvl7pPr>
             <a:lvl8pPr lvl="7" algn="l">
+              <a:lnSpc>
+                <a:spcPct val="100000"/>
+              </a:lnSpc>
               <a:spcBef>
                 <a:spcPts val="0"/>
               </a:spcBef>
@@ -7217,6 +9242,9 @@
               <a:defRPr/>
             </a:lvl8pPr>
             <a:lvl9pPr lvl="8" algn="l">
+              <a:lnSpc>
+                <a:spcPct val="100000"/>
+              </a:lnSpc>
               <a:spcBef>
                 <a:spcPts val="0"/>
               </a:spcBef>
@@ -7257,68 +9285,239 @@
             <a:noAutofit/>
           </a:bodyPr>
           <a:lstStyle>
-            <a:lvl1pPr indent="0" lvl="0" marL="0" algn="r">
-              <a:spcBef>
-                <a:spcPts val="0"/>
-              </a:spcBef>
-              <a:buNone/>
-              <a:defRPr/>
+            <a:lvl1pPr indent="0" lvl="0" marL="0" marR="0" algn="r">
+              <a:lnSpc>
+                <a:spcPct val="100000"/>
+              </a:lnSpc>
+              <a:spcBef>
+                <a:spcPts val="0"/>
+              </a:spcBef>
+              <a:spcAft>
+                <a:spcPts val="0"/>
+              </a:spcAft>
+              <a:buClr>
+                <a:srgbClr val="000000"/>
+              </a:buClr>
+              <a:buSzPts val="1200"/>
+              <a:buFont typeface="Arial"/>
+              <a:buNone/>
+              <a:defRPr b="0" i="0" sz="1200" u="none" cap="none" strike="noStrike">
+                <a:solidFill>
+                  <a:srgbClr val="888888"/>
+                </a:solidFill>
+                <a:latin typeface="Calibri"/>
+                <a:ea typeface="Calibri"/>
+                <a:cs typeface="Calibri"/>
+                <a:sym typeface="Calibri"/>
+              </a:defRPr>
             </a:lvl1pPr>
-            <a:lvl2pPr indent="0" lvl="1" marL="0" algn="r">
-              <a:spcBef>
-                <a:spcPts val="0"/>
-              </a:spcBef>
-              <a:buNone/>
-              <a:defRPr/>
+            <a:lvl2pPr indent="0" lvl="1" marL="0" marR="0" algn="r">
+              <a:lnSpc>
+                <a:spcPct val="100000"/>
+              </a:lnSpc>
+              <a:spcBef>
+                <a:spcPts val="0"/>
+              </a:spcBef>
+              <a:spcAft>
+                <a:spcPts val="0"/>
+              </a:spcAft>
+              <a:buClr>
+                <a:srgbClr val="000000"/>
+              </a:buClr>
+              <a:buSzPts val="1200"/>
+              <a:buFont typeface="Arial"/>
+              <a:buNone/>
+              <a:defRPr b="0" i="0" sz="1200" u="none" cap="none" strike="noStrike">
+                <a:solidFill>
+                  <a:srgbClr val="888888"/>
+                </a:solidFill>
+                <a:latin typeface="Calibri"/>
+                <a:ea typeface="Calibri"/>
+                <a:cs typeface="Calibri"/>
+                <a:sym typeface="Calibri"/>
+              </a:defRPr>
             </a:lvl2pPr>
-            <a:lvl3pPr indent="0" lvl="2" marL="0" algn="r">
-              <a:spcBef>
-                <a:spcPts val="0"/>
-              </a:spcBef>
-              <a:buNone/>
-              <a:defRPr/>
+            <a:lvl3pPr indent="0" lvl="2" marL="0" marR="0" algn="r">
+              <a:lnSpc>
+                <a:spcPct val="100000"/>
+              </a:lnSpc>
+              <a:spcBef>
+                <a:spcPts val="0"/>
+              </a:spcBef>
+              <a:spcAft>
+                <a:spcPts val="0"/>
+              </a:spcAft>
+              <a:buClr>
+                <a:srgbClr val="000000"/>
+              </a:buClr>
+              <a:buSzPts val="1200"/>
+              <a:buFont typeface="Arial"/>
+              <a:buNone/>
+              <a:defRPr b="0" i="0" sz="1200" u="none" cap="none" strike="noStrike">
+                <a:solidFill>
+                  <a:srgbClr val="888888"/>
+                </a:solidFill>
+                <a:latin typeface="Calibri"/>
+                <a:ea typeface="Calibri"/>
+                <a:cs typeface="Calibri"/>
+                <a:sym typeface="Calibri"/>
+              </a:defRPr>
             </a:lvl3pPr>
-            <a:lvl4pPr indent="0" lvl="3" marL="0" algn="r">
-              <a:spcBef>
-                <a:spcPts val="0"/>
-              </a:spcBef>
-              <a:buNone/>
-              <a:defRPr/>
+            <a:lvl4pPr indent="0" lvl="3" marL="0" marR="0" algn="r">
+              <a:lnSpc>
+                <a:spcPct val="100000"/>
+              </a:lnSpc>
+              <a:spcBef>
+                <a:spcPts val="0"/>
+              </a:spcBef>
+              <a:spcAft>
+                <a:spcPts val="0"/>
+              </a:spcAft>
+              <a:buClr>
+                <a:srgbClr val="000000"/>
+              </a:buClr>
+              <a:buSzPts val="1200"/>
+              <a:buFont typeface="Arial"/>
+              <a:buNone/>
+              <a:defRPr b="0" i="0" sz="1200" u="none" cap="none" strike="noStrike">
+                <a:solidFill>
+                  <a:srgbClr val="888888"/>
+                </a:solidFill>
+                <a:latin typeface="Calibri"/>
+                <a:ea typeface="Calibri"/>
+                <a:cs typeface="Calibri"/>
+                <a:sym typeface="Calibri"/>
+              </a:defRPr>
             </a:lvl4pPr>
-            <a:lvl5pPr indent="0" lvl="4" marL="0" algn="r">
-              <a:spcBef>
-                <a:spcPts val="0"/>
-              </a:spcBef>
-              <a:buNone/>
-              <a:defRPr/>
+            <a:lvl5pPr indent="0" lvl="4" marL="0" marR="0" algn="r">
+              <a:lnSpc>
+                <a:spcPct val="100000"/>
+              </a:lnSpc>
+              <a:spcBef>
+                <a:spcPts val="0"/>
+              </a:spcBef>
+              <a:spcAft>
+                <a:spcPts val="0"/>
+              </a:spcAft>
+              <a:buClr>
+                <a:srgbClr val="000000"/>
+              </a:buClr>
+              <a:buSzPts val="1200"/>
+              <a:buFont typeface="Arial"/>
+              <a:buNone/>
+              <a:defRPr b="0" i="0" sz="1200" u="none" cap="none" strike="noStrike">
+                <a:solidFill>
+                  <a:srgbClr val="888888"/>
+                </a:solidFill>
+                <a:latin typeface="Calibri"/>
+                <a:ea typeface="Calibri"/>
+                <a:cs typeface="Calibri"/>
+                <a:sym typeface="Calibri"/>
+              </a:defRPr>
             </a:lvl5pPr>
-            <a:lvl6pPr indent="0" lvl="5" marL="0" algn="r">
-              <a:spcBef>
-                <a:spcPts val="0"/>
-              </a:spcBef>
-              <a:buNone/>
-              <a:defRPr/>
+            <a:lvl6pPr indent="0" lvl="5" marL="0" marR="0" algn="r">
+              <a:lnSpc>
+                <a:spcPct val="100000"/>
+              </a:lnSpc>
+              <a:spcBef>
+                <a:spcPts val="0"/>
+              </a:spcBef>
+              <a:spcAft>
+                <a:spcPts val="0"/>
+              </a:spcAft>
+              <a:buClr>
+                <a:srgbClr val="000000"/>
+              </a:buClr>
+              <a:buSzPts val="1200"/>
+              <a:buFont typeface="Arial"/>
+              <a:buNone/>
+              <a:defRPr b="0" i="0" sz="1200" u="none" cap="none" strike="noStrike">
+                <a:solidFill>
+                  <a:srgbClr val="888888"/>
+                </a:solidFill>
+                <a:latin typeface="Calibri"/>
+                <a:ea typeface="Calibri"/>
+                <a:cs typeface="Calibri"/>
+                <a:sym typeface="Calibri"/>
+              </a:defRPr>
             </a:lvl6pPr>
-            <a:lvl7pPr indent="0" lvl="6" marL="0" algn="r">
-              <a:spcBef>
-                <a:spcPts val="0"/>
-              </a:spcBef>
-              <a:buNone/>
-              <a:defRPr/>
+            <a:lvl7pPr indent="0" lvl="6" marL="0" marR="0" algn="r">
+              <a:lnSpc>
+                <a:spcPct val="100000"/>
+              </a:lnSpc>
+              <a:spcBef>
+                <a:spcPts val="0"/>
+              </a:spcBef>
+              <a:spcAft>
+                <a:spcPts val="0"/>
+              </a:spcAft>
+              <a:buClr>
+                <a:srgbClr val="000000"/>
+              </a:buClr>
+              <a:buSzPts val="1200"/>
+              <a:buFont typeface="Arial"/>
+              <a:buNone/>
+              <a:defRPr b="0" i="0" sz="1200" u="none" cap="none" strike="noStrike">
+                <a:solidFill>
+                  <a:srgbClr val="888888"/>
+                </a:solidFill>
+                <a:latin typeface="Calibri"/>
+                <a:ea typeface="Calibri"/>
+                <a:cs typeface="Calibri"/>
+                <a:sym typeface="Calibri"/>
+              </a:defRPr>
             </a:lvl7pPr>
-            <a:lvl8pPr indent="0" lvl="7" marL="0" algn="r">
-              <a:spcBef>
-                <a:spcPts val="0"/>
-              </a:spcBef>
-              <a:buNone/>
-              <a:defRPr/>
+            <a:lvl8pPr indent="0" lvl="7" marL="0" marR="0" algn="r">
+              <a:lnSpc>
+                <a:spcPct val="100000"/>
+              </a:lnSpc>
+              <a:spcBef>
+                <a:spcPts val="0"/>
+              </a:spcBef>
+              <a:spcAft>
+                <a:spcPts val="0"/>
+              </a:spcAft>
+              <a:buClr>
+                <a:srgbClr val="000000"/>
+              </a:buClr>
+              <a:buSzPts val="1200"/>
+              <a:buFont typeface="Arial"/>
+              <a:buNone/>
+              <a:defRPr b="0" i="0" sz="1200" u="none" cap="none" strike="noStrike">
+                <a:solidFill>
+                  <a:srgbClr val="888888"/>
+                </a:solidFill>
+                <a:latin typeface="Calibri"/>
+                <a:ea typeface="Calibri"/>
+                <a:cs typeface="Calibri"/>
+                <a:sym typeface="Calibri"/>
+              </a:defRPr>
             </a:lvl8pPr>
-            <a:lvl9pPr indent="0" lvl="8" marL="0" algn="r">
-              <a:spcBef>
-                <a:spcPts val="0"/>
-              </a:spcBef>
-              <a:buNone/>
-              <a:defRPr/>
+            <a:lvl9pPr indent="0" lvl="8" marL="0" marR="0" algn="r">
+              <a:lnSpc>
+                <a:spcPct val="100000"/>
+              </a:lnSpc>
+              <a:spcBef>
+                <a:spcPts val="0"/>
+              </a:spcBef>
+              <a:spcAft>
+                <a:spcPts val="0"/>
+              </a:spcAft>
+              <a:buClr>
+                <a:srgbClr val="000000"/>
+              </a:buClr>
+              <a:buSzPts val="1200"/>
+              <a:buFont typeface="Arial"/>
+              <a:buNone/>
+              <a:defRPr b="0" i="0" sz="1200" u="none" cap="none" strike="noStrike">
+                <a:solidFill>
+                  <a:srgbClr val="888888"/>
+                </a:solidFill>
+                <a:latin typeface="Calibri"/>
+                <a:ea typeface="Calibri"/>
+                <a:cs typeface="Calibri"/>
+                <a:sym typeface="Calibri"/>
+              </a:defRPr>
             </a:lvl9pPr>
           </a:lstStyle>
           <a:p>
@@ -7391,6 +9590,9 @@
           </a:bodyPr>
           <a:lstStyle>
             <a:lvl1pPr lvl="0" algn="l">
+              <a:lnSpc>
+                <a:spcPct val="100000"/>
+              </a:lnSpc>
               <a:spcBef>
                 <a:spcPts val="0"/>
               </a:spcBef>
@@ -7402,6 +9604,9 @@
               <a:defRPr/>
             </a:lvl1pPr>
             <a:lvl2pPr lvl="1" algn="l">
+              <a:lnSpc>
+                <a:spcPct val="100000"/>
+              </a:lnSpc>
               <a:spcBef>
                 <a:spcPts val="0"/>
               </a:spcBef>
@@ -7413,6 +9618,9 @@
               <a:defRPr/>
             </a:lvl2pPr>
             <a:lvl3pPr lvl="2" algn="l">
+              <a:lnSpc>
+                <a:spcPct val="100000"/>
+              </a:lnSpc>
               <a:spcBef>
                 <a:spcPts val="0"/>
               </a:spcBef>
@@ -7424,6 +9632,9 @@
               <a:defRPr/>
             </a:lvl3pPr>
             <a:lvl4pPr lvl="3" algn="l">
+              <a:lnSpc>
+                <a:spcPct val="100000"/>
+              </a:lnSpc>
               <a:spcBef>
                 <a:spcPts val="0"/>
               </a:spcBef>
@@ -7435,6 +9646,9 @@
               <a:defRPr/>
             </a:lvl4pPr>
             <a:lvl5pPr lvl="4" algn="l">
+              <a:lnSpc>
+                <a:spcPct val="100000"/>
+              </a:lnSpc>
               <a:spcBef>
                 <a:spcPts val="0"/>
               </a:spcBef>
@@ -7446,6 +9660,9 @@
               <a:defRPr/>
             </a:lvl5pPr>
             <a:lvl6pPr lvl="5" algn="l">
+              <a:lnSpc>
+                <a:spcPct val="100000"/>
+              </a:lnSpc>
               <a:spcBef>
                 <a:spcPts val="0"/>
               </a:spcBef>
@@ -7457,6 +9674,9 @@
               <a:defRPr/>
             </a:lvl6pPr>
             <a:lvl7pPr lvl="6" algn="l">
+              <a:lnSpc>
+                <a:spcPct val="100000"/>
+              </a:lnSpc>
               <a:spcBef>
                 <a:spcPts val="0"/>
               </a:spcBef>
@@ -7468,6 +9688,9 @@
               <a:defRPr/>
             </a:lvl7pPr>
             <a:lvl8pPr lvl="7" algn="l">
+              <a:lnSpc>
+                <a:spcPct val="100000"/>
+              </a:lnSpc>
               <a:spcBef>
                 <a:spcPts val="0"/>
               </a:spcBef>
@@ -7479,6 +9702,9 @@
               <a:defRPr/>
             </a:lvl8pPr>
             <a:lvl9pPr lvl="8" algn="l">
+              <a:lnSpc>
+                <a:spcPct val="100000"/>
+              </a:lnSpc>
               <a:spcBef>
                 <a:spcPts val="0"/>
               </a:spcBef>
@@ -7520,6 +9746,9 @@
           </a:bodyPr>
           <a:lstStyle>
             <a:lvl1pPr lvl="0" algn="ctr">
+              <a:lnSpc>
+                <a:spcPct val="100000"/>
+              </a:lnSpc>
               <a:spcBef>
                 <a:spcPts val="0"/>
               </a:spcBef>
@@ -7531,6 +9760,9 @@
               <a:defRPr/>
             </a:lvl1pPr>
             <a:lvl2pPr lvl="1" algn="l">
+              <a:lnSpc>
+                <a:spcPct val="100000"/>
+              </a:lnSpc>
               <a:spcBef>
                 <a:spcPts val="0"/>
               </a:spcBef>
@@ -7542,6 +9774,9 @@
               <a:defRPr/>
             </a:lvl2pPr>
             <a:lvl3pPr lvl="2" algn="l">
+              <a:lnSpc>
+                <a:spcPct val="100000"/>
+              </a:lnSpc>
               <a:spcBef>
                 <a:spcPts val="0"/>
               </a:spcBef>
@@ -7553,6 +9788,9 @@
               <a:defRPr/>
             </a:lvl3pPr>
             <a:lvl4pPr lvl="3" algn="l">
+              <a:lnSpc>
+                <a:spcPct val="100000"/>
+              </a:lnSpc>
               <a:spcBef>
                 <a:spcPts val="0"/>
               </a:spcBef>
@@ -7564,6 +9802,9 @@
               <a:defRPr/>
             </a:lvl4pPr>
             <a:lvl5pPr lvl="4" algn="l">
+              <a:lnSpc>
+                <a:spcPct val="100000"/>
+              </a:lnSpc>
               <a:spcBef>
                 <a:spcPts val="0"/>
               </a:spcBef>
@@ -7575,6 +9816,9 @@
               <a:defRPr/>
             </a:lvl5pPr>
             <a:lvl6pPr lvl="5" algn="l">
+              <a:lnSpc>
+                <a:spcPct val="100000"/>
+              </a:lnSpc>
               <a:spcBef>
                 <a:spcPts val="0"/>
               </a:spcBef>
@@ -7586,6 +9830,9 @@
               <a:defRPr/>
             </a:lvl6pPr>
             <a:lvl7pPr lvl="6" algn="l">
+              <a:lnSpc>
+                <a:spcPct val="100000"/>
+              </a:lnSpc>
               <a:spcBef>
                 <a:spcPts val="0"/>
               </a:spcBef>
@@ -7597,6 +9844,9 @@
               <a:defRPr/>
             </a:lvl7pPr>
             <a:lvl8pPr lvl="7" algn="l">
+              <a:lnSpc>
+                <a:spcPct val="100000"/>
+              </a:lnSpc>
               <a:spcBef>
                 <a:spcPts val="0"/>
               </a:spcBef>
@@ -7608,6 +9858,9 @@
               <a:defRPr/>
             </a:lvl8pPr>
             <a:lvl9pPr lvl="8" algn="l">
+              <a:lnSpc>
+                <a:spcPct val="100000"/>
+              </a:lnSpc>
               <a:spcBef>
                 <a:spcPts val="0"/>
               </a:spcBef>
@@ -7648,68 +9901,239 @@
             <a:noAutofit/>
           </a:bodyPr>
           <a:lstStyle>
-            <a:lvl1pPr indent="0" lvl="0" marL="0" algn="r">
-              <a:spcBef>
-                <a:spcPts val="0"/>
-              </a:spcBef>
-              <a:buNone/>
-              <a:defRPr/>
+            <a:lvl1pPr indent="0" lvl="0" marL="0" marR="0" algn="r">
+              <a:lnSpc>
+                <a:spcPct val="100000"/>
+              </a:lnSpc>
+              <a:spcBef>
+                <a:spcPts val="0"/>
+              </a:spcBef>
+              <a:spcAft>
+                <a:spcPts val="0"/>
+              </a:spcAft>
+              <a:buClr>
+                <a:srgbClr val="000000"/>
+              </a:buClr>
+              <a:buSzPts val="1200"/>
+              <a:buFont typeface="Arial"/>
+              <a:buNone/>
+              <a:defRPr b="0" i="0" sz="1200" u="none" cap="none" strike="noStrike">
+                <a:solidFill>
+                  <a:srgbClr val="888888"/>
+                </a:solidFill>
+                <a:latin typeface="Calibri"/>
+                <a:ea typeface="Calibri"/>
+                <a:cs typeface="Calibri"/>
+                <a:sym typeface="Calibri"/>
+              </a:defRPr>
             </a:lvl1pPr>
-            <a:lvl2pPr indent="0" lvl="1" marL="0" algn="r">
-              <a:spcBef>
-                <a:spcPts val="0"/>
-              </a:spcBef>
-              <a:buNone/>
-              <a:defRPr/>
+            <a:lvl2pPr indent="0" lvl="1" marL="0" marR="0" algn="r">
+              <a:lnSpc>
+                <a:spcPct val="100000"/>
+              </a:lnSpc>
+              <a:spcBef>
+                <a:spcPts val="0"/>
+              </a:spcBef>
+              <a:spcAft>
+                <a:spcPts val="0"/>
+              </a:spcAft>
+              <a:buClr>
+                <a:srgbClr val="000000"/>
+              </a:buClr>
+              <a:buSzPts val="1200"/>
+              <a:buFont typeface="Arial"/>
+              <a:buNone/>
+              <a:defRPr b="0" i="0" sz="1200" u="none" cap="none" strike="noStrike">
+                <a:solidFill>
+                  <a:srgbClr val="888888"/>
+                </a:solidFill>
+                <a:latin typeface="Calibri"/>
+                <a:ea typeface="Calibri"/>
+                <a:cs typeface="Calibri"/>
+                <a:sym typeface="Calibri"/>
+              </a:defRPr>
             </a:lvl2pPr>
-            <a:lvl3pPr indent="0" lvl="2" marL="0" algn="r">
-              <a:spcBef>
-                <a:spcPts val="0"/>
-              </a:spcBef>
-              <a:buNone/>
-              <a:defRPr/>
+            <a:lvl3pPr indent="0" lvl="2" marL="0" marR="0" algn="r">
+              <a:lnSpc>
+                <a:spcPct val="100000"/>
+              </a:lnSpc>
+              <a:spcBef>
+                <a:spcPts val="0"/>
+              </a:spcBef>
+              <a:spcAft>
+                <a:spcPts val="0"/>
+              </a:spcAft>
+              <a:buClr>
+                <a:srgbClr val="000000"/>
+              </a:buClr>
+              <a:buSzPts val="1200"/>
+              <a:buFont typeface="Arial"/>
+              <a:buNone/>
+              <a:defRPr b="0" i="0" sz="1200" u="none" cap="none" strike="noStrike">
+                <a:solidFill>
+                  <a:srgbClr val="888888"/>
+                </a:solidFill>
+                <a:latin typeface="Calibri"/>
+                <a:ea typeface="Calibri"/>
+                <a:cs typeface="Calibri"/>
+                <a:sym typeface="Calibri"/>
+              </a:defRPr>
             </a:lvl3pPr>
-            <a:lvl4pPr indent="0" lvl="3" marL="0" algn="r">
-              <a:spcBef>
-                <a:spcPts val="0"/>
-              </a:spcBef>
-              <a:buNone/>
-              <a:defRPr/>
+            <a:lvl4pPr indent="0" lvl="3" marL="0" marR="0" algn="r">
+              <a:lnSpc>
+                <a:spcPct val="100000"/>
+              </a:lnSpc>
+              <a:spcBef>
+                <a:spcPts val="0"/>
+              </a:spcBef>
+              <a:spcAft>
+                <a:spcPts val="0"/>
+              </a:spcAft>
+              <a:buClr>
+                <a:srgbClr val="000000"/>
+              </a:buClr>
+              <a:buSzPts val="1200"/>
+              <a:buFont typeface="Arial"/>
+              <a:buNone/>
+              <a:defRPr b="0" i="0" sz="1200" u="none" cap="none" strike="noStrike">
+                <a:solidFill>
+                  <a:srgbClr val="888888"/>
+                </a:solidFill>
+                <a:latin typeface="Calibri"/>
+                <a:ea typeface="Calibri"/>
+                <a:cs typeface="Calibri"/>
+                <a:sym typeface="Calibri"/>
+              </a:defRPr>
             </a:lvl4pPr>
-            <a:lvl5pPr indent="0" lvl="4" marL="0" algn="r">
-              <a:spcBef>
-                <a:spcPts val="0"/>
-              </a:spcBef>
-              <a:buNone/>
-              <a:defRPr/>
+            <a:lvl5pPr indent="0" lvl="4" marL="0" marR="0" algn="r">
+              <a:lnSpc>
+                <a:spcPct val="100000"/>
+              </a:lnSpc>
+              <a:spcBef>
+                <a:spcPts val="0"/>
+              </a:spcBef>
+              <a:spcAft>
+                <a:spcPts val="0"/>
+              </a:spcAft>
+              <a:buClr>
+                <a:srgbClr val="000000"/>
+              </a:buClr>
+              <a:buSzPts val="1200"/>
+              <a:buFont typeface="Arial"/>
+              <a:buNone/>
+              <a:defRPr b="0" i="0" sz="1200" u="none" cap="none" strike="noStrike">
+                <a:solidFill>
+                  <a:srgbClr val="888888"/>
+                </a:solidFill>
+                <a:latin typeface="Calibri"/>
+                <a:ea typeface="Calibri"/>
+                <a:cs typeface="Calibri"/>
+                <a:sym typeface="Calibri"/>
+              </a:defRPr>
             </a:lvl5pPr>
-            <a:lvl6pPr indent="0" lvl="5" marL="0" algn="r">
-              <a:spcBef>
-                <a:spcPts val="0"/>
-              </a:spcBef>
-              <a:buNone/>
-              <a:defRPr/>
+            <a:lvl6pPr indent="0" lvl="5" marL="0" marR="0" algn="r">
+              <a:lnSpc>
+                <a:spcPct val="100000"/>
+              </a:lnSpc>
+              <a:spcBef>
+                <a:spcPts val="0"/>
+              </a:spcBef>
+              <a:spcAft>
+                <a:spcPts val="0"/>
+              </a:spcAft>
+              <a:buClr>
+                <a:srgbClr val="000000"/>
+              </a:buClr>
+              <a:buSzPts val="1200"/>
+              <a:buFont typeface="Arial"/>
+              <a:buNone/>
+              <a:defRPr b="0" i="0" sz="1200" u="none" cap="none" strike="noStrike">
+                <a:solidFill>
+                  <a:srgbClr val="888888"/>
+                </a:solidFill>
+                <a:latin typeface="Calibri"/>
+                <a:ea typeface="Calibri"/>
+                <a:cs typeface="Calibri"/>
+                <a:sym typeface="Calibri"/>
+              </a:defRPr>
             </a:lvl6pPr>
-            <a:lvl7pPr indent="0" lvl="6" marL="0" algn="r">
-              <a:spcBef>
-                <a:spcPts val="0"/>
-              </a:spcBef>
-              <a:buNone/>
-              <a:defRPr/>
+            <a:lvl7pPr indent="0" lvl="6" marL="0" marR="0" algn="r">
+              <a:lnSpc>
+                <a:spcPct val="100000"/>
+              </a:lnSpc>
+              <a:spcBef>
+                <a:spcPts val="0"/>
+              </a:spcBef>
+              <a:spcAft>
+                <a:spcPts val="0"/>
+              </a:spcAft>
+              <a:buClr>
+                <a:srgbClr val="000000"/>
+              </a:buClr>
+              <a:buSzPts val="1200"/>
+              <a:buFont typeface="Arial"/>
+              <a:buNone/>
+              <a:defRPr b="0" i="0" sz="1200" u="none" cap="none" strike="noStrike">
+                <a:solidFill>
+                  <a:srgbClr val="888888"/>
+                </a:solidFill>
+                <a:latin typeface="Calibri"/>
+                <a:ea typeface="Calibri"/>
+                <a:cs typeface="Calibri"/>
+                <a:sym typeface="Calibri"/>
+              </a:defRPr>
             </a:lvl7pPr>
-            <a:lvl8pPr indent="0" lvl="7" marL="0" algn="r">
-              <a:spcBef>
-                <a:spcPts val="0"/>
-              </a:spcBef>
-              <a:buNone/>
-              <a:defRPr/>
+            <a:lvl8pPr indent="0" lvl="7" marL="0" marR="0" algn="r">
+              <a:lnSpc>
+                <a:spcPct val="100000"/>
+              </a:lnSpc>
+              <a:spcBef>
+                <a:spcPts val="0"/>
+              </a:spcBef>
+              <a:spcAft>
+                <a:spcPts val="0"/>
+              </a:spcAft>
+              <a:buClr>
+                <a:srgbClr val="000000"/>
+              </a:buClr>
+              <a:buSzPts val="1200"/>
+              <a:buFont typeface="Arial"/>
+              <a:buNone/>
+              <a:defRPr b="0" i="0" sz="1200" u="none" cap="none" strike="noStrike">
+                <a:solidFill>
+                  <a:srgbClr val="888888"/>
+                </a:solidFill>
+                <a:latin typeface="Calibri"/>
+                <a:ea typeface="Calibri"/>
+                <a:cs typeface="Calibri"/>
+                <a:sym typeface="Calibri"/>
+              </a:defRPr>
             </a:lvl8pPr>
-            <a:lvl9pPr indent="0" lvl="8" marL="0" algn="r">
-              <a:spcBef>
-                <a:spcPts val="0"/>
-              </a:spcBef>
-              <a:buNone/>
-              <a:defRPr/>
+            <a:lvl9pPr indent="0" lvl="8" marL="0" marR="0" algn="r">
+              <a:lnSpc>
+                <a:spcPct val="100000"/>
+              </a:lnSpc>
+              <a:spcBef>
+                <a:spcPts val="0"/>
+              </a:spcBef>
+              <a:spcAft>
+                <a:spcPts val="0"/>
+              </a:spcAft>
+              <a:buClr>
+                <a:srgbClr val="000000"/>
+              </a:buClr>
+              <a:buSzPts val="1200"/>
+              <a:buFont typeface="Arial"/>
+              <a:buNone/>
+              <a:defRPr b="0" i="0" sz="1200" u="none" cap="none" strike="noStrike">
+                <a:solidFill>
+                  <a:srgbClr val="888888"/>
+                </a:solidFill>
+                <a:latin typeface="Calibri"/>
+                <a:ea typeface="Calibri"/>
+                <a:cs typeface="Calibri"/>
+                <a:sym typeface="Calibri"/>
+              </a:defRPr>
             </a:lvl9pPr>
           </a:lstStyle>
           <a:p>
@@ -7799,7 +10223,10 @@
               <a:buNone/>
               <a:defRPr sz="3200"/>
             </a:lvl1pPr>
-            <a:lvl2pPr lvl="1">
+            <a:lvl2pPr lvl="1" algn="l">
+              <a:lnSpc>
+                <a:spcPct val="100000"/>
+              </a:lnSpc>
               <a:spcBef>
                 <a:spcPts val="0"/>
               </a:spcBef>
@@ -7810,7 +10237,10 @@
               <a:buNone/>
               <a:defRPr/>
             </a:lvl2pPr>
-            <a:lvl3pPr lvl="2">
+            <a:lvl3pPr lvl="2" algn="l">
+              <a:lnSpc>
+                <a:spcPct val="100000"/>
+              </a:lnSpc>
               <a:spcBef>
                 <a:spcPts val="0"/>
               </a:spcBef>
@@ -7821,7 +10251,10 @@
               <a:buNone/>
               <a:defRPr/>
             </a:lvl3pPr>
-            <a:lvl4pPr lvl="3">
+            <a:lvl4pPr lvl="3" algn="l">
+              <a:lnSpc>
+                <a:spcPct val="100000"/>
+              </a:lnSpc>
               <a:spcBef>
                 <a:spcPts val="0"/>
               </a:spcBef>
@@ -7832,7 +10265,10 @@
               <a:buNone/>
               <a:defRPr/>
             </a:lvl4pPr>
-            <a:lvl5pPr lvl="4">
+            <a:lvl5pPr lvl="4" algn="l">
+              <a:lnSpc>
+                <a:spcPct val="100000"/>
+              </a:lnSpc>
               <a:spcBef>
                 <a:spcPts val="0"/>
               </a:spcBef>
@@ -7843,7 +10279,10 @@
               <a:buNone/>
               <a:defRPr/>
             </a:lvl5pPr>
-            <a:lvl6pPr lvl="5">
+            <a:lvl6pPr lvl="5" algn="l">
+              <a:lnSpc>
+                <a:spcPct val="100000"/>
+              </a:lnSpc>
               <a:spcBef>
                 <a:spcPts val="0"/>
               </a:spcBef>
@@ -7854,7 +10293,10 @@
               <a:buNone/>
               <a:defRPr/>
             </a:lvl6pPr>
-            <a:lvl7pPr lvl="6">
+            <a:lvl7pPr lvl="6" algn="l">
+              <a:lnSpc>
+                <a:spcPct val="100000"/>
+              </a:lnSpc>
               <a:spcBef>
                 <a:spcPts val="0"/>
               </a:spcBef>
@@ -7865,7 +10307,10 @@
               <a:buNone/>
               <a:defRPr/>
             </a:lvl7pPr>
-            <a:lvl8pPr lvl="7">
+            <a:lvl8pPr lvl="7" algn="l">
+              <a:lnSpc>
+                <a:spcPct val="100000"/>
+              </a:lnSpc>
               <a:spcBef>
                 <a:spcPts val="0"/>
               </a:spcBef>
@@ -7876,7 +10321,10 @@
               <a:buNone/>
               <a:defRPr/>
             </a:lvl8pPr>
-            <a:lvl9pPr lvl="8">
+            <a:lvl9pPr lvl="8" algn="l">
+              <a:lnSpc>
+                <a:spcPct val="100000"/>
+              </a:lnSpc>
               <a:spcBef>
                 <a:spcPts val="0"/>
               </a:spcBef>
@@ -8284,6 +10732,9 @@
           </a:bodyPr>
           <a:lstStyle>
             <a:lvl1pPr lvl="0" algn="l">
+              <a:lnSpc>
+                <a:spcPct val="100000"/>
+              </a:lnSpc>
               <a:spcBef>
                 <a:spcPts val="0"/>
               </a:spcBef>
@@ -8295,6 +10746,9 @@
               <a:defRPr/>
             </a:lvl1pPr>
             <a:lvl2pPr lvl="1" algn="l">
+              <a:lnSpc>
+                <a:spcPct val="100000"/>
+              </a:lnSpc>
               <a:spcBef>
                 <a:spcPts val="0"/>
               </a:spcBef>
@@ -8306,6 +10760,9 @@
               <a:defRPr/>
             </a:lvl2pPr>
             <a:lvl3pPr lvl="2" algn="l">
+              <a:lnSpc>
+                <a:spcPct val="100000"/>
+              </a:lnSpc>
               <a:spcBef>
                 <a:spcPts val="0"/>
               </a:spcBef>
@@ -8317,6 +10774,9 @@
               <a:defRPr/>
             </a:lvl3pPr>
             <a:lvl4pPr lvl="3" algn="l">
+              <a:lnSpc>
+                <a:spcPct val="100000"/>
+              </a:lnSpc>
               <a:spcBef>
                 <a:spcPts val="0"/>
               </a:spcBef>
@@ -8328,6 +10788,9 @@
               <a:defRPr/>
             </a:lvl4pPr>
             <a:lvl5pPr lvl="4" algn="l">
+              <a:lnSpc>
+                <a:spcPct val="100000"/>
+              </a:lnSpc>
               <a:spcBef>
                 <a:spcPts val="0"/>
               </a:spcBef>
@@ -8339,6 +10802,9 @@
               <a:defRPr/>
             </a:lvl5pPr>
             <a:lvl6pPr lvl="5" algn="l">
+              <a:lnSpc>
+                <a:spcPct val="100000"/>
+              </a:lnSpc>
               <a:spcBef>
                 <a:spcPts val="0"/>
               </a:spcBef>
@@ -8350,6 +10816,9 @@
               <a:defRPr/>
             </a:lvl6pPr>
             <a:lvl7pPr lvl="6" algn="l">
+              <a:lnSpc>
+                <a:spcPct val="100000"/>
+              </a:lnSpc>
               <a:spcBef>
                 <a:spcPts val="0"/>
               </a:spcBef>
@@ -8361,6 +10830,9 @@
               <a:defRPr/>
             </a:lvl7pPr>
             <a:lvl8pPr lvl="7" algn="l">
+              <a:lnSpc>
+                <a:spcPct val="100000"/>
+              </a:lnSpc>
               <a:spcBef>
                 <a:spcPts val="0"/>
               </a:spcBef>
@@ -8372,6 +10844,9 @@
               <a:defRPr/>
             </a:lvl8pPr>
             <a:lvl9pPr lvl="8" algn="l">
+              <a:lnSpc>
+                <a:spcPct val="100000"/>
+              </a:lnSpc>
               <a:spcBef>
                 <a:spcPts val="0"/>
               </a:spcBef>
@@ -8413,6 +10888,9 @@
           </a:bodyPr>
           <a:lstStyle>
             <a:lvl1pPr lvl="0" algn="ctr">
+              <a:lnSpc>
+                <a:spcPct val="100000"/>
+              </a:lnSpc>
               <a:spcBef>
                 <a:spcPts val="0"/>
               </a:spcBef>
@@ -8424,6 +10902,9 @@
               <a:defRPr/>
             </a:lvl1pPr>
             <a:lvl2pPr lvl="1" algn="l">
+              <a:lnSpc>
+                <a:spcPct val="100000"/>
+              </a:lnSpc>
               <a:spcBef>
                 <a:spcPts val="0"/>
               </a:spcBef>
@@ -8435,6 +10916,9 @@
               <a:defRPr/>
             </a:lvl2pPr>
             <a:lvl3pPr lvl="2" algn="l">
+              <a:lnSpc>
+                <a:spcPct val="100000"/>
+              </a:lnSpc>
               <a:spcBef>
                 <a:spcPts val="0"/>
               </a:spcBef>
@@ -8446,6 +10930,9 @@
               <a:defRPr/>
             </a:lvl3pPr>
             <a:lvl4pPr lvl="3" algn="l">
+              <a:lnSpc>
+                <a:spcPct val="100000"/>
+              </a:lnSpc>
               <a:spcBef>
                 <a:spcPts val="0"/>
               </a:spcBef>
@@ -8457,6 +10944,9 @@
               <a:defRPr/>
             </a:lvl4pPr>
             <a:lvl5pPr lvl="4" algn="l">
+              <a:lnSpc>
+                <a:spcPct val="100000"/>
+              </a:lnSpc>
               <a:spcBef>
                 <a:spcPts val="0"/>
               </a:spcBef>
@@ -8468,6 +10958,9 @@
               <a:defRPr/>
             </a:lvl5pPr>
             <a:lvl6pPr lvl="5" algn="l">
+              <a:lnSpc>
+                <a:spcPct val="100000"/>
+              </a:lnSpc>
               <a:spcBef>
                 <a:spcPts val="0"/>
               </a:spcBef>
@@ -8479,6 +10972,9 @@
               <a:defRPr/>
             </a:lvl6pPr>
             <a:lvl7pPr lvl="6" algn="l">
+              <a:lnSpc>
+                <a:spcPct val="100000"/>
+              </a:lnSpc>
               <a:spcBef>
                 <a:spcPts val="0"/>
               </a:spcBef>
@@ -8490,6 +10986,9 @@
               <a:defRPr/>
             </a:lvl7pPr>
             <a:lvl8pPr lvl="7" algn="l">
+              <a:lnSpc>
+                <a:spcPct val="100000"/>
+              </a:lnSpc>
               <a:spcBef>
                 <a:spcPts val="0"/>
               </a:spcBef>
@@ -8501,6 +11000,9 @@
               <a:defRPr/>
             </a:lvl8pPr>
             <a:lvl9pPr lvl="8" algn="l">
+              <a:lnSpc>
+                <a:spcPct val="100000"/>
+              </a:lnSpc>
               <a:spcBef>
                 <a:spcPts val="0"/>
               </a:spcBef>
@@ -8541,68 +11043,239 @@
             <a:noAutofit/>
           </a:bodyPr>
           <a:lstStyle>
-            <a:lvl1pPr indent="0" lvl="0" marL="0" algn="r">
-              <a:spcBef>
-                <a:spcPts val="0"/>
-              </a:spcBef>
-              <a:buNone/>
-              <a:defRPr/>
+            <a:lvl1pPr indent="0" lvl="0" marL="0" marR="0" algn="r">
+              <a:lnSpc>
+                <a:spcPct val="100000"/>
+              </a:lnSpc>
+              <a:spcBef>
+                <a:spcPts val="0"/>
+              </a:spcBef>
+              <a:spcAft>
+                <a:spcPts val="0"/>
+              </a:spcAft>
+              <a:buClr>
+                <a:srgbClr val="000000"/>
+              </a:buClr>
+              <a:buSzPts val="1200"/>
+              <a:buFont typeface="Arial"/>
+              <a:buNone/>
+              <a:defRPr b="0" i="0" sz="1200" u="none" cap="none" strike="noStrike">
+                <a:solidFill>
+                  <a:srgbClr val="888888"/>
+                </a:solidFill>
+                <a:latin typeface="Calibri"/>
+                <a:ea typeface="Calibri"/>
+                <a:cs typeface="Calibri"/>
+                <a:sym typeface="Calibri"/>
+              </a:defRPr>
             </a:lvl1pPr>
-            <a:lvl2pPr indent="0" lvl="1" marL="0" algn="r">
-              <a:spcBef>
-                <a:spcPts val="0"/>
-              </a:spcBef>
-              <a:buNone/>
-              <a:defRPr/>
+            <a:lvl2pPr indent="0" lvl="1" marL="0" marR="0" algn="r">
+              <a:lnSpc>
+                <a:spcPct val="100000"/>
+              </a:lnSpc>
+              <a:spcBef>
+                <a:spcPts val="0"/>
+              </a:spcBef>
+              <a:spcAft>
+                <a:spcPts val="0"/>
+              </a:spcAft>
+              <a:buClr>
+                <a:srgbClr val="000000"/>
+              </a:buClr>
+              <a:buSzPts val="1200"/>
+              <a:buFont typeface="Arial"/>
+              <a:buNone/>
+              <a:defRPr b="0" i="0" sz="1200" u="none" cap="none" strike="noStrike">
+                <a:solidFill>
+                  <a:srgbClr val="888888"/>
+                </a:solidFill>
+                <a:latin typeface="Calibri"/>
+                <a:ea typeface="Calibri"/>
+                <a:cs typeface="Calibri"/>
+                <a:sym typeface="Calibri"/>
+              </a:defRPr>
             </a:lvl2pPr>
-            <a:lvl3pPr indent="0" lvl="2" marL="0" algn="r">
-              <a:spcBef>
-                <a:spcPts val="0"/>
-              </a:spcBef>
-              <a:buNone/>
-              <a:defRPr/>
+            <a:lvl3pPr indent="0" lvl="2" marL="0" marR="0" algn="r">
+              <a:lnSpc>
+                <a:spcPct val="100000"/>
+              </a:lnSpc>
+              <a:spcBef>
+                <a:spcPts val="0"/>
+              </a:spcBef>
+              <a:spcAft>
+                <a:spcPts val="0"/>
+              </a:spcAft>
+              <a:buClr>
+                <a:srgbClr val="000000"/>
+              </a:buClr>
+              <a:buSzPts val="1200"/>
+              <a:buFont typeface="Arial"/>
+              <a:buNone/>
+              <a:defRPr b="0" i="0" sz="1200" u="none" cap="none" strike="noStrike">
+                <a:solidFill>
+                  <a:srgbClr val="888888"/>
+                </a:solidFill>
+                <a:latin typeface="Calibri"/>
+                <a:ea typeface="Calibri"/>
+                <a:cs typeface="Calibri"/>
+                <a:sym typeface="Calibri"/>
+              </a:defRPr>
             </a:lvl3pPr>
-            <a:lvl4pPr indent="0" lvl="3" marL="0" algn="r">
-              <a:spcBef>
-                <a:spcPts val="0"/>
-              </a:spcBef>
-              <a:buNone/>
-              <a:defRPr/>
+            <a:lvl4pPr indent="0" lvl="3" marL="0" marR="0" algn="r">
+              <a:lnSpc>
+                <a:spcPct val="100000"/>
+              </a:lnSpc>
+              <a:spcBef>
+                <a:spcPts val="0"/>
+              </a:spcBef>
+              <a:spcAft>
+                <a:spcPts val="0"/>
+              </a:spcAft>
+              <a:buClr>
+                <a:srgbClr val="000000"/>
+              </a:buClr>
+              <a:buSzPts val="1200"/>
+              <a:buFont typeface="Arial"/>
+              <a:buNone/>
+              <a:defRPr b="0" i="0" sz="1200" u="none" cap="none" strike="noStrike">
+                <a:solidFill>
+                  <a:srgbClr val="888888"/>
+                </a:solidFill>
+                <a:latin typeface="Calibri"/>
+                <a:ea typeface="Calibri"/>
+                <a:cs typeface="Calibri"/>
+                <a:sym typeface="Calibri"/>
+              </a:defRPr>
             </a:lvl4pPr>
-            <a:lvl5pPr indent="0" lvl="4" marL="0" algn="r">
-              <a:spcBef>
-                <a:spcPts val="0"/>
-              </a:spcBef>
-              <a:buNone/>
-              <a:defRPr/>
+            <a:lvl5pPr indent="0" lvl="4" marL="0" marR="0" algn="r">
+              <a:lnSpc>
+                <a:spcPct val="100000"/>
+              </a:lnSpc>
+              <a:spcBef>
+                <a:spcPts val="0"/>
+              </a:spcBef>
+              <a:spcAft>
+                <a:spcPts val="0"/>
+              </a:spcAft>
+              <a:buClr>
+                <a:srgbClr val="000000"/>
+              </a:buClr>
+              <a:buSzPts val="1200"/>
+              <a:buFont typeface="Arial"/>
+              <a:buNone/>
+              <a:defRPr b="0" i="0" sz="1200" u="none" cap="none" strike="noStrike">
+                <a:solidFill>
+                  <a:srgbClr val="888888"/>
+                </a:solidFill>
+                <a:latin typeface="Calibri"/>
+                <a:ea typeface="Calibri"/>
+                <a:cs typeface="Calibri"/>
+                <a:sym typeface="Calibri"/>
+              </a:defRPr>
             </a:lvl5pPr>
-            <a:lvl6pPr indent="0" lvl="5" marL="0" algn="r">
-              <a:spcBef>
-                <a:spcPts val="0"/>
-              </a:spcBef>
-              <a:buNone/>
-              <a:defRPr/>
+            <a:lvl6pPr indent="0" lvl="5" marL="0" marR="0" algn="r">
+              <a:lnSpc>
+                <a:spcPct val="100000"/>
+              </a:lnSpc>
+              <a:spcBef>
+                <a:spcPts val="0"/>
+              </a:spcBef>
+              <a:spcAft>
+                <a:spcPts val="0"/>
+              </a:spcAft>
+              <a:buClr>
+                <a:srgbClr val="000000"/>
+              </a:buClr>
+              <a:buSzPts val="1200"/>
+              <a:buFont typeface="Arial"/>
+              <a:buNone/>
+              <a:defRPr b="0" i="0" sz="1200" u="none" cap="none" strike="noStrike">
+                <a:solidFill>
+                  <a:srgbClr val="888888"/>
+                </a:solidFill>
+                <a:latin typeface="Calibri"/>
+                <a:ea typeface="Calibri"/>
+                <a:cs typeface="Calibri"/>
+                <a:sym typeface="Calibri"/>
+              </a:defRPr>
             </a:lvl6pPr>
-            <a:lvl7pPr indent="0" lvl="6" marL="0" algn="r">
-              <a:spcBef>
-                <a:spcPts val="0"/>
-              </a:spcBef>
-              <a:buNone/>
-              <a:defRPr/>
+            <a:lvl7pPr indent="0" lvl="6" marL="0" marR="0" algn="r">
+              <a:lnSpc>
+                <a:spcPct val="100000"/>
+              </a:lnSpc>
+              <a:spcBef>
+                <a:spcPts val="0"/>
+              </a:spcBef>
+              <a:spcAft>
+                <a:spcPts val="0"/>
+              </a:spcAft>
+              <a:buClr>
+                <a:srgbClr val="000000"/>
+              </a:buClr>
+              <a:buSzPts val="1200"/>
+              <a:buFont typeface="Arial"/>
+              <a:buNone/>
+              <a:defRPr b="0" i="0" sz="1200" u="none" cap="none" strike="noStrike">
+                <a:solidFill>
+                  <a:srgbClr val="888888"/>
+                </a:solidFill>
+                <a:latin typeface="Calibri"/>
+                <a:ea typeface="Calibri"/>
+                <a:cs typeface="Calibri"/>
+                <a:sym typeface="Calibri"/>
+              </a:defRPr>
             </a:lvl7pPr>
-            <a:lvl8pPr indent="0" lvl="7" marL="0" algn="r">
-              <a:spcBef>
-                <a:spcPts val="0"/>
-              </a:spcBef>
-              <a:buNone/>
-              <a:defRPr/>
+            <a:lvl8pPr indent="0" lvl="7" marL="0" marR="0" algn="r">
+              <a:lnSpc>
+                <a:spcPct val="100000"/>
+              </a:lnSpc>
+              <a:spcBef>
+                <a:spcPts val="0"/>
+              </a:spcBef>
+              <a:spcAft>
+                <a:spcPts val="0"/>
+              </a:spcAft>
+              <a:buClr>
+                <a:srgbClr val="000000"/>
+              </a:buClr>
+              <a:buSzPts val="1200"/>
+              <a:buFont typeface="Arial"/>
+              <a:buNone/>
+              <a:defRPr b="0" i="0" sz="1200" u="none" cap="none" strike="noStrike">
+                <a:solidFill>
+                  <a:srgbClr val="888888"/>
+                </a:solidFill>
+                <a:latin typeface="Calibri"/>
+                <a:ea typeface="Calibri"/>
+                <a:cs typeface="Calibri"/>
+                <a:sym typeface="Calibri"/>
+              </a:defRPr>
             </a:lvl8pPr>
-            <a:lvl9pPr indent="0" lvl="8" marL="0" algn="r">
-              <a:spcBef>
-                <a:spcPts val="0"/>
-              </a:spcBef>
-              <a:buNone/>
-              <a:defRPr/>
+            <a:lvl9pPr indent="0" lvl="8" marL="0" marR="0" algn="r">
+              <a:lnSpc>
+                <a:spcPct val="100000"/>
+              </a:lnSpc>
+              <a:spcBef>
+                <a:spcPts val="0"/>
+              </a:spcBef>
+              <a:spcAft>
+                <a:spcPts val="0"/>
+              </a:spcAft>
+              <a:buClr>
+                <a:srgbClr val="000000"/>
+              </a:buClr>
+              <a:buSzPts val="1200"/>
+              <a:buFont typeface="Arial"/>
+              <a:buNone/>
+              <a:defRPr b="0" i="0" sz="1200" u="none" cap="none" strike="noStrike">
+                <a:solidFill>
+                  <a:srgbClr val="888888"/>
+                </a:solidFill>
+                <a:latin typeface="Calibri"/>
+                <a:ea typeface="Calibri"/>
+                <a:cs typeface="Calibri"/>
+                <a:sym typeface="Calibri"/>
+              </a:defRPr>
             </a:lvl9pPr>
           </a:lstStyle>
           <a:p>
@@ -8692,7 +11365,10 @@
               <a:buNone/>
               <a:defRPr sz="3200"/>
             </a:lvl1pPr>
-            <a:lvl2pPr lvl="1">
+            <a:lvl2pPr lvl="1" algn="l">
+              <a:lnSpc>
+                <a:spcPct val="100000"/>
+              </a:lnSpc>
               <a:spcBef>
                 <a:spcPts val="0"/>
               </a:spcBef>
@@ -8703,7 +11379,10 @@
               <a:buNone/>
               <a:defRPr/>
             </a:lvl2pPr>
-            <a:lvl3pPr lvl="2">
+            <a:lvl3pPr lvl="2" algn="l">
+              <a:lnSpc>
+                <a:spcPct val="100000"/>
+              </a:lnSpc>
               <a:spcBef>
                 <a:spcPts val="0"/>
               </a:spcBef>
@@ -8714,7 +11393,10 @@
               <a:buNone/>
               <a:defRPr/>
             </a:lvl3pPr>
-            <a:lvl4pPr lvl="3">
+            <a:lvl4pPr lvl="3" algn="l">
+              <a:lnSpc>
+                <a:spcPct val="100000"/>
+              </a:lnSpc>
               <a:spcBef>
                 <a:spcPts val="0"/>
               </a:spcBef>
@@ -8725,7 +11407,10 @@
               <a:buNone/>
               <a:defRPr/>
             </a:lvl4pPr>
-            <a:lvl5pPr lvl="4">
+            <a:lvl5pPr lvl="4" algn="l">
+              <a:lnSpc>
+                <a:spcPct val="100000"/>
+              </a:lnSpc>
               <a:spcBef>
                 <a:spcPts val="0"/>
               </a:spcBef>
@@ -8736,7 +11421,10 @@
               <a:buNone/>
               <a:defRPr/>
             </a:lvl5pPr>
-            <a:lvl6pPr lvl="5">
+            <a:lvl6pPr lvl="5" algn="l">
+              <a:lnSpc>
+                <a:spcPct val="100000"/>
+              </a:lnSpc>
               <a:spcBef>
                 <a:spcPts val="0"/>
               </a:spcBef>
@@ -8747,7 +11435,10 @@
               <a:buNone/>
               <a:defRPr/>
             </a:lvl6pPr>
-            <a:lvl7pPr lvl="6">
+            <a:lvl7pPr lvl="6" algn="l">
+              <a:lnSpc>
+                <a:spcPct val="100000"/>
+              </a:lnSpc>
               <a:spcBef>
                 <a:spcPts val="0"/>
               </a:spcBef>
@@ -8758,7 +11449,10 @@
               <a:buNone/>
               <a:defRPr/>
             </a:lvl7pPr>
-            <a:lvl8pPr lvl="7">
+            <a:lvl8pPr lvl="7" algn="l">
+              <a:lnSpc>
+                <a:spcPct val="100000"/>
+              </a:lnSpc>
               <a:spcBef>
                 <a:spcPts val="0"/>
               </a:spcBef>
@@ -8769,7 +11463,10 @@
               <a:buNone/>
               <a:defRPr/>
             </a:lvl8pPr>
-            <a:lvl9pPr lvl="8">
+            <a:lvl9pPr lvl="8" algn="l">
+              <a:lnSpc>
+                <a:spcPct val="100000"/>
+              </a:lnSpc>
               <a:spcBef>
                 <a:spcPts val="0"/>
               </a:spcBef>
@@ -9258,6 +11955,9 @@
           </a:bodyPr>
           <a:lstStyle>
             <a:lvl1pPr lvl="0" algn="l">
+              <a:lnSpc>
+                <a:spcPct val="100000"/>
+              </a:lnSpc>
               <a:spcBef>
                 <a:spcPts val="0"/>
               </a:spcBef>
@@ -9269,6 +11969,9 @@
               <a:defRPr/>
             </a:lvl1pPr>
             <a:lvl2pPr lvl="1" algn="l">
+              <a:lnSpc>
+                <a:spcPct val="100000"/>
+              </a:lnSpc>
               <a:spcBef>
                 <a:spcPts val="0"/>
               </a:spcBef>
@@ -9280,6 +11983,9 @@
               <a:defRPr/>
             </a:lvl2pPr>
             <a:lvl3pPr lvl="2" algn="l">
+              <a:lnSpc>
+                <a:spcPct val="100000"/>
+              </a:lnSpc>
               <a:spcBef>
                 <a:spcPts val="0"/>
               </a:spcBef>
@@ -9291,6 +11997,9 @@
               <a:defRPr/>
             </a:lvl3pPr>
             <a:lvl4pPr lvl="3" algn="l">
+              <a:lnSpc>
+                <a:spcPct val="100000"/>
+              </a:lnSpc>
               <a:spcBef>
                 <a:spcPts val="0"/>
               </a:spcBef>
@@ -9302,6 +12011,9 @@
               <a:defRPr/>
             </a:lvl4pPr>
             <a:lvl5pPr lvl="4" algn="l">
+              <a:lnSpc>
+                <a:spcPct val="100000"/>
+              </a:lnSpc>
               <a:spcBef>
                 <a:spcPts val="0"/>
               </a:spcBef>
@@ -9313,6 +12025,9 @@
               <a:defRPr/>
             </a:lvl5pPr>
             <a:lvl6pPr lvl="5" algn="l">
+              <a:lnSpc>
+                <a:spcPct val="100000"/>
+              </a:lnSpc>
               <a:spcBef>
                 <a:spcPts val="0"/>
               </a:spcBef>
@@ -9324,6 +12039,9 @@
               <a:defRPr/>
             </a:lvl6pPr>
             <a:lvl7pPr lvl="6" algn="l">
+              <a:lnSpc>
+                <a:spcPct val="100000"/>
+              </a:lnSpc>
               <a:spcBef>
                 <a:spcPts val="0"/>
               </a:spcBef>
@@ -9335,6 +12053,9 @@
               <a:defRPr/>
             </a:lvl7pPr>
             <a:lvl8pPr lvl="7" algn="l">
+              <a:lnSpc>
+                <a:spcPct val="100000"/>
+              </a:lnSpc>
               <a:spcBef>
                 <a:spcPts val="0"/>
               </a:spcBef>
@@ -9346,6 +12067,9 @@
               <a:defRPr/>
             </a:lvl8pPr>
             <a:lvl9pPr lvl="8" algn="l">
+              <a:lnSpc>
+                <a:spcPct val="100000"/>
+              </a:lnSpc>
               <a:spcBef>
                 <a:spcPts val="0"/>
               </a:spcBef>
@@ -9387,6 +12111,9 @@
           </a:bodyPr>
           <a:lstStyle>
             <a:lvl1pPr lvl="0" algn="ctr">
+              <a:lnSpc>
+                <a:spcPct val="100000"/>
+              </a:lnSpc>
               <a:spcBef>
                 <a:spcPts val="0"/>
               </a:spcBef>
@@ -9398,6 +12125,9 @@
               <a:defRPr/>
             </a:lvl1pPr>
             <a:lvl2pPr lvl="1" algn="l">
+              <a:lnSpc>
+                <a:spcPct val="100000"/>
+              </a:lnSpc>
               <a:spcBef>
                 <a:spcPts val="0"/>
               </a:spcBef>
@@ -9409,6 +12139,9 @@
               <a:defRPr/>
             </a:lvl2pPr>
             <a:lvl3pPr lvl="2" algn="l">
+              <a:lnSpc>
+                <a:spcPct val="100000"/>
+              </a:lnSpc>
               <a:spcBef>
                 <a:spcPts val="0"/>
               </a:spcBef>
@@ -9420,6 +12153,9 @@
               <a:defRPr/>
             </a:lvl3pPr>
             <a:lvl4pPr lvl="3" algn="l">
+              <a:lnSpc>
+                <a:spcPct val="100000"/>
+              </a:lnSpc>
               <a:spcBef>
                 <a:spcPts val="0"/>
               </a:spcBef>
@@ -9431,6 +12167,9 @@
               <a:defRPr/>
             </a:lvl4pPr>
             <a:lvl5pPr lvl="4" algn="l">
+              <a:lnSpc>
+                <a:spcPct val="100000"/>
+              </a:lnSpc>
               <a:spcBef>
                 <a:spcPts val="0"/>
               </a:spcBef>
@@ -9442,6 +12181,9 @@
               <a:defRPr/>
             </a:lvl5pPr>
             <a:lvl6pPr lvl="5" algn="l">
+              <a:lnSpc>
+                <a:spcPct val="100000"/>
+              </a:lnSpc>
               <a:spcBef>
                 <a:spcPts val="0"/>
               </a:spcBef>
@@ -9453,6 +12195,9 @@
               <a:defRPr/>
             </a:lvl6pPr>
             <a:lvl7pPr lvl="6" algn="l">
+              <a:lnSpc>
+                <a:spcPct val="100000"/>
+              </a:lnSpc>
               <a:spcBef>
                 <a:spcPts val="0"/>
               </a:spcBef>
@@ -9464,6 +12209,9 @@
               <a:defRPr/>
             </a:lvl7pPr>
             <a:lvl8pPr lvl="7" algn="l">
+              <a:lnSpc>
+                <a:spcPct val="100000"/>
+              </a:lnSpc>
               <a:spcBef>
                 <a:spcPts val="0"/>
               </a:spcBef>
@@ -9475,6 +12223,9 @@
               <a:defRPr/>
             </a:lvl8pPr>
             <a:lvl9pPr lvl="8" algn="l">
+              <a:lnSpc>
+                <a:spcPct val="100000"/>
+              </a:lnSpc>
               <a:spcBef>
                 <a:spcPts val="0"/>
               </a:spcBef>
@@ -9515,68 +12266,239 @@
             <a:noAutofit/>
           </a:bodyPr>
           <a:lstStyle>
-            <a:lvl1pPr indent="0" lvl="0" marL="0" algn="r">
-              <a:spcBef>
-                <a:spcPts val="0"/>
-              </a:spcBef>
-              <a:buNone/>
-              <a:defRPr/>
+            <a:lvl1pPr indent="0" lvl="0" marL="0" marR="0" algn="r">
+              <a:lnSpc>
+                <a:spcPct val="100000"/>
+              </a:lnSpc>
+              <a:spcBef>
+                <a:spcPts val="0"/>
+              </a:spcBef>
+              <a:spcAft>
+                <a:spcPts val="0"/>
+              </a:spcAft>
+              <a:buClr>
+                <a:srgbClr val="000000"/>
+              </a:buClr>
+              <a:buSzPts val="1200"/>
+              <a:buFont typeface="Arial"/>
+              <a:buNone/>
+              <a:defRPr b="0" i="0" sz="1200" u="none" cap="none" strike="noStrike">
+                <a:solidFill>
+                  <a:srgbClr val="888888"/>
+                </a:solidFill>
+                <a:latin typeface="Calibri"/>
+                <a:ea typeface="Calibri"/>
+                <a:cs typeface="Calibri"/>
+                <a:sym typeface="Calibri"/>
+              </a:defRPr>
             </a:lvl1pPr>
-            <a:lvl2pPr indent="0" lvl="1" marL="0" algn="r">
-              <a:spcBef>
-                <a:spcPts val="0"/>
-              </a:spcBef>
-              <a:buNone/>
-              <a:defRPr/>
+            <a:lvl2pPr indent="0" lvl="1" marL="0" marR="0" algn="r">
+              <a:lnSpc>
+                <a:spcPct val="100000"/>
+              </a:lnSpc>
+              <a:spcBef>
+                <a:spcPts val="0"/>
+              </a:spcBef>
+              <a:spcAft>
+                <a:spcPts val="0"/>
+              </a:spcAft>
+              <a:buClr>
+                <a:srgbClr val="000000"/>
+              </a:buClr>
+              <a:buSzPts val="1200"/>
+              <a:buFont typeface="Arial"/>
+              <a:buNone/>
+              <a:defRPr b="0" i="0" sz="1200" u="none" cap="none" strike="noStrike">
+                <a:solidFill>
+                  <a:srgbClr val="888888"/>
+                </a:solidFill>
+                <a:latin typeface="Calibri"/>
+                <a:ea typeface="Calibri"/>
+                <a:cs typeface="Calibri"/>
+                <a:sym typeface="Calibri"/>
+              </a:defRPr>
             </a:lvl2pPr>
-            <a:lvl3pPr indent="0" lvl="2" marL="0" algn="r">
-              <a:spcBef>
-                <a:spcPts val="0"/>
-              </a:spcBef>
-              <a:buNone/>
-              <a:defRPr/>
+            <a:lvl3pPr indent="0" lvl="2" marL="0" marR="0" algn="r">
+              <a:lnSpc>
+                <a:spcPct val="100000"/>
+              </a:lnSpc>
+              <a:spcBef>
+                <a:spcPts val="0"/>
+              </a:spcBef>
+              <a:spcAft>
+                <a:spcPts val="0"/>
+              </a:spcAft>
+              <a:buClr>
+                <a:srgbClr val="000000"/>
+              </a:buClr>
+              <a:buSzPts val="1200"/>
+              <a:buFont typeface="Arial"/>
+              <a:buNone/>
+              <a:defRPr b="0" i="0" sz="1200" u="none" cap="none" strike="noStrike">
+                <a:solidFill>
+                  <a:srgbClr val="888888"/>
+                </a:solidFill>
+                <a:latin typeface="Calibri"/>
+                <a:ea typeface="Calibri"/>
+                <a:cs typeface="Calibri"/>
+                <a:sym typeface="Calibri"/>
+              </a:defRPr>
             </a:lvl3pPr>
-            <a:lvl4pPr indent="0" lvl="3" marL="0" algn="r">
-              <a:spcBef>
-                <a:spcPts val="0"/>
-              </a:spcBef>
-              <a:buNone/>
-              <a:defRPr/>
+            <a:lvl4pPr indent="0" lvl="3" marL="0" marR="0" algn="r">
+              <a:lnSpc>
+                <a:spcPct val="100000"/>
+              </a:lnSpc>
+              <a:spcBef>
+                <a:spcPts val="0"/>
+              </a:spcBef>
+              <a:spcAft>
+                <a:spcPts val="0"/>
+              </a:spcAft>
+              <a:buClr>
+                <a:srgbClr val="000000"/>
+              </a:buClr>
+              <a:buSzPts val="1200"/>
+              <a:buFont typeface="Arial"/>
+              <a:buNone/>
+              <a:defRPr b="0" i="0" sz="1200" u="none" cap="none" strike="noStrike">
+                <a:solidFill>
+                  <a:srgbClr val="888888"/>
+                </a:solidFill>
+                <a:latin typeface="Calibri"/>
+                <a:ea typeface="Calibri"/>
+                <a:cs typeface="Calibri"/>
+                <a:sym typeface="Calibri"/>
+              </a:defRPr>
             </a:lvl4pPr>
-            <a:lvl5pPr indent="0" lvl="4" marL="0" algn="r">
-              <a:spcBef>
-                <a:spcPts val="0"/>
-              </a:spcBef>
-              <a:buNone/>
-              <a:defRPr/>
+            <a:lvl5pPr indent="0" lvl="4" marL="0" marR="0" algn="r">
+              <a:lnSpc>
+                <a:spcPct val="100000"/>
+              </a:lnSpc>
+              <a:spcBef>
+                <a:spcPts val="0"/>
+              </a:spcBef>
+              <a:spcAft>
+                <a:spcPts val="0"/>
+              </a:spcAft>
+              <a:buClr>
+                <a:srgbClr val="000000"/>
+              </a:buClr>
+              <a:buSzPts val="1200"/>
+              <a:buFont typeface="Arial"/>
+              <a:buNone/>
+              <a:defRPr b="0" i="0" sz="1200" u="none" cap="none" strike="noStrike">
+                <a:solidFill>
+                  <a:srgbClr val="888888"/>
+                </a:solidFill>
+                <a:latin typeface="Calibri"/>
+                <a:ea typeface="Calibri"/>
+                <a:cs typeface="Calibri"/>
+                <a:sym typeface="Calibri"/>
+              </a:defRPr>
             </a:lvl5pPr>
-            <a:lvl6pPr indent="0" lvl="5" marL="0" algn="r">
-              <a:spcBef>
-                <a:spcPts val="0"/>
-              </a:spcBef>
-              <a:buNone/>
-              <a:defRPr/>
+            <a:lvl6pPr indent="0" lvl="5" marL="0" marR="0" algn="r">
+              <a:lnSpc>
+                <a:spcPct val="100000"/>
+              </a:lnSpc>
+              <a:spcBef>
+                <a:spcPts val="0"/>
+              </a:spcBef>
+              <a:spcAft>
+                <a:spcPts val="0"/>
+              </a:spcAft>
+              <a:buClr>
+                <a:srgbClr val="000000"/>
+              </a:buClr>
+              <a:buSzPts val="1200"/>
+              <a:buFont typeface="Arial"/>
+              <a:buNone/>
+              <a:defRPr b="0" i="0" sz="1200" u="none" cap="none" strike="noStrike">
+                <a:solidFill>
+                  <a:srgbClr val="888888"/>
+                </a:solidFill>
+                <a:latin typeface="Calibri"/>
+                <a:ea typeface="Calibri"/>
+                <a:cs typeface="Calibri"/>
+                <a:sym typeface="Calibri"/>
+              </a:defRPr>
             </a:lvl6pPr>
-            <a:lvl7pPr indent="0" lvl="6" marL="0" algn="r">
-              <a:spcBef>
-                <a:spcPts val="0"/>
-              </a:spcBef>
-              <a:buNone/>
-              <a:defRPr/>
+            <a:lvl7pPr indent="0" lvl="6" marL="0" marR="0" algn="r">
+              <a:lnSpc>
+                <a:spcPct val="100000"/>
+              </a:lnSpc>
+              <a:spcBef>
+                <a:spcPts val="0"/>
+              </a:spcBef>
+              <a:spcAft>
+                <a:spcPts val="0"/>
+              </a:spcAft>
+              <a:buClr>
+                <a:srgbClr val="000000"/>
+              </a:buClr>
+              <a:buSzPts val="1200"/>
+              <a:buFont typeface="Arial"/>
+              <a:buNone/>
+              <a:defRPr b="0" i="0" sz="1200" u="none" cap="none" strike="noStrike">
+                <a:solidFill>
+                  <a:srgbClr val="888888"/>
+                </a:solidFill>
+                <a:latin typeface="Calibri"/>
+                <a:ea typeface="Calibri"/>
+                <a:cs typeface="Calibri"/>
+                <a:sym typeface="Calibri"/>
+              </a:defRPr>
             </a:lvl7pPr>
-            <a:lvl8pPr indent="0" lvl="7" marL="0" algn="r">
-              <a:spcBef>
-                <a:spcPts val="0"/>
-              </a:spcBef>
-              <a:buNone/>
-              <a:defRPr/>
+            <a:lvl8pPr indent="0" lvl="7" marL="0" marR="0" algn="r">
+              <a:lnSpc>
+                <a:spcPct val="100000"/>
+              </a:lnSpc>
+              <a:spcBef>
+                <a:spcPts val="0"/>
+              </a:spcBef>
+              <a:spcAft>
+                <a:spcPts val="0"/>
+              </a:spcAft>
+              <a:buClr>
+                <a:srgbClr val="000000"/>
+              </a:buClr>
+              <a:buSzPts val="1200"/>
+              <a:buFont typeface="Arial"/>
+              <a:buNone/>
+              <a:defRPr b="0" i="0" sz="1200" u="none" cap="none" strike="noStrike">
+                <a:solidFill>
+                  <a:srgbClr val="888888"/>
+                </a:solidFill>
+                <a:latin typeface="Calibri"/>
+                <a:ea typeface="Calibri"/>
+                <a:cs typeface="Calibri"/>
+                <a:sym typeface="Calibri"/>
+              </a:defRPr>
             </a:lvl8pPr>
-            <a:lvl9pPr indent="0" lvl="8" marL="0" algn="r">
-              <a:spcBef>
-                <a:spcPts val="0"/>
-              </a:spcBef>
-              <a:buNone/>
-              <a:defRPr/>
+            <a:lvl9pPr indent="0" lvl="8" marL="0" marR="0" algn="r">
+              <a:lnSpc>
+                <a:spcPct val="100000"/>
+              </a:lnSpc>
+              <a:spcBef>
+                <a:spcPts val="0"/>
+              </a:spcBef>
+              <a:spcAft>
+                <a:spcPts val="0"/>
+              </a:spcAft>
+              <a:buClr>
+                <a:srgbClr val="000000"/>
+              </a:buClr>
+              <a:buSzPts val="1200"/>
+              <a:buFont typeface="Arial"/>
+              <a:buNone/>
+              <a:defRPr b="0" i="0" sz="1200" u="none" cap="none" strike="noStrike">
+                <a:solidFill>
+                  <a:srgbClr val="888888"/>
+                </a:solidFill>
+                <a:latin typeface="Calibri"/>
+                <a:ea typeface="Calibri"/>
+                <a:cs typeface="Calibri"/>
+                <a:sym typeface="Calibri"/>
+              </a:defRPr>
             </a:lvl9pPr>
           </a:lstStyle>
           <a:p>
@@ -9681,93 +12603,213 @@
                 <a:sym typeface="Calibri"/>
               </a:defRPr>
             </a:lvl1pPr>
-            <a:lvl2pPr lvl="1">
-              <a:spcBef>
-                <a:spcPts val="0"/>
-              </a:spcBef>
-              <a:spcAft>
-                <a:spcPts val="0"/>
-              </a:spcAft>
-              <a:buSzPts val="1400"/>
-              <a:buNone/>
-              <a:defRPr sz="1800"/>
+            <a:lvl2pPr lvl="1" marR="0" rtl="0" algn="l">
+              <a:lnSpc>
+                <a:spcPct val="100000"/>
+              </a:lnSpc>
+              <a:spcBef>
+                <a:spcPts val="0"/>
+              </a:spcBef>
+              <a:spcAft>
+                <a:spcPts val="0"/>
+              </a:spcAft>
+              <a:buClr>
+                <a:srgbClr val="000000"/>
+              </a:buClr>
+              <a:buSzPts val="1400"/>
+              <a:buFont typeface="Arial"/>
+              <a:buNone/>
+              <a:defRPr b="0" i="0" sz="1800" u="none" cap="none" strike="noStrike">
+                <a:solidFill>
+                  <a:srgbClr val="000000"/>
+                </a:solidFill>
+                <a:latin typeface="Arial"/>
+                <a:ea typeface="Arial"/>
+                <a:cs typeface="Arial"/>
+                <a:sym typeface="Arial"/>
+              </a:defRPr>
             </a:lvl2pPr>
-            <a:lvl3pPr lvl="2">
-              <a:spcBef>
-                <a:spcPts val="0"/>
-              </a:spcBef>
-              <a:spcAft>
-                <a:spcPts val="0"/>
-              </a:spcAft>
-              <a:buSzPts val="1400"/>
-              <a:buNone/>
-              <a:defRPr sz="1800"/>
+            <a:lvl3pPr lvl="2" marR="0" rtl="0" algn="l">
+              <a:lnSpc>
+                <a:spcPct val="100000"/>
+              </a:lnSpc>
+              <a:spcBef>
+                <a:spcPts val="0"/>
+              </a:spcBef>
+              <a:spcAft>
+                <a:spcPts val="0"/>
+              </a:spcAft>
+              <a:buClr>
+                <a:srgbClr val="000000"/>
+              </a:buClr>
+              <a:buSzPts val="1400"/>
+              <a:buFont typeface="Arial"/>
+              <a:buNone/>
+              <a:defRPr b="0" i="0" sz="1800" u="none" cap="none" strike="noStrike">
+                <a:solidFill>
+                  <a:srgbClr val="000000"/>
+                </a:solidFill>
+                <a:latin typeface="Arial"/>
+                <a:ea typeface="Arial"/>
+                <a:cs typeface="Arial"/>
+                <a:sym typeface="Arial"/>
+              </a:defRPr>
             </a:lvl3pPr>
-            <a:lvl4pPr lvl="3">
-              <a:spcBef>
-                <a:spcPts val="0"/>
-              </a:spcBef>
-              <a:spcAft>
-                <a:spcPts val="0"/>
-              </a:spcAft>
-              <a:buSzPts val="1400"/>
-              <a:buNone/>
-              <a:defRPr sz="1800"/>
+            <a:lvl4pPr lvl="3" marR="0" rtl="0" algn="l">
+              <a:lnSpc>
+                <a:spcPct val="100000"/>
+              </a:lnSpc>
+              <a:spcBef>
+                <a:spcPts val="0"/>
+              </a:spcBef>
+              <a:spcAft>
+                <a:spcPts val="0"/>
+              </a:spcAft>
+              <a:buClr>
+                <a:srgbClr val="000000"/>
+              </a:buClr>
+              <a:buSzPts val="1400"/>
+              <a:buFont typeface="Arial"/>
+              <a:buNone/>
+              <a:defRPr b="0" i="0" sz="1800" u="none" cap="none" strike="noStrike">
+                <a:solidFill>
+                  <a:srgbClr val="000000"/>
+                </a:solidFill>
+                <a:latin typeface="Arial"/>
+                <a:ea typeface="Arial"/>
+                <a:cs typeface="Arial"/>
+                <a:sym typeface="Arial"/>
+              </a:defRPr>
             </a:lvl4pPr>
-            <a:lvl5pPr lvl="4">
-              <a:spcBef>
-                <a:spcPts val="0"/>
-              </a:spcBef>
-              <a:spcAft>
-                <a:spcPts val="0"/>
-              </a:spcAft>
-              <a:buSzPts val="1400"/>
-              <a:buNone/>
-              <a:defRPr sz="1800"/>
+            <a:lvl5pPr lvl="4" marR="0" rtl="0" algn="l">
+              <a:lnSpc>
+                <a:spcPct val="100000"/>
+              </a:lnSpc>
+              <a:spcBef>
+                <a:spcPts val="0"/>
+              </a:spcBef>
+              <a:spcAft>
+                <a:spcPts val="0"/>
+              </a:spcAft>
+              <a:buClr>
+                <a:srgbClr val="000000"/>
+              </a:buClr>
+              <a:buSzPts val="1400"/>
+              <a:buFont typeface="Arial"/>
+              <a:buNone/>
+              <a:defRPr b="0" i="0" sz="1800" u="none" cap="none" strike="noStrike">
+                <a:solidFill>
+                  <a:srgbClr val="000000"/>
+                </a:solidFill>
+                <a:latin typeface="Arial"/>
+                <a:ea typeface="Arial"/>
+                <a:cs typeface="Arial"/>
+                <a:sym typeface="Arial"/>
+              </a:defRPr>
             </a:lvl5pPr>
-            <a:lvl6pPr lvl="5">
-              <a:spcBef>
-                <a:spcPts val="0"/>
-              </a:spcBef>
-              <a:spcAft>
-                <a:spcPts val="0"/>
-              </a:spcAft>
-              <a:buSzPts val="1400"/>
-              <a:buNone/>
-              <a:defRPr sz="1800"/>
+            <a:lvl6pPr lvl="5" marR="0" rtl="0" algn="l">
+              <a:lnSpc>
+                <a:spcPct val="100000"/>
+              </a:lnSpc>
+              <a:spcBef>
+                <a:spcPts val="0"/>
+              </a:spcBef>
+              <a:spcAft>
+                <a:spcPts val="0"/>
+              </a:spcAft>
+              <a:buClr>
+                <a:srgbClr val="000000"/>
+              </a:buClr>
+              <a:buSzPts val="1400"/>
+              <a:buFont typeface="Arial"/>
+              <a:buNone/>
+              <a:defRPr b="0" i="0" sz="1800" u="none" cap="none" strike="noStrike">
+                <a:solidFill>
+                  <a:srgbClr val="000000"/>
+                </a:solidFill>
+                <a:latin typeface="Arial"/>
+                <a:ea typeface="Arial"/>
+                <a:cs typeface="Arial"/>
+                <a:sym typeface="Arial"/>
+              </a:defRPr>
             </a:lvl6pPr>
-            <a:lvl7pPr lvl="6">
-              <a:spcBef>
-                <a:spcPts val="0"/>
-              </a:spcBef>
-              <a:spcAft>
-                <a:spcPts val="0"/>
-              </a:spcAft>
-              <a:buSzPts val="1400"/>
-              <a:buNone/>
-              <a:defRPr sz="1800"/>
+            <a:lvl7pPr lvl="6" marR="0" rtl="0" algn="l">
+              <a:lnSpc>
+                <a:spcPct val="100000"/>
+              </a:lnSpc>
+              <a:spcBef>
+                <a:spcPts val="0"/>
+              </a:spcBef>
+              <a:spcAft>
+                <a:spcPts val="0"/>
+              </a:spcAft>
+              <a:buClr>
+                <a:srgbClr val="000000"/>
+              </a:buClr>
+              <a:buSzPts val="1400"/>
+              <a:buFont typeface="Arial"/>
+              <a:buNone/>
+              <a:defRPr b="0" i="0" sz="1800" u="none" cap="none" strike="noStrike">
+                <a:solidFill>
+                  <a:srgbClr val="000000"/>
+                </a:solidFill>
+                <a:latin typeface="Arial"/>
+                <a:ea typeface="Arial"/>
+                <a:cs typeface="Arial"/>
+                <a:sym typeface="Arial"/>
+              </a:defRPr>
             </a:lvl7pPr>
-            <a:lvl8pPr lvl="7">
-              <a:spcBef>
-                <a:spcPts val="0"/>
-              </a:spcBef>
-              <a:spcAft>
-                <a:spcPts val="0"/>
-              </a:spcAft>
-              <a:buSzPts val="1400"/>
-              <a:buNone/>
-              <a:defRPr sz="1800"/>
+            <a:lvl8pPr lvl="7" marR="0" rtl="0" algn="l">
+              <a:lnSpc>
+                <a:spcPct val="100000"/>
+              </a:lnSpc>
+              <a:spcBef>
+                <a:spcPts val="0"/>
+              </a:spcBef>
+              <a:spcAft>
+                <a:spcPts val="0"/>
+              </a:spcAft>
+              <a:buClr>
+                <a:srgbClr val="000000"/>
+              </a:buClr>
+              <a:buSzPts val="1400"/>
+              <a:buFont typeface="Arial"/>
+              <a:buNone/>
+              <a:defRPr b="0" i="0" sz="1800" u="none" cap="none" strike="noStrike">
+                <a:solidFill>
+                  <a:srgbClr val="000000"/>
+                </a:solidFill>
+                <a:latin typeface="Arial"/>
+                <a:ea typeface="Arial"/>
+                <a:cs typeface="Arial"/>
+                <a:sym typeface="Arial"/>
+              </a:defRPr>
             </a:lvl8pPr>
-            <a:lvl9pPr lvl="8">
-              <a:spcBef>
-                <a:spcPts val="0"/>
-              </a:spcBef>
-              <a:spcAft>
-                <a:spcPts val="0"/>
-              </a:spcAft>
-              <a:buSzPts val="1400"/>
-              <a:buNone/>
-              <a:defRPr sz="1800"/>
+            <a:lvl9pPr lvl="8" marR="0" rtl="0" algn="l">
+              <a:lnSpc>
+                <a:spcPct val="100000"/>
+              </a:lnSpc>
+              <a:spcBef>
+                <a:spcPts val="0"/>
+              </a:spcBef>
+              <a:spcAft>
+                <a:spcPts val="0"/>
+              </a:spcAft>
+              <a:buClr>
+                <a:srgbClr val="000000"/>
+              </a:buClr>
+              <a:buSzPts val="1400"/>
+              <a:buFont typeface="Arial"/>
+              <a:buNone/>
+              <a:defRPr b="0" i="0" sz="1800" u="none" cap="none" strike="noStrike">
+                <a:solidFill>
+                  <a:srgbClr val="000000"/>
+                </a:solidFill>
+                <a:latin typeface="Arial"/>
+                <a:ea typeface="Arial"/>
+                <a:cs typeface="Arial"/>
+                <a:sym typeface="Arial"/>
+              </a:defRPr>
             </a:lvl9pPr>
           </a:lstStyle>
           <a:p/>
@@ -10064,13 +13106,20 @@
           </a:bodyPr>
           <a:lstStyle>
             <a:lvl1pPr lvl="0" marR="0" rtl="0" algn="l">
-              <a:spcBef>
-                <a:spcPts val="0"/>
-              </a:spcBef>
-              <a:spcAft>
-                <a:spcPts val="0"/>
-              </a:spcAft>
-              <a:buSzPts val="1400"/>
+              <a:lnSpc>
+                <a:spcPct val="100000"/>
+              </a:lnSpc>
+              <a:spcBef>
+                <a:spcPts val="0"/>
+              </a:spcBef>
+              <a:spcAft>
+                <a:spcPts val="0"/>
+              </a:spcAft>
+              <a:buClr>
+                <a:srgbClr val="000000"/>
+              </a:buClr>
+              <a:buSzPts val="1400"/>
+              <a:buFont typeface="Arial"/>
               <a:buNone/>
               <a:defRPr b="0" i="0" sz="1200" u="none" cap="none" strike="noStrike">
                 <a:solidFill>
@@ -10083,13 +13132,20 @@
               </a:defRPr>
             </a:lvl1pPr>
             <a:lvl2pPr lvl="1" marR="0" rtl="0" algn="l">
-              <a:spcBef>
-                <a:spcPts val="0"/>
-              </a:spcBef>
-              <a:spcAft>
-                <a:spcPts val="0"/>
-              </a:spcAft>
-              <a:buSzPts val="1400"/>
+              <a:lnSpc>
+                <a:spcPct val="100000"/>
+              </a:lnSpc>
+              <a:spcBef>
+                <a:spcPts val="0"/>
+              </a:spcBef>
+              <a:spcAft>
+                <a:spcPts val="0"/>
+              </a:spcAft>
+              <a:buClr>
+                <a:srgbClr val="000000"/>
+              </a:buClr>
+              <a:buSzPts val="1400"/>
+              <a:buFont typeface="Arial"/>
               <a:buNone/>
               <a:defRPr b="0" i="0" sz="1800" u="none" cap="none" strike="noStrike">
                 <a:solidFill>
@@ -10102,13 +13158,20 @@
               </a:defRPr>
             </a:lvl2pPr>
             <a:lvl3pPr lvl="2" marR="0" rtl="0" algn="l">
-              <a:spcBef>
-                <a:spcPts val="0"/>
-              </a:spcBef>
-              <a:spcAft>
-                <a:spcPts val="0"/>
-              </a:spcAft>
-              <a:buSzPts val="1400"/>
+              <a:lnSpc>
+                <a:spcPct val="100000"/>
+              </a:lnSpc>
+              <a:spcBef>
+                <a:spcPts val="0"/>
+              </a:spcBef>
+              <a:spcAft>
+                <a:spcPts val="0"/>
+              </a:spcAft>
+              <a:buClr>
+                <a:srgbClr val="000000"/>
+              </a:buClr>
+              <a:buSzPts val="1400"/>
+              <a:buFont typeface="Arial"/>
               <a:buNone/>
               <a:defRPr b="0" i="0" sz="1800" u="none" cap="none" strike="noStrike">
                 <a:solidFill>
@@ -10121,13 +13184,20 @@
               </a:defRPr>
             </a:lvl3pPr>
             <a:lvl4pPr lvl="3" marR="0" rtl="0" algn="l">
-              <a:spcBef>
-                <a:spcPts val="0"/>
-              </a:spcBef>
-              <a:spcAft>
-                <a:spcPts val="0"/>
-              </a:spcAft>
-              <a:buSzPts val="1400"/>
+              <a:lnSpc>
+                <a:spcPct val="100000"/>
+              </a:lnSpc>
+              <a:spcBef>
+                <a:spcPts val="0"/>
+              </a:spcBef>
+              <a:spcAft>
+                <a:spcPts val="0"/>
+              </a:spcAft>
+              <a:buClr>
+                <a:srgbClr val="000000"/>
+              </a:buClr>
+              <a:buSzPts val="1400"/>
+              <a:buFont typeface="Arial"/>
               <a:buNone/>
               <a:defRPr b="0" i="0" sz="1800" u="none" cap="none" strike="noStrike">
                 <a:solidFill>
@@ -10140,13 +13210,20 @@
               </a:defRPr>
             </a:lvl4pPr>
             <a:lvl5pPr lvl="4" marR="0" rtl="0" algn="l">
-              <a:spcBef>
-                <a:spcPts val="0"/>
-              </a:spcBef>
-              <a:spcAft>
-                <a:spcPts val="0"/>
-              </a:spcAft>
-              <a:buSzPts val="1400"/>
+              <a:lnSpc>
+                <a:spcPct val="100000"/>
+              </a:lnSpc>
+              <a:spcBef>
+                <a:spcPts val="0"/>
+              </a:spcBef>
+              <a:spcAft>
+                <a:spcPts val="0"/>
+              </a:spcAft>
+              <a:buClr>
+                <a:srgbClr val="000000"/>
+              </a:buClr>
+              <a:buSzPts val="1400"/>
+              <a:buFont typeface="Arial"/>
               <a:buNone/>
               <a:defRPr b="0" i="0" sz="1800" u="none" cap="none" strike="noStrike">
                 <a:solidFill>
@@ -10159,13 +13236,20 @@
               </a:defRPr>
             </a:lvl5pPr>
             <a:lvl6pPr lvl="5" marR="0" rtl="0" algn="l">
-              <a:spcBef>
-                <a:spcPts val="0"/>
-              </a:spcBef>
-              <a:spcAft>
-                <a:spcPts val="0"/>
-              </a:spcAft>
-              <a:buSzPts val="1400"/>
+              <a:lnSpc>
+                <a:spcPct val="100000"/>
+              </a:lnSpc>
+              <a:spcBef>
+                <a:spcPts val="0"/>
+              </a:spcBef>
+              <a:spcAft>
+                <a:spcPts val="0"/>
+              </a:spcAft>
+              <a:buClr>
+                <a:srgbClr val="000000"/>
+              </a:buClr>
+              <a:buSzPts val="1400"/>
+              <a:buFont typeface="Arial"/>
               <a:buNone/>
               <a:defRPr b="0" i="0" sz="1800" u="none" cap="none" strike="noStrike">
                 <a:solidFill>
@@ -10178,13 +13262,20 @@
               </a:defRPr>
             </a:lvl6pPr>
             <a:lvl7pPr lvl="6" marR="0" rtl="0" algn="l">
-              <a:spcBef>
-                <a:spcPts val="0"/>
-              </a:spcBef>
-              <a:spcAft>
-                <a:spcPts val="0"/>
-              </a:spcAft>
-              <a:buSzPts val="1400"/>
+              <a:lnSpc>
+                <a:spcPct val="100000"/>
+              </a:lnSpc>
+              <a:spcBef>
+                <a:spcPts val="0"/>
+              </a:spcBef>
+              <a:spcAft>
+                <a:spcPts val="0"/>
+              </a:spcAft>
+              <a:buClr>
+                <a:srgbClr val="000000"/>
+              </a:buClr>
+              <a:buSzPts val="1400"/>
+              <a:buFont typeface="Arial"/>
               <a:buNone/>
               <a:defRPr b="0" i="0" sz="1800" u="none" cap="none" strike="noStrike">
                 <a:solidFill>
@@ -10197,13 +13288,20 @@
               </a:defRPr>
             </a:lvl7pPr>
             <a:lvl8pPr lvl="7" marR="0" rtl="0" algn="l">
-              <a:spcBef>
-                <a:spcPts val="0"/>
-              </a:spcBef>
-              <a:spcAft>
-                <a:spcPts val="0"/>
-              </a:spcAft>
-              <a:buSzPts val="1400"/>
+              <a:lnSpc>
+                <a:spcPct val="100000"/>
+              </a:lnSpc>
+              <a:spcBef>
+                <a:spcPts val="0"/>
+              </a:spcBef>
+              <a:spcAft>
+                <a:spcPts val="0"/>
+              </a:spcAft>
+              <a:buClr>
+                <a:srgbClr val="000000"/>
+              </a:buClr>
+              <a:buSzPts val="1400"/>
+              <a:buFont typeface="Arial"/>
               <a:buNone/>
               <a:defRPr b="0" i="0" sz="1800" u="none" cap="none" strike="noStrike">
                 <a:solidFill>
@@ -10216,13 +13314,20 @@
               </a:defRPr>
             </a:lvl8pPr>
             <a:lvl9pPr lvl="8" marR="0" rtl="0" algn="l">
-              <a:spcBef>
-                <a:spcPts val="0"/>
-              </a:spcBef>
-              <a:spcAft>
-                <a:spcPts val="0"/>
-              </a:spcAft>
-              <a:buSzPts val="1400"/>
+              <a:lnSpc>
+                <a:spcPct val="100000"/>
+              </a:lnSpc>
+              <a:spcBef>
+                <a:spcPts val="0"/>
+              </a:spcBef>
+              <a:spcAft>
+                <a:spcPts val="0"/>
+              </a:spcAft>
+              <a:buClr>
+                <a:srgbClr val="000000"/>
+              </a:buClr>
+              <a:buSzPts val="1400"/>
+              <a:buFont typeface="Arial"/>
               <a:buNone/>
               <a:defRPr b="0" i="0" sz="1800" u="none" cap="none" strike="noStrike">
                 <a:solidFill>
@@ -10265,13 +13370,20 @@
           </a:bodyPr>
           <a:lstStyle>
             <a:lvl1pPr lvl="0" marR="0" rtl="0" algn="ctr">
-              <a:spcBef>
-                <a:spcPts val="0"/>
-              </a:spcBef>
-              <a:spcAft>
-                <a:spcPts val="0"/>
-              </a:spcAft>
-              <a:buSzPts val="1400"/>
+              <a:lnSpc>
+                <a:spcPct val="100000"/>
+              </a:lnSpc>
+              <a:spcBef>
+                <a:spcPts val="0"/>
+              </a:spcBef>
+              <a:spcAft>
+                <a:spcPts val="0"/>
+              </a:spcAft>
+              <a:buClr>
+                <a:srgbClr val="000000"/>
+              </a:buClr>
+              <a:buSzPts val="1400"/>
+              <a:buFont typeface="Arial"/>
               <a:buNone/>
               <a:defRPr b="0" i="0" sz="1200" u="none" cap="none" strike="noStrike">
                 <a:solidFill>
@@ -10284,13 +13396,20 @@
               </a:defRPr>
             </a:lvl1pPr>
             <a:lvl2pPr lvl="1" marR="0" rtl="0" algn="l">
-              <a:spcBef>
-                <a:spcPts val="0"/>
-              </a:spcBef>
-              <a:spcAft>
-                <a:spcPts val="0"/>
-              </a:spcAft>
-              <a:buSzPts val="1400"/>
+              <a:lnSpc>
+                <a:spcPct val="100000"/>
+              </a:lnSpc>
+              <a:spcBef>
+                <a:spcPts val="0"/>
+              </a:spcBef>
+              <a:spcAft>
+                <a:spcPts val="0"/>
+              </a:spcAft>
+              <a:buClr>
+                <a:srgbClr val="000000"/>
+              </a:buClr>
+              <a:buSzPts val="1400"/>
+              <a:buFont typeface="Arial"/>
               <a:buNone/>
               <a:defRPr b="0" i="0" sz="1800" u="none" cap="none" strike="noStrike">
                 <a:solidFill>
@@ -10303,13 +13422,20 @@
               </a:defRPr>
             </a:lvl2pPr>
             <a:lvl3pPr lvl="2" marR="0" rtl="0" algn="l">
-              <a:spcBef>
-                <a:spcPts val="0"/>
-              </a:spcBef>
-              <a:spcAft>
-                <a:spcPts val="0"/>
-              </a:spcAft>
-              <a:buSzPts val="1400"/>
+              <a:lnSpc>
+                <a:spcPct val="100000"/>
+              </a:lnSpc>
+              <a:spcBef>
+                <a:spcPts val="0"/>
+              </a:spcBef>
+              <a:spcAft>
+                <a:spcPts val="0"/>
+              </a:spcAft>
+              <a:buClr>
+                <a:srgbClr val="000000"/>
+              </a:buClr>
+              <a:buSzPts val="1400"/>
+              <a:buFont typeface="Arial"/>
               <a:buNone/>
               <a:defRPr b="0" i="0" sz="1800" u="none" cap="none" strike="noStrike">
                 <a:solidFill>
@@ -10322,13 +13448,20 @@
               </a:defRPr>
             </a:lvl3pPr>
             <a:lvl4pPr lvl="3" marR="0" rtl="0" algn="l">
-              <a:spcBef>
-                <a:spcPts val="0"/>
-              </a:spcBef>
-              <a:spcAft>
-                <a:spcPts val="0"/>
-              </a:spcAft>
-              <a:buSzPts val="1400"/>
+              <a:lnSpc>
+                <a:spcPct val="100000"/>
+              </a:lnSpc>
+              <a:spcBef>
+                <a:spcPts val="0"/>
+              </a:spcBef>
+              <a:spcAft>
+                <a:spcPts val="0"/>
+              </a:spcAft>
+              <a:buClr>
+                <a:srgbClr val="000000"/>
+              </a:buClr>
+              <a:buSzPts val="1400"/>
+              <a:buFont typeface="Arial"/>
               <a:buNone/>
               <a:defRPr b="0" i="0" sz="1800" u="none" cap="none" strike="noStrike">
                 <a:solidFill>
@@ -10341,13 +13474,20 @@
               </a:defRPr>
             </a:lvl4pPr>
             <a:lvl5pPr lvl="4" marR="0" rtl="0" algn="l">
-              <a:spcBef>
-                <a:spcPts val="0"/>
-              </a:spcBef>
-              <a:spcAft>
-                <a:spcPts val="0"/>
-              </a:spcAft>
-              <a:buSzPts val="1400"/>
+              <a:lnSpc>
+                <a:spcPct val="100000"/>
+              </a:lnSpc>
+              <a:spcBef>
+                <a:spcPts val="0"/>
+              </a:spcBef>
+              <a:spcAft>
+                <a:spcPts val="0"/>
+              </a:spcAft>
+              <a:buClr>
+                <a:srgbClr val="000000"/>
+              </a:buClr>
+              <a:buSzPts val="1400"/>
+              <a:buFont typeface="Arial"/>
               <a:buNone/>
               <a:defRPr b="0" i="0" sz="1800" u="none" cap="none" strike="noStrike">
                 <a:solidFill>
@@ -10360,13 +13500,20 @@
               </a:defRPr>
             </a:lvl5pPr>
             <a:lvl6pPr lvl="5" marR="0" rtl="0" algn="l">
-              <a:spcBef>
-                <a:spcPts val="0"/>
-              </a:spcBef>
-              <a:spcAft>
-                <a:spcPts val="0"/>
-              </a:spcAft>
-              <a:buSzPts val="1400"/>
+              <a:lnSpc>
+                <a:spcPct val="100000"/>
+              </a:lnSpc>
+              <a:spcBef>
+                <a:spcPts val="0"/>
+              </a:spcBef>
+              <a:spcAft>
+                <a:spcPts val="0"/>
+              </a:spcAft>
+              <a:buClr>
+                <a:srgbClr val="000000"/>
+              </a:buClr>
+              <a:buSzPts val="1400"/>
+              <a:buFont typeface="Arial"/>
               <a:buNone/>
               <a:defRPr b="0" i="0" sz="1800" u="none" cap="none" strike="noStrike">
                 <a:solidFill>
@@ -10379,13 +13526,20 @@
               </a:defRPr>
             </a:lvl6pPr>
             <a:lvl7pPr lvl="6" marR="0" rtl="0" algn="l">
-              <a:spcBef>
-                <a:spcPts val="0"/>
-              </a:spcBef>
-              <a:spcAft>
-                <a:spcPts val="0"/>
-              </a:spcAft>
-              <a:buSzPts val="1400"/>
+              <a:lnSpc>
+                <a:spcPct val="100000"/>
+              </a:lnSpc>
+              <a:spcBef>
+                <a:spcPts val="0"/>
+              </a:spcBef>
+              <a:spcAft>
+                <a:spcPts val="0"/>
+              </a:spcAft>
+              <a:buClr>
+                <a:srgbClr val="000000"/>
+              </a:buClr>
+              <a:buSzPts val="1400"/>
+              <a:buFont typeface="Arial"/>
               <a:buNone/>
               <a:defRPr b="0" i="0" sz="1800" u="none" cap="none" strike="noStrike">
                 <a:solidFill>
@@ -10398,13 +13552,20 @@
               </a:defRPr>
             </a:lvl7pPr>
             <a:lvl8pPr lvl="7" marR="0" rtl="0" algn="l">
-              <a:spcBef>
-                <a:spcPts val="0"/>
-              </a:spcBef>
-              <a:spcAft>
-                <a:spcPts val="0"/>
-              </a:spcAft>
-              <a:buSzPts val="1400"/>
+              <a:lnSpc>
+                <a:spcPct val="100000"/>
+              </a:lnSpc>
+              <a:spcBef>
+                <a:spcPts val="0"/>
+              </a:spcBef>
+              <a:spcAft>
+                <a:spcPts val="0"/>
+              </a:spcAft>
+              <a:buClr>
+                <a:srgbClr val="000000"/>
+              </a:buClr>
+              <a:buSzPts val="1400"/>
+              <a:buFont typeface="Arial"/>
               <a:buNone/>
               <a:defRPr b="0" i="0" sz="1800" u="none" cap="none" strike="noStrike">
                 <a:solidFill>
@@ -10417,13 +13578,20 @@
               </a:defRPr>
             </a:lvl8pPr>
             <a:lvl9pPr lvl="8" marR="0" rtl="0" algn="l">
-              <a:spcBef>
-                <a:spcPts val="0"/>
-              </a:spcBef>
-              <a:spcAft>
-                <a:spcPts val="0"/>
-              </a:spcAft>
-              <a:buSzPts val="1400"/>
+              <a:lnSpc>
+                <a:spcPct val="100000"/>
+              </a:lnSpc>
+              <a:spcBef>
+                <a:spcPts val="0"/>
+              </a:spcBef>
+              <a:spcAft>
+                <a:spcPts val="0"/>
+              </a:spcAft>
+              <a:buClr>
+                <a:srgbClr val="000000"/>
+              </a:buClr>
+              <a:buSzPts val="1400"/>
+              <a:buFont typeface="Arial"/>
               <a:buNone/>
               <a:defRPr b="0" i="0" sz="1800" u="none" cap="none" strike="noStrike">
                 <a:solidFill>
@@ -10466,9 +13634,20 @@
           </a:bodyPr>
           <a:lstStyle>
             <a:lvl1pPr indent="0" lvl="0" marL="0" marR="0" rtl="0" algn="r">
-              <a:spcBef>
-                <a:spcPts val="0"/>
-              </a:spcBef>
+              <a:lnSpc>
+                <a:spcPct val="100000"/>
+              </a:lnSpc>
+              <a:spcBef>
+                <a:spcPts val="0"/>
+              </a:spcBef>
+              <a:spcAft>
+                <a:spcPts val="0"/>
+              </a:spcAft>
+              <a:buClr>
+                <a:srgbClr val="000000"/>
+              </a:buClr>
+              <a:buSzPts val="1200"/>
+              <a:buFont typeface="Arial"/>
               <a:buNone/>
               <a:defRPr b="0" i="0" sz="1200" u="none" cap="none" strike="noStrike">
                 <a:solidFill>
@@ -10481,9 +13660,20 @@
               </a:defRPr>
             </a:lvl1pPr>
             <a:lvl2pPr indent="0" lvl="1" marL="0" marR="0" rtl="0" algn="r">
-              <a:spcBef>
-                <a:spcPts val="0"/>
-              </a:spcBef>
+              <a:lnSpc>
+                <a:spcPct val="100000"/>
+              </a:lnSpc>
+              <a:spcBef>
+                <a:spcPts val="0"/>
+              </a:spcBef>
+              <a:spcAft>
+                <a:spcPts val="0"/>
+              </a:spcAft>
+              <a:buClr>
+                <a:srgbClr val="000000"/>
+              </a:buClr>
+              <a:buSzPts val="1200"/>
+              <a:buFont typeface="Arial"/>
               <a:buNone/>
               <a:defRPr b="0" i="0" sz="1200" u="none" cap="none" strike="noStrike">
                 <a:solidFill>
@@ -10496,9 +13686,20 @@
               </a:defRPr>
             </a:lvl2pPr>
             <a:lvl3pPr indent="0" lvl="2" marL="0" marR="0" rtl="0" algn="r">
-              <a:spcBef>
-                <a:spcPts val="0"/>
-              </a:spcBef>
+              <a:lnSpc>
+                <a:spcPct val="100000"/>
+              </a:lnSpc>
+              <a:spcBef>
+                <a:spcPts val="0"/>
+              </a:spcBef>
+              <a:spcAft>
+                <a:spcPts val="0"/>
+              </a:spcAft>
+              <a:buClr>
+                <a:srgbClr val="000000"/>
+              </a:buClr>
+              <a:buSzPts val="1200"/>
+              <a:buFont typeface="Arial"/>
               <a:buNone/>
               <a:defRPr b="0" i="0" sz="1200" u="none" cap="none" strike="noStrike">
                 <a:solidFill>
@@ -10511,9 +13712,20 @@
               </a:defRPr>
             </a:lvl3pPr>
             <a:lvl4pPr indent="0" lvl="3" marL="0" marR="0" rtl="0" algn="r">
-              <a:spcBef>
-                <a:spcPts val="0"/>
-              </a:spcBef>
+              <a:lnSpc>
+                <a:spcPct val="100000"/>
+              </a:lnSpc>
+              <a:spcBef>
+                <a:spcPts val="0"/>
+              </a:spcBef>
+              <a:spcAft>
+                <a:spcPts val="0"/>
+              </a:spcAft>
+              <a:buClr>
+                <a:srgbClr val="000000"/>
+              </a:buClr>
+              <a:buSzPts val="1200"/>
+              <a:buFont typeface="Arial"/>
               <a:buNone/>
               <a:defRPr b="0" i="0" sz="1200" u="none" cap="none" strike="noStrike">
                 <a:solidFill>
@@ -10526,9 +13738,20 @@
               </a:defRPr>
             </a:lvl4pPr>
             <a:lvl5pPr indent="0" lvl="4" marL="0" marR="0" rtl="0" algn="r">
-              <a:spcBef>
-                <a:spcPts val="0"/>
-              </a:spcBef>
+              <a:lnSpc>
+                <a:spcPct val="100000"/>
+              </a:lnSpc>
+              <a:spcBef>
+                <a:spcPts val="0"/>
+              </a:spcBef>
+              <a:spcAft>
+                <a:spcPts val="0"/>
+              </a:spcAft>
+              <a:buClr>
+                <a:srgbClr val="000000"/>
+              </a:buClr>
+              <a:buSzPts val="1200"/>
+              <a:buFont typeface="Arial"/>
               <a:buNone/>
               <a:defRPr b="0" i="0" sz="1200" u="none" cap="none" strike="noStrike">
                 <a:solidFill>
@@ -10541,9 +13764,20 @@
               </a:defRPr>
             </a:lvl5pPr>
             <a:lvl6pPr indent="0" lvl="5" marL="0" marR="0" rtl="0" algn="r">
-              <a:spcBef>
-                <a:spcPts val="0"/>
-              </a:spcBef>
+              <a:lnSpc>
+                <a:spcPct val="100000"/>
+              </a:lnSpc>
+              <a:spcBef>
+                <a:spcPts val="0"/>
+              </a:spcBef>
+              <a:spcAft>
+                <a:spcPts val="0"/>
+              </a:spcAft>
+              <a:buClr>
+                <a:srgbClr val="000000"/>
+              </a:buClr>
+              <a:buSzPts val="1200"/>
+              <a:buFont typeface="Arial"/>
               <a:buNone/>
               <a:defRPr b="0" i="0" sz="1200" u="none" cap="none" strike="noStrike">
                 <a:solidFill>
@@ -10556,9 +13790,20 @@
               </a:defRPr>
             </a:lvl6pPr>
             <a:lvl7pPr indent="0" lvl="6" marL="0" marR="0" rtl="0" algn="r">
-              <a:spcBef>
-                <a:spcPts val="0"/>
-              </a:spcBef>
+              <a:lnSpc>
+                <a:spcPct val="100000"/>
+              </a:lnSpc>
+              <a:spcBef>
+                <a:spcPts val="0"/>
+              </a:spcBef>
+              <a:spcAft>
+                <a:spcPts val="0"/>
+              </a:spcAft>
+              <a:buClr>
+                <a:srgbClr val="000000"/>
+              </a:buClr>
+              <a:buSzPts val="1200"/>
+              <a:buFont typeface="Arial"/>
               <a:buNone/>
               <a:defRPr b="0" i="0" sz="1200" u="none" cap="none" strike="noStrike">
                 <a:solidFill>
@@ -10571,9 +13816,20 @@
               </a:defRPr>
             </a:lvl7pPr>
             <a:lvl8pPr indent="0" lvl="7" marL="0" marR="0" rtl="0" algn="r">
-              <a:spcBef>
-                <a:spcPts val="0"/>
-              </a:spcBef>
+              <a:lnSpc>
+                <a:spcPct val="100000"/>
+              </a:lnSpc>
+              <a:spcBef>
+                <a:spcPts val="0"/>
+              </a:spcBef>
+              <a:spcAft>
+                <a:spcPts val="0"/>
+              </a:spcAft>
+              <a:buClr>
+                <a:srgbClr val="000000"/>
+              </a:buClr>
+              <a:buSzPts val="1200"/>
+              <a:buFont typeface="Arial"/>
               <a:buNone/>
               <a:defRPr b="0" i="0" sz="1200" u="none" cap="none" strike="noStrike">
                 <a:solidFill>
@@ -10586,9 +13842,20 @@
               </a:defRPr>
             </a:lvl8pPr>
             <a:lvl9pPr indent="0" lvl="8" marL="0" marR="0" rtl="0" algn="r">
-              <a:spcBef>
-                <a:spcPts val="0"/>
-              </a:spcBef>
+              <a:lnSpc>
+                <a:spcPct val="100000"/>
+              </a:lnSpc>
+              <a:spcBef>
+                <a:spcPts val="0"/>
+              </a:spcBef>
+              <a:spcAft>
+                <a:spcPts val="0"/>
+              </a:spcAft>
+              <a:buClr>
+                <a:srgbClr val="000000"/>
+              </a:buClr>
+              <a:buSzPts val="1200"/>
+              <a:buFont typeface="Arial"/>
               <a:buNone/>
               <a:defRPr b="0" i="0" sz="1200" u="none" cap="none" strike="noStrike">
                 <a:solidFill>
@@ -11394,12 +14661,20 @@
           <a:lstStyle/>
           <a:p>
             <a:pPr indent="0" lvl="0" marL="0" marR="0" rtl="0" algn="ctr">
-              <a:spcBef>
-                <a:spcPts val="0"/>
-              </a:spcBef>
-              <a:spcAft>
-                <a:spcPts val="0"/>
-              </a:spcAft>
+              <a:lnSpc>
+                <a:spcPct val="100000"/>
+              </a:lnSpc>
+              <a:spcBef>
+                <a:spcPts val="0"/>
+              </a:spcBef>
+              <a:spcAft>
+                <a:spcPts val="0"/>
+              </a:spcAft>
+              <a:buClr>
+                <a:srgbClr val="000000"/>
+              </a:buClr>
+              <a:buSzPts val="1800"/>
+              <a:buFont typeface="Arial"/>
               <a:buNone/>
             </a:pPr>
             <a:r>
@@ -11532,6 +14807,9 @@
           <a:lstStyle/>
           <a:p>
             <a:pPr indent="0" lvl="0" marL="0" rtl="0" algn="ctr">
+              <a:lnSpc>
+                <a:spcPct val="90000"/>
+              </a:lnSpc>
               <a:spcBef>
                 <a:spcPts val="0"/>
               </a:spcBef>
@@ -11623,7 +14901,7 @@
         <p:spPr>
           <a:xfrm>
             <a:off x="820994" y="394622"/>
-            <a:ext cx="10515600" cy="1325563"/>
+            <a:ext cx="10515600" cy="1325700"/>
           </a:xfrm>
           <a:prstGeom prst="rect">
             <a:avLst/>
@@ -11664,424 +14942,9 @@
           </a:p>
         </p:txBody>
       </p:sp>
-      <p:graphicFrame>
-        <p:nvGraphicFramePr>
-          <p:cNvPr id="93" name="Google Shape;93;p2"/>
-          <p:cNvGraphicFramePr/>
-          <p:nvPr/>
-        </p:nvGraphicFramePr>
-        <p:xfrm>
-          <a:off x="838200" y="1825625"/>
-          <a:ext cx="3000000" cy="3000000"/>
-        </p:xfrm>
-        <a:graphic>
-          <a:graphicData uri="http://schemas.openxmlformats.org/drawingml/2006/table">
-            <a:tbl>
-              <a:tblPr bandRow="1" firstCol="1">
-                <a:noFill/>
-                <a:tableStyleId>{1C7D1213-198B-4B77-80A8-34CF852121E4}</a:tableStyleId>
-              </a:tblPr>
-              <a:tblGrid>
-                <a:gridCol w="2483500"/>
-                <a:gridCol w="8032100"/>
-              </a:tblGrid>
-              <a:tr h="370850">
-                <a:tc>
-                  <a:txBody>
-                    <a:bodyPr/>
-                    <a:lstStyle/>
-                    <a:p>
-                      <a:pPr indent="0" lvl="0" marL="0" marR="0" rtl="0" algn="l">
-                        <a:spcBef>
-                          <a:spcPts val="0"/>
-                        </a:spcBef>
-                        <a:spcAft>
-                          <a:spcPts val="0"/>
-                        </a:spcAft>
-                        <a:buNone/>
-                      </a:pPr>
-                      <a:r>
-                        <a:rPr lang="it-IT" sz="1800" u="none" cap="none" strike="noStrike"/>
-                        <a:t>ID</a:t>
-                      </a:r>
-                      <a:endParaRPr/>
-                    </a:p>
-                  </a:txBody>
-                  <a:tcPr marT="45725" marB="45725" marR="91450" marL="91450"/>
-                </a:tc>
-                <a:tc>
-                  <a:txBody>
-                    <a:bodyPr/>
-                    <a:lstStyle/>
-                    <a:p>
-                      <a:pPr indent="0" lvl="0" marL="0" marR="0" rtl="0" algn="l">
-                        <a:spcBef>
-                          <a:spcPts val="0"/>
-                        </a:spcBef>
-                        <a:spcAft>
-                          <a:spcPts val="0"/>
-                        </a:spcAft>
-                        <a:buNone/>
-                      </a:pPr>
-                      <a:r>
-                        <a:rPr lang="it-IT" sz="1800"/>
-                        <a:t>1</a:t>
-                      </a:r>
-                      <a:endParaRPr sz="1800"/>
-                    </a:p>
-                  </a:txBody>
-                  <a:tcPr marT="45725" marB="45725" marR="91450" marL="91450"/>
-                </a:tc>
-              </a:tr>
-              <a:tr h="370850">
-                <a:tc>
-                  <a:txBody>
-                    <a:bodyPr/>
-                    <a:lstStyle/>
-                    <a:p>
-                      <a:pPr indent="0" lvl="0" marL="0" marR="0" rtl="0" algn="l">
-                        <a:spcBef>
-                          <a:spcPts val="0"/>
-                        </a:spcBef>
-                        <a:spcAft>
-                          <a:spcPts val="0"/>
-                        </a:spcAft>
-                        <a:buNone/>
-                      </a:pPr>
-                      <a:r>
-                        <a:rPr lang="it-IT" sz="1800"/>
-                        <a:t>Titolo</a:t>
-                      </a:r>
-                      <a:endParaRPr/>
-                    </a:p>
-                  </a:txBody>
-                  <a:tcPr marT="45725" marB="45725" marR="91450" marL="91450"/>
-                </a:tc>
-                <a:tc>
-                  <a:txBody>
-                    <a:bodyPr/>
-                    <a:lstStyle/>
-                    <a:p>
-                      <a:pPr indent="0" lvl="0" marL="0" marR="0" rtl="0" algn="l">
-                        <a:spcBef>
-                          <a:spcPts val="0"/>
-                        </a:spcBef>
-                        <a:spcAft>
-                          <a:spcPts val="0"/>
-                        </a:spcAft>
-                        <a:buNone/>
-                      </a:pPr>
-                      <a:r>
-                        <a:rPr lang="it-IT" sz="1800"/>
-                        <a:t>SiRegistra(app)</a:t>
-                      </a:r>
-                      <a:endParaRPr sz="1800"/>
-                    </a:p>
-                  </a:txBody>
-                  <a:tcPr marT="45725" marB="45725" marR="91450" marL="91450"/>
-                </a:tc>
-              </a:tr>
-              <a:tr h="370850">
-                <a:tc>
-                  <a:txBody>
-                    <a:bodyPr/>
-                    <a:lstStyle/>
-                    <a:p>
-                      <a:pPr indent="0" lvl="0" marL="0" marR="0" rtl="0" algn="l">
-                        <a:spcBef>
-                          <a:spcPts val="0"/>
-                        </a:spcBef>
-                        <a:spcAft>
-                          <a:spcPts val="0"/>
-                        </a:spcAft>
-                        <a:buNone/>
-                      </a:pPr>
-                      <a:r>
-                        <a:rPr lang="it-IT" sz="1800"/>
-                        <a:t>Versione</a:t>
-                      </a:r>
-                      <a:endParaRPr/>
-                    </a:p>
-                  </a:txBody>
-                  <a:tcPr marT="45725" marB="45725" marR="91450" marL="91450"/>
-                </a:tc>
-                <a:tc>
-                  <a:txBody>
-                    <a:bodyPr/>
-                    <a:lstStyle/>
-                    <a:p>
-                      <a:pPr indent="0" lvl="0" marL="0" marR="0" rtl="0" algn="l">
-                        <a:spcBef>
-                          <a:spcPts val="0"/>
-                        </a:spcBef>
-                        <a:spcAft>
-                          <a:spcPts val="0"/>
-                        </a:spcAft>
-                        <a:buNone/>
-                      </a:pPr>
-                      <a:r>
-                        <a:rPr lang="it-IT" sz="1800"/>
-                        <a:t>0.0.1</a:t>
-                      </a:r>
-                      <a:endParaRPr sz="1800"/>
-                    </a:p>
-                  </a:txBody>
-                  <a:tcPr marT="45725" marB="45725" marR="91450" marL="91450"/>
-                </a:tc>
-              </a:tr>
-              <a:tr h="370850">
-                <a:tc>
-                  <a:txBody>
-                    <a:bodyPr/>
-                    <a:lstStyle/>
-                    <a:p>
-                      <a:pPr indent="0" lvl="0" marL="0" marR="0" rtl="0" algn="l">
-                        <a:spcBef>
-                          <a:spcPts val="0"/>
-                        </a:spcBef>
-                        <a:spcAft>
-                          <a:spcPts val="0"/>
-                        </a:spcAft>
-                        <a:buNone/>
-                      </a:pPr>
-                      <a:r>
-                        <a:rPr lang="it-IT" sz="1800"/>
-                        <a:t>Autore</a:t>
-                      </a:r>
-                      <a:endParaRPr/>
-                    </a:p>
-                  </a:txBody>
-                  <a:tcPr marT="45725" marB="45725" marR="91450" marL="91450"/>
-                </a:tc>
-                <a:tc>
-                  <a:txBody>
-                    <a:bodyPr/>
-                    <a:lstStyle/>
-                    <a:p>
-                      <a:pPr indent="0" lvl="0" marL="0" marR="0" rtl="0" algn="l">
-                        <a:spcBef>
-                          <a:spcPts val="0"/>
-                        </a:spcBef>
-                        <a:spcAft>
-                          <a:spcPts val="0"/>
-                        </a:spcAft>
-                        <a:buNone/>
-                      </a:pPr>
-                      <a:r>
-                        <a:rPr lang="it-IT" sz="1800"/>
-                        <a:t>Nesci, Accorinti, Di</a:t>
-                      </a:r>
-                      <a:r>
-                        <a:rPr lang="it-IT" sz="1800"/>
-                        <a:t> Carmine, Rossi</a:t>
-                      </a:r>
-                      <a:endParaRPr sz="1800"/>
-                    </a:p>
-                  </a:txBody>
-                  <a:tcPr marT="45725" marB="45725" marR="91450" marL="91450"/>
-                </a:tc>
-              </a:tr>
-              <a:tr h="370850">
-                <a:tc>
-                  <a:txBody>
-                    <a:bodyPr/>
-                    <a:lstStyle/>
-                    <a:p>
-                      <a:pPr indent="0" lvl="0" marL="0" marR="0" rtl="0" algn="l">
-                        <a:spcBef>
-                          <a:spcPts val="0"/>
-                        </a:spcBef>
-                        <a:spcAft>
-                          <a:spcPts val="0"/>
-                        </a:spcAft>
-                        <a:buNone/>
-                      </a:pPr>
-                      <a:r>
-                        <a:rPr lang="it-IT" sz="1800"/>
-                        <a:t>Data ultima revisione</a:t>
-                      </a:r>
-                      <a:endParaRPr/>
-                    </a:p>
-                  </a:txBody>
-                  <a:tcPr marT="45725" marB="45725" marR="91450" marL="91450"/>
-                </a:tc>
-                <a:tc>
-                  <a:txBody>
-                    <a:bodyPr/>
-                    <a:lstStyle/>
-                    <a:p>
-                      <a:pPr indent="0" lvl="0" marL="0" marR="0" rtl="0" algn="l">
-                        <a:spcBef>
-                          <a:spcPts val="0"/>
-                        </a:spcBef>
-                        <a:spcAft>
-                          <a:spcPts val="0"/>
-                        </a:spcAft>
-                        <a:buNone/>
-                      </a:pPr>
-                      <a:r>
-                        <a:rPr lang="it-IT" sz="1800"/>
-                        <a:t>2019/12/12</a:t>
-                      </a:r>
-                      <a:endParaRPr sz="1800"/>
-                    </a:p>
-                  </a:txBody>
-                  <a:tcPr marT="45725" marB="45725" marR="91450" marL="91450"/>
-                </a:tc>
-              </a:tr>
-              <a:tr h="370850">
-                <a:tc>
-                  <a:txBody>
-                    <a:bodyPr/>
-                    <a:lstStyle/>
-                    <a:p>
-                      <a:pPr indent="0" lvl="0" marL="0" marR="0" rtl="0" algn="l">
-                        <a:spcBef>
-                          <a:spcPts val="0"/>
-                        </a:spcBef>
-                        <a:spcAft>
-                          <a:spcPts val="0"/>
-                        </a:spcAft>
-                        <a:buNone/>
-                      </a:pPr>
-                      <a:r>
-                        <a:rPr lang="it-IT" sz="1800"/>
-                        <a:t>Autore ultima revisione</a:t>
-                      </a:r>
-                      <a:endParaRPr/>
-                    </a:p>
-                  </a:txBody>
-                  <a:tcPr marT="45725" marB="45725" marR="91450" marL="91450"/>
-                </a:tc>
-                <a:tc>
-                  <a:txBody>
-                    <a:bodyPr/>
-                    <a:lstStyle/>
-                    <a:p>
-                      <a:pPr indent="0" lvl="0" marL="0" marR="0" rtl="0" algn="l">
-                        <a:spcBef>
-                          <a:spcPts val="0"/>
-                        </a:spcBef>
-                        <a:spcAft>
-                          <a:spcPts val="0"/>
-                        </a:spcAft>
-                        <a:buNone/>
-                      </a:pPr>
-                      <a:r>
-                        <a:rPr lang="it-IT" sz="1800"/>
-                        <a:t>Nesci, Accorinti, Di</a:t>
-                      </a:r>
-                      <a:r>
-                        <a:rPr lang="it-IT" sz="1800"/>
-                        <a:t> Carmine</a:t>
-                      </a:r>
-                      <a:endParaRPr sz="1800"/>
-                    </a:p>
-                  </a:txBody>
-                  <a:tcPr marT="45725" marB="45725" marR="91450" marL="91450"/>
-                </a:tc>
-              </a:tr>
-              <a:tr h="370850">
-                <a:tc>
-                  <a:txBody>
-                    <a:bodyPr/>
-                    <a:lstStyle/>
-                    <a:p>
-                      <a:pPr indent="0" lvl="0" marL="0" marR="0" rtl="0" algn="l">
-                        <a:spcBef>
-                          <a:spcPts val="0"/>
-                        </a:spcBef>
-                        <a:spcAft>
-                          <a:spcPts val="0"/>
-                        </a:spcAft>
-                        <a:buNone/>
-                      </a:pPr>
-                      <a:r>
-                        <a:rPr lang="it-IT" sz="1800"/>
-                        <a:t>Riferimenti e documenti collegati</a:t>
-                      </a:r>
-                      <a:endParaRPr/>
-                    </a:p>
-                  </a:txBody>
-                  <a:tcPr marT="45725" marB="45725" marR="91450" marL="91450"/>
-                </a:tc>
-                <a:tc>
-                  <a:txBody>
-                    <a:bodyPr/>
-                    <a:lstStyle/>
-                    <a:p>
-                      <a:pPr indent="0" lvl="0" marL="0" marR="0" rtl="0" algn="l">
-                        <a:spcBef>
-                          <a:spcPts val="0"/>
-                        </a:spcBef>
-                        <a:spcAft>
-                          <a:spcPts val="0"/>
-                        </a:spcAft>
-                        <a:buNone/>
-                      </a:pPr>
-                      <a:r>
-                        <a:t/>
-                      </a:r>
-                      <a:endParaRPr sz="1800"/>
-                    </a:p>
-                  </a:txBody>
-                  <a:tcPr marT="45725" marB="45725" marR="91450" marL="91450"/>
-                </a:tc>
-              </a:tr>
-              <a:tr h="370850">
-                <a:tc>
-                  <a:txBody>
-                    <a:bodyPr/>
-                    <a:lstStyle/>
-                    <a:p>
-                      <a:pPr indent="0" lvl="0" marL="0" marR="0" rtl="0" algn="l">
-                        <a:spcBef>
-                          <a:spcPts val="0"/>
-                        </a:spcBef>
-                        <a:spcAft>
-                          <a:spcPts val="0"/>
-                        </a:spcAft>
-                        <a:buNone/>
-                      </a:pPr>
-                      <a:r>
-                        <a:rPr lang="it-IT" sz="1800"/>
-                        <a:t>Note</a:t>
-                      </a:r>
-                      <a:endParaRPr/>
-                    </a:p>
-                  </a:txBody>
-                  <a:tcPr marT="45725" marB="45725" marR="91450" marL="91450"/>
-                </a:tc>
-                <a:tc>
-                  <a:txBody>
-                    <a:bodyPr/>
-                    <a:lstStyle/>
-                    <a:p>
-                      <a:pPr indent="0" lvl="0" marL="0" marR="0" rtl="0" algn="l">
-                        <a:spcBef>
-                          <a:spcPts val="0"/>
-                        </a:spcBef>
-                        <a:spcAft>
-                          <a:spcPts val="0"/>
-                        </a:spcAft>
-                        <a:buNone/>
-                      </a:pPr>
-                      <a:r>
-                        <a:t/>
-                      </a:r>
-                      <a:endParaRPr sz="1800"/>
-                    </a:p>
-                  </a:txBody>
-                  <a:tcPr marT="45725" marB="45725" marR="91450" marL="91450"/>
-                </a:tc>
-              </a:tr>
-            </a:tbl>
-          </a:graphicData>
-        </a:graphic>
-      </p:graphicFrame>
       <p:pic>
         <p:nvPicPr>
-          <p:cNvPr descr="Informazioni" id="94" name="Google Shape;94;p2"/>
+          <p:cNvPr descr="Informazioni" id="93" name="Google Shape;93;p2"/>
           <p:cNvPicPr preferRelativeResize="0"/>
           <p:nvPr/>
         </p:nvPicPr>
@@ -12106,6 +14969,540 @@
           </a:ln>
         </p:spPr>
       </p:pic>
+      <p:graphicFrame>
+        <p:nvGraphicFramePr>
+          <p:cNvPr id="94" name="Google Shape;94;p2"/>
+          <p:cNvGraphicFramePr/>
+          <p:nvPr/>
+        </p:nvGraphicFramePr>
+        <p:xfrm>
+          <a:off x="838200" y="1825625"/>
+          <a:ext cx="3000000" cy="3000000"/>
+        </p:xfrm>
+        <a:graphic>
+          <a:graphicData uri="http://schemas.openxmlformats.org/drawingml/2006/table">
+            <a:tbl>
+              <a:tblPr bandRow="1" firstCol="1">
+                <a:noFill/>
+                <a:tableStyleId>{646B6B93-10C8-4E09-B552-3A11CFE30509}</a:tableStyleId>
+              </a:tblPr>
+              <a:tblGrid>
+                <a:gridCol w="2483500"/>
+                <a:gridCol w="8032100"/>
+              </a:tblGrid>
+              <a:tr h="370850">
+                <a:tc>
+                  <a:txBody>
+                    <a:bodyPr/>
+                    <a:lstStyle/>
+                    <a:p>
+                      <a:pPr indent="0" lvl="0" marL="0" marR="0" rtl="0" algn="l">
+                        <a:lnSpc>
+                          <a:spcPct val="100000"/>
+                        </a:lnSpc>
+                        <a:spcBef>
+                          <a:spcPts val="0"/>
+                        </a:spcBef>
+                        <a:spcAft>
+                          <a:spcPts val="0"/>
+                        </a:spcAft>
+                        <a:buClr>
+                          <a:srgbClr val="000000"/>
+                        </a:buClr>
+                        <a:buSzPts val="1800"/>
+                        <a:buFont typeface="Arial"/>
+                        <a:buNone/>
+                      </a:pPr>
+                      <a:r>
+                        <a:rPr lang="it-IT" sz="1800" u="none" cap="none" strike="noStrike"/>
+                        <a:t>ID</a:t>
+                      </a:r>
+                      <a:endParaRPr sz="1400" u="none" cap="none" strike="noStrike"/>
+                    </a:p>
+                  </a:txBody>
+                  <a:tcPr marT="45725" marB="45725" marR="91450" marL="91450"/>
+                </a:tc>
+                <a:tc>
+                  <a:txBody>
+                    <a:bodyPr/>
+                    <a:lstStyle/>
+                    <a:p>
+                      <a:pPr indent="0" lvl="0" marL="0" marR="0" rtl="0" algn="l">
+                        <a:lnSpc>
+                          <a:spcPct val="100000"/>
+                        </a:lnSpc>
+                        <a:spcBef>
+                          <a:spcPts val="0"/>
+                        </a:spcBef>
+                        <a:spcAft>
+                          <a:spcPts val="0"/>
+                        </a:spcAft>
+                        <a:buClr>
+                          <a:srgbClr val="000000"/>
+                        </a:buClr>
+                        <a:buSzPts val="1800"/>
+                        <a:buFont typeface="Arial"/>
+                        <a:buNone/>
+                      </a:pPr>
+                      <a:r>
+                        <a:rPr lang="it-IT" sz="1800" u="none" cap="none" strike="noStrike"/>
+                        <a:t>19</a:t>
+                      </a:r>
+                      <a:endParaRPr sz="1800" u="none" cap="none" strike="noStrike"/>
+                    </a:p>
+                  </a:txBody>
+                  <a:tcPr marT="45725" marB="45725" marR="91450" marL="91450"/>
+                </a:tc>
+              </a:tr>
+              <a:tr h="370850">
+                <a:tc>
+                  <a:txBody>
+                    <a:bodyPr/>
+                    <a:lstStyle/>
+                    <a:p>
+                      <a:pPr indent="0" lvl="0" marL="0" marR="0" rtl="0" algn="l">
+                        <a:lnSpc>
+                          <a:spcPct val="100000"/>
+                        </a:lnSpc>
+                        <a:spcBef>
+                          <a:spcPts val="0"/>
+                        </a:spcBef>
+                        <a:spcAft>
+                          <a:spcPts val="0"/>
+                        </a:spcAft>
+                        <a:buClr>
+                          <a:srgbClr val="000000"/>
+                        </a:buClr>
+                        <a:buSzPts val="1800"/>
+                        <a:buFont typeface="Arial"/>
+                        <a:buNone/>
+                      </a:pPr>
+                      <a:r>
+                        <a:rPr lang="it-IT" sz="1800" u="none" cap="none" strike="noStrike"/>
+                        <a:t>Titolo</a:t>
+                      </a:r>
+                      <a:endParaRPr sz="1400" u="none" cap="none" strike="noStrike"/>
+                    </a:p>
+                  </a:txBody>
+                  <a:tcPr marT="45725" marB="45725" marR="91450" marL="91450"/>
+                </a:tc>
+                <a:tc>
+                  <a:txBody>
+                    <a:bodyPr/>
+                    <a:lstStyle/>
+                    <a:p>
+                      <a:pPr indent="0" lvl="0" marL="0" marR="0" rtl="0" algn="l">
+                        <a:lnSpc>
+                          <a:spcPct val="100000"/>
+                        </a:lnSpc>
+                        <a:spcBef>
+                          <a:spcPts val="0"/>
+                        </a:spcBef>
+                        <a:spcAft>
+                          <a:spcPts val="0"/>
+                        </a:spcAft>
+                        <a:buClr>
+                          <a:srgbClr val="000000"/>
+                        </a:buClr>
+                        <a:buSzPts val="1800"/>
+                        <a:buFont typeface="Arial"/>
+                        <a:buNone/>
+                      </a:pPr>
+                      <a:r>
+                        <a:rPr lang="it-IT" sz="1800" u="none" cap="none" strike="noStrike"/>
+                        <a:t>Annuncio_Proprietario</a:t>
+                      </a:r>
+                      <a:endParaRPr sz="1800" u="none" cap="none" strike="noStrike"/>
+                    </a:p>
+                  </a:txBody>
+                  <a:tcPr marT="45725" marB="45725" marR="91450" marL="91450"/>
+                </a:tc>
+              </a:tr>
+              <a:tr h="370850">
+                <a:tc>
+                  <a:txBody>
+                    <a:bodyPr/>
+                    <a:lstStyle/>
+                    <a:p>
+                      <a:pPr indent="0" lvl="0" marL="0" marR="0" rtl="0" algn="l">
+                        <a:lnSpc>
+                          <a:spcPct val="100000"/>
+                        </a:lnSpc>
+                        <a:spcBef>
+                          <a:spcPts val="0"/>
+                        </a:spcBef>
+                        <a:spcAft>
+                          <a:spcPts val="0"/>
+                        </a:spcAft>
+                        <a:buClr>
+                          <a:srgbClr val="000000"/>
+                        </a:buClr>
+                        <a:buSzPts val="1800"/>
+                        <a:buFont typeface="Arial"/>
+                        <a:buNone/>
+                      </a:pPr>
+                      <a:r>
+                        <a:rPr lang="it-IT" sz="1800" u="none" cap="none" strike="noStrike"/>
+                        <a:t>Versione</a:t>
+                      </a:r>
+                      <a:endParaRPr sz="1400" u="none" cap="none" strike="noStrike"/>
+                    </a:p>
+                  </a:txBody>
+                  <a:tcPr marT="45725" marB="45725" marR="91450" marL="91450"/>
+                </a:tc>
+                <a:tc>
+                  <a:txBody>
+                    <a:bodyPr/>
+                    <a:lstStyle/>
+                    <a:p>
+                      <a:pPr indent="0" lvl="0" marL="0" marR="0" rtl="0" algn="l">
+                        <a:lnSpc>
+                          <a:spcPct val="100000"/>
+                        </a:lnSpc>
+                        <a:spcBef>
+                          <a:spcPts val="0"/>
+                        </a:spcBef>
+                        <a:spcAft>
+                          <a:spcPts val="0"/>
+                        </a:spcAft>
+                        <a:buClr>
+                          <a:srgbClr val="000000"/>
+                        </a:buClr>
+                        <a:buSzPts val="1800"/>
+                        <a:buFont typeface="Arial"/>
+                        <a:buNone/>
+                      </a:pPr>
+                      <a:r>
+                        <a:rPr lang="it-IT" sz="1800" u="none" cap="none" strike="noStrike"/>
+                        <a:t>0.0.1</a:t>
+                      </a:r>
+                      <a:endParaRPr sz="1800" u="none" cap="none" strike="noStrike"/>
+                    </a:p>
+                  </a:txBody>
+                  <a:tcPr marT="45725" marB="45725" marR="91450" marL="91450"/>
+                </a:tc>
+              </a:tr>
+              <a:tr h="370850">
+                <a:tc>
+                  <a:txBody>
+                    <a:bodyPr/>
+                    <a:lstStyle/>
+                    <a:p>
+                      <a:pPr indent="0" lvl="0" marL="0" marR="0" rtl="0" algn="l">
+                        <a:lnSpc>
+                          <a:spcPct val="100000"/>
+                        </a:lnSpc>
+                        <a:spcBef>
+                          <a:spcPts val="0"/>
+                        </a:spcBef>
+                        <a:spcAft>
+                          <a:spcPts val="0"/>
+                        </a:spcAft>
+                        <a:buClr>
+                          <a:srgbClr val="000000"/>
+                        </a:buClr>
+                        <a:buSzPts val="1800"/>
+                        <a:buFont typeface="Arial"/>
+                        <a:buNone/>
+                      </a:pPr>
+                      <a:r>
+                        <a:rPr lang="it-IT" sz="1800" u="none" cap="none" strike="noStrike"/>
+                        <a:t>Autore</a:t>
+                      </a:r>
+                      <a:endParaRPr sz="1400" u="none" cap="none" strike="noStrike"/>
+                    </a:p>
+                  </a:txBody>
+                  <a:tcPr marT="45725" marB="45725" marR="91450" marL="91450"/>
+                </a:tc>
+                <a:tc>
+                  <a:txBody>
+                    <a:bodyPr/>
+                    <a:lstStyle/>
+                    <a:p>
+                      <a:pPr indent="0" lvl="0" marL="0" marR="0" rtl="0" algn="l">
+                        <a:lnSpc>
+                          <a:spcPct val="100000"/>
+                        </a:lnSpc>
+                        <a:spcBef>
+                          <a:spcPts val="0"/>
+                        </a:spcBef>
+                        <a:spcAft>
+                          <a:spcPts val="0"/>
+                        </a:spcAft>
+                        <a:buClr>
+                          <a:srgbClr val="000000"/>
+                        </a:buClr>
+                        <a:buSzPts val="1800"/>
+                        <a:buFont typeface="Arial"/>
+                        <a:buNone/>
+                      </a:pPr>
+                      <a:r>
+                        <a:rPr lang="it-IT" sz="1800" u="none" cap="none" strike="noStrike"/>
+                        <a:t> Accorinti</a:t>
+                      </a:r>
+                      <a:endParaRPr sz="1800" u="none" cap="none" strike="noStrike"/>
+                    </a:p>
+                  </a:txBody>
+                  <a:tcPr marT="45725" marB="45725" marR="91450" marL="91450"/>
+                </a:tc>
+              </a:tr>
+              <a:tr h="370850">
+                <a:tc>
+                  <a:txBody>
+                    <a:bodyPr/>
+                    <a:lstStyle/>
+                    <a:p>
+                      <a:pPr indent="0" lvl="0" marL="0" marR="0" rtl="0" algn="l">
+                        <a:lnSpc>
+                          <a:spcPct val="100000"/>
+                        </a:lnSpc>
+                        <a:spcBef>
+                          <a:spcPts val="0"/>
+                        </a:spcBef>
+                        <a:spcAft>
+                          <a:spcPts val="0"/>
+                        </a:spcAft>
+                        <a:buClr>
+                          <a:srgbClr val="000000"/>
+                        </a:buClr>
+                        <a:buSzPts val="1800"/>
+                        <a:buFont typeface="Arial"/>
+                        <a:buNone/>
+                      </a:pPr>
+                      <a:r>
+                        <a:rPr lang="it-IT" sz="1800" u="none" cap="none" strike="noStrike"/>
+                        <a:t>Data ultima revisione</a:t>
+                      </a:r>
+                      <a:endParaRPr sz="1400" u="none" cap="none" strike="noStrike"/>
+                    </a:p>
+                  </a:txBody>
+                  <a:tcPr marT="45725" marB="45725" marR="91450" marL="91450"/>
+                </a:tc>
+                <a:tc>
+                  <a:txBody>
+                    <a:bodyPr/>
+                    <a:lstStyle/>
+                    <a:p>
+                      <a:pPr indent="0" lvl="0" marL="0" marR="0" rtl="0" algn="l">
+                        <a:lnSpc>
+                          <a:spcPct val="100000"/>
+                        </a:lnSpc>
+                        <a:spcBef>
+                          <a:spcPts val="0"/>
+                        </a:spcBef>
+                        <a:spcAft>
+                          <a:spcPts val="0"/>
+                        </a:spcAft>
+                        <a:buClr>
+                          <a:srgbClr val="000000"/>
+                        </a:buClr>
+                        <a:buSzPts val="1800"/>
+                        <a:buFont typeface="Arial"/>
+                        <a:buNone/>
+                      </a:pPr>
+                      <a:r>
+                        <a:rPr lang="it-IT" sz="1800" u="none" cap="none" strike="noStrike"/>
+                        <a:t>2019/12/14</a:t>
+                      </a:r>
+                      <a:endParaRPr sz="1800" u="none" cap="none" strike="noStrike"/>
+                    </a:p>
+                  </a:txBody>
+                  <a:tcPr marT="45725" marB="45725" marR="91450" marL="91450"/>
+                </a:tc>
+              </a:tr>
+              <a:tr h="370850">
+                <a:tc>
+                  <a:txBody>
+                    <a:bodyPr/>
+                    <a:lstStyle/>
+                    <a:p>
+                      <a:pPr indent="0" lvl="0" marL="0" marR="0" rtl="0" algn="l">
+                        <a:lnSpc>
+                          <a:spcPct val="100000"/>
+                        </a:lnSpc>
+                        <a:spcBef>
+                          <a:spcPts val="0"/>
+                        </a:spcBef>
+                        <a:spcAft>
+                          <a:spcPts val="0"/>
+                        </a:spcAft>
+                        <a:buClr>
+                          <a:srgbClr val="000000"/>
+                        </a:buClr>
+                        <a:buSzPts val="1800"/>
+                        <a:buFont typeface="Arial"/>
+                        <a:buNone/>
+                      </a:pPr>
+                      <a:r>
+                        <a:rPr lang="it-IT" sz="1800" u="none" cap="none" strike="noStrike"/>
+                        <a:t>Autore ultima revisione</a:t>
+                      </a:r>
+                      <a:endParaRPr sz="1400" u="none" cap="none" strike="noStrike"/>
+                    </a:p>
+                  </a:txBody>
+                  <a:tcPr marT="45725" marB="45725" marR="91450" marL="91450"/>
+                </a:tc>
+                <a:tc>
+                  <a:txBody>
+                    <a:bodyPr/>
+                    <a:lstStyle/>
+                    <a:p>
+                      <a:pPr indent="0" lvl="0" marL="0" marR="0" rtl="0" algn="l">
+                        <a:lnSpc>
+                          <a:spcPct val="100000"/>
+                        </a:lnSpc>
+                        <a:spcBef>
+                          <a:spcPts val="0"/>
+                        </a:spcBef>
+                        <a:spcAft>
+                          <a:spcPts val="0"/>
+                        </a:spcAft>
+                        <a:buClr>
+                          <a:srgbClr val="000000"/>
+                        </a:buClr>
+                        <a:buSzPts val="1800"/>
+                        <a:buFont typeface="Arial"/>
+                        <a:buNone/>
+                      </a:pPr>
+                      <a:r>
+                        <a:t/>
+                      </a:r>
+                      <a:endParaRPr sz="1800" u="none" cap="none" strike="noStrike"/>
+                    </a:p>
+                  </a:txBody>
+                  <a:tcPr marT="45725" marB="45725" marR="91450" marL="91450"/>
+                </a:tc>
+              </a:tr>
+              <a:tr h="370850">
+                <a:tc>
+                  <a:txBody>
+                    <a:bodyPr/>
+                    <a:lstStyle/>
+                    <a:p>
+                      <a:pPr indent="0" lvl="0" marL="0" marR="0" rtl="0" algn="l">
+                        <a:lnSpc>
+                          <a:spcPct val="100000"/>
+                        </a:lnSpc>
+                        <a:spcBef>
+                          <a:spcPts val="0"/>
+                        </a:spcBef>
+                        <a:spcAft>
+                          <a:spcPts val="0"/>
+                        </a:spcAft>
+                        <a:buClr>
+                          <a:srgbClr val="000000"/>
+                        </a:buClr>
+                        <a:buSzPts val="1800"/>
+                        <a:buFont typeface="Arial"/>
+                        <a:buNone/>
+                      </a:pPr>
+                      <a:r>
+                        <a:rPr lang="it-IT" sz="1800" u="none" cap="none" strike="noStrike"/>
+                        <a:t>Riferimenti e documenti collegati</a:t>
+                      </a:r>
+                      <a:endParaRPr sz="1400" u="none" cap="none" strike="noStrike"/>
+                    </a:p>
+                  </a:txBody>
+                  <a:tcPr marT="45725" marB="45725" marR="91450" marL="91450"/>
+                </a:tc>
+                <a:tc>
+                  <a:txBody>
+                    <a:bodyPr/>
+                    <a:lstStyle/>
+                    <a:p>
+                      <a:pPr indent="0" lvl="0" marL="0" marR="0" rtl="0" algn="l">
+                        <a:lnSpc>
+                          <a:spcPct val="100000"/>
+                        </a:lnSpc>
+                        <a:spcBef>
+                          <a:spcPts val="0"/>
+                        </a:spcBef>
+                        <a:spcAft>
+                          <a:spcPts val="0"/>
+                        </a:spcAft>
+                        <a:buClr>
+                          <a:srgbClr val="000000"/>
+                        </a:buClr>
+                        <a:buSzPts val="1800"/>
+                        <a:buFont typeface="Arial"/>
+                        <a:buNone/>
+                      </a:pPr>
+                      <a:r>
+                        <a:t/>
+                      </a:r>
+                      <a:endParaRPr sz="1800" u="none" cap="none" strike="noStrike"/>
+                    </a:p>
+                  </a:txBody>
+                  <a:tcPr marT="45725" marB="45725" marR="91450" marL="91450"/>
+                </a:tc>
+              </a:tr>
+              <a:tr h="370850">
+                <a:tc>
+                  <a:txBody>
+                    <a:bodyPr/>
+                    <a:lstStyle/>
+                    <a:p>
+                      <a:pPr indent="0" lvl="0" marL="0" marR="0" rtl="0" algn="l">
+                        <a:lnSpc>
+                          <a:spcPct val="100000"/>
+                        </a:lnSpc>
+                        <a:spcBef>
+                          <a:spcPts val="0"/>
+                        </a:spcBef>
+                        <a:spcAft>
+                          <a:spcPts val="0"/>
+                        </a:spcAft>
+                        <a:buClr>
+                          <a:srgbClr val="000000"/>
+                        </a:buClr>
+                        <a:buSzPts val="1800"/>
+                        <a:buFont typeface="Arial"/>
+                        <a:buNone/>
+                      </a:pPr>
+                      <a:r>
+                        <a:rPr lang="it-IT" sz="1800" u="none" cap="none" strike="noStrike"/>
+                        <a:t>Note</a:t>
+                      </a:r>
+                      <a:endParaRPr sz="1400" u="none" cap="none" strike="noStrike"/>
+                    </a:p>
+                  </a:txBody>
+                  <a:tcPr marT="45725" marB="45725" marR="91450" marL="91450"/>
+                </a:tc>
+                <a:tc>
+                  <a:txBody>
+                    <a:bodyPr/>
+                    <a:lstStyle/>
+                    <a:p>
+                      <a:pPr indent="0" lvl="0" marL="0" marR="0" rtl="0" algn="l">
+                        <a:lnSpc>
+                          <a:spcPct val="100000"/>
+                        </a:lnSpc>
+                        <a:spcBef>
+                          <a:spcPts val="0"/>
+                        </a:spcBef>
+                        <a:spcAft>
+                          <a:spcPts val="0"/>
+                        </a:spcAft>
+                        <a:buClr>
+                          <a:srgbClr val="000000"/>
+                        </a:buClr>
+                        <a:buSzPts val="1800"/>
+                        <a:buFont typeface="Arial"/>
+                        <a:buNone/>
+                      </a:pPr>
+                      <a:r>
+                        <a:t/>
+                      </a:r>
+                      <a:endParaRPr sz="1800" u="none" cap="none" strike="noStrike"/>
+                    </a:p>
+                  </a:txBody>
+                  <a:tcPr marT="45725" marB="45725" marR="91450" marL="91450"/>
+                </a:tc>
+              </a:tr>
+            </a:tbl>
+          </a:graphicData>
+        </a:graphic>
+      </p:graphicFrame>
     </p:spTree>
   </p:cSld>
   <p:clrMapOvr>
@@ -12198,7 +15595,7 @@
             <a:tbl>
               <a:tblPr bandRow="1" firstCol="1">
                 <a:noFill/>
-                <a:tableStyleId>{1C7D1213-198B-4B77-80A8-34CF852121E4}</a:tableStyleId>
+                <a:tableStyleId>{BD7604D9-7D96-460C-B726-87094406466B}</a:tableStyleId>
               </a:tblPr>
               <a:tblGrid>
                 <a:gridCol w="2866050"/>
@@ -12211,19 +15608,27 @@
                     <a:lstStyle/>
                     <a:p>
                       <a:pPr indent="0" lvl="0" marL="0" marR="0" rtl="0" algn="l">
+                        <a:lnSpc>
+                          <a:spcPct val="100000"/>
+                        </a:lnSpc>
                         <a:spcBef>
                           <a:spcPts val="0"/>
                         </a:spcBef>
                         <a:spcAft>
                           <a:spcPts val="0"/>
                         </a:spcAft>
+                        <a:buClr>
+                          <a:srgbClr val="000000"/>
+                        </a:buClr>
+                        <a:buSzPts val="1800"/>
+                        <a:buFont typeface="Arial"/>
                         <a:buNone/>
                       </a:pPr>
                       <a:r>
-                        <a:rPr lang="it-IT" sz="1800"/>
+                        <a:rPr lang="it-IT" sz="1800" u="none" cap="none" strike="noStrike"/>
                         <a:t>Trigger</a:t>
                       </a:r>
-                      <a:endParaRPr sz="1800"/>
+                      <a:endParaRPr sz="1800" u="none" cap="none" strike="noStrike"/>
                     </a:p>
                   </a:txBody>
                   <a:tcPr marT="45725" marB="45725" marR="91450" marL="91450"/>
@@ -12234,27 +15639,27 @@
                     <a:lstStyle/>
                     <a:p>
                       <a:pPr indent="0" lvl="0" marL="0" marR="0" rtl="0" algn="l">
+                        <a:lnSpc>
+                          <a:spcPct val="100000"/>
+                        </a:lnSpc>
                         <a:spcBef>
                           <a:spcPts val="0"/>
                         </a:spcBef>
                         <a:spcAft>
                           <a:spcPts val="0"/>
                         </a:spcAft>
+                        <a:buClr>
+                          <a:srgbClr val="000000"/>
+                        </a:buClr>
+                        <a:buSzPts val="1800"/>
+                        <a:buFont typeface="Arial"/>
                         <a:buNone/>
                       </a:pPr>
                       <a:r>
-                        <a:rPr lang="it-IT" sz="1800"/>
-                        <a:t>Click</a:t>
+                        <a:rPr lang="it-IT" sz="1800" u="none" cap="none" strike="noStrike"/>
+                        <a:t>Click su registrazione </a:t>
                       </a:r>
-                      <a:r>
-                        <a:rPr lang="it-IT" sz="1800"/>
-                        <a:t> su</a:t>
-                      </a:r>
-                      <a:r>
-                        <a:rPr lang="it-IT" sz="1800"/>
-                        <a:t> registrazione </a:t>
-                      </a:r>
-                      <a:endParaRPr sz="1800"/>
+                      <a:endParaRPr sz="1800" u="none" cap="none" strike="noStrike"/>
                     </a:p>
                   </a:txBody>
                   <a:tcPr marT="45725" marB="45725" marR="91450" marL="91450"/>
@@ -12267,19 +15672,27 @@
                     <a:lstStyle/>
                     <a:p>
                       <a:pPr indent="0" lvl="0" marL="0" marR="0" rtl="0" algn="l">
+                        <a:lnSpc>
+                          <a:spcPct val="100000"/>
+                        </a:lnSpc>
                         <a:spcBef>
                           <a:spcPts val="0"/>
                         </a:spcBef>
                         <a:spcAft>
                           <a:spcPts val="0"/>
                         </a:spcAft>
+                        <a:buClr>
+                          <a:srgbClr val="000000"/>
+                        </a:buClr>
+                        <a:buSzPts val="1800"/>
+                        <a:buFont typeface="Arial"/>
                         <a:buNone/>
                       </a:pPr>
                       <a:r>
-                        <a:rPr lang="it-IT" sz="1800"/>
+                        <a:rPr lang="it-IT" sz="1800" u="none" cap="none" strike="noStrike"/>
                         <a:t>Frequenza di utilizzo</a:t>
                       </a:r>
-                      <a:endParaRPr/>
+                      <a:endParaRPr sz="1400" u="none" cap="none" strike="noStrike"/>
                     </a:p>
                   </a:txBody>
                   <a:tcPr marT="45725" marB="45725" marR="91450" marL="91450"/>
@@ -12290,23 +15703,27 @@
                     <a:lstStyle/>
                     <a:p>
                       <a:pPr indent="0" lvl="0" marL="0" marR="0" rtl="0" algn="l">
+                        <a:lnSpc>
+                          <a:spcPct val="100000"/>
+                        </a:lnSpc>
                         <a:spcBef>
                           <a:spcPts val="0"/>
                         </a:spcBef>
                         <a:spcAft>
                           <a:spcPts val="0"/>
                         </a:spcAft>
+                        <a:buClr>
+                          <a:srgbClr val="000000"/>
+                        </a:buClr>
+                        <a:buSzPts val="1800"/>
+                        <a:buFont typeface="Arial"/>
                         <a:buNone/>
                       </a:pPr>
                       <a:r>
-                        <a:rPr lang="it-IT" sz="1800"/>
-                        <a:t>1</a:t>
+                        <a:rPr lang="it-IT" sz="1800" u="none" cap="none" strike="noStrike"/>
+                        <a:t>1 volta</a:t>
                       </a:r>
-                      <a:r>
-                        <a:rPr lang="it-IT" sz="1800"/>
-                        <a:t> volta</a:t>
-                      </a:r>
-                      <a:endParaRPr sz="1800"/>
+                      <a:endParaRPr sz="1800" u="none" cap="none" strike="noStrike"/>
                     </a:p>
                   </a:txBody>
                   <a:tcPr marT="45725" marB="45725" marR="91450" marL="91450"/>
@@ -12319,19 +15736,27 @@
                     <a:lstStyle/>
                     <a:p>
                       <a:pPr indent="0" lvl="0" marL="0" marR="0" rtl="0" algn="l">
+                        <a:lnSpc>
+                          <a:spcPct val="100000"/>
+                        </a:lnSpc>
                         <a:spcBef>
                           <a:spcPts val="0"/>
                         </a:spcBef>
                         <a:spcAft>
                           <a:spcPts val="0"/>
                         </a:spcAft>
+                        <a:buClr>
+                          <a:srgbClr val="000000"/>
+                        </a:buClr>
+                        <a:buSzPts val="1800"/>
+                        <a:buFont typeface="Arial"/>
                         <a:buNone/>
                       </a:pPr>
                       <a:r>
-                        <a:rPr lang="it-IT" sz="1800"/>
+                        <a:rPr lang="it-IT" sz="1800" u="none" cap="none" strike="noStrike"/>
                         <a:t>Benefici organizzativi</a:t>
                       </a:r>
-                      <a:endParaRPr/>
+                      <a:endParaRPr sz="1400" u="none" cap="none" strike="noStrike"/>
                     </a:p>
                   </a:txBody>
                   <a:tcPr marT="45725" marB="45725" marR="91450" marL="91450"/>
@@ -12342,18 +15767,26 @@
                     <a:lstStyle/>
                     <a:p>
                       <a:pPr indent="0" lvl="0" marL="0" marR="0" rtl="0" algn="l">
+                        <a:lnSpc>
+                          <a:spcPct val="100000"/>
+                        </a:lnSpc>
                         <a:spcBef>
                           <a:spcPts val="0"/>
                         </a:spcBef>
                         <a:spcAft>
                           <a:spcPts val="0"/>
                         </a:spcAft>
+                        <a:buClr>
+                          <a:srgbClr val="000000"/>
+                        </a:buClr>
+                        <a:buSzPts val="1800"/>
+                        <a:buFont typeface="Arial"/>
                         <a:buNone/>
                       </a:pPr>
                       <a:r>
                         <a:t/>
                       </a:r>
-                      <a:endParaRPr sz="1800"/>
+                      <a:endParaRPr sz="1800" u="none" cap="none" strike="noStrike"/>
                     </a:p>
                   </a:txBody>
                   <a:tcPr marT="45725" marB="45725" marR="91450" marL="91450"/>
@@ -12366,19 +15799,27 @@
                     <a:lstStyle/>
                     <a:p>
                       <a:pPr indent="0" lvl="0" marL="0" marR="0" rtl="0" algn="l">
+                        <a:lnSpc>
+                          <a:spcPct val="100000"/>
+                        </a:lnSpc>
                         <a:spcBef>
                           <a:spcPts val="0"/>
                         </a:spcBef>
                         <a:spcAft>
                           <a:spcPts val="0"/>
                         </a:spcAft>
+                        <a:buClr>
+                          <a:srgbClr val="000000"/>
+                        </a:buClr>
+                        <a:buSzPts val="1800"/>
+                        <a:buFont typeface="Arial"/>
                         <a:buNone/>
                       </a:pPr>
                       <a:r>
-                        <a:rPr lang="it-IT" sz="1800"/>
+                        <a:rPr lang="it-IT" sz="1800" u="none" cap="none" strike="noStrike"/>
                         <a:t>Attore principale</a:t>
                       </a:r>
-                      <a:endParaRPr/>
+                      <a:endParaRPr sz="1400" u="none" cap="none" strike="noStrike"/>
                     </a:p>
                   </a:txBody>
                   <a:tcPr marT="45725" marB="45725" marR="91450" marL="91450"/>
@@ -12389,19 +15830,27 @@
                     <a:lstStyle/>
                     <a:p>
                       <a:pPr indent="0" lvl="0" marL="0" marR="0" rtl="0" algn="l">
+                        <a:lnSpc>
+                          <a:spcPct val="100000"/>
+                        </a:lnSpc>
                         <a:spcBef>
                           <a:spcPts val="0"/>
                         </a:spcBef>
                         <a:spcAft>
                           <a:spcPts val="0"/>
                         </a:spcAft>
+                        <a:buClr>
+                          <a:srgbClr val="000000"/>
+                        </a:buClr>
+                        <a:buSzPts val="1800"/>
+                        <a:buFont typeface="Arial"/>
                         <a:buNone/>
                       </a:pPr>
                       <a:r>
                         <a:rPr lang="it-IT" sz="1800"/>
-                        <a:t>UtenteAnonimo</a:t>
+                        <a:t>Proprietario</a:t>
                       </a:r>
-                      <a:endParaRPr sz="1800"/>
+                      <a:endParaRPr sz="1800" u="none" cap="none" strike="noStrike"/>
                     </a:p>
                   </a:txBody>
                   <a:tcPr marT="45725" marB="45725" marR="91450" marL="91450"/>
@@ -12414,19 +15863,27 @@
                     <a:lstStyle/>
                     <a:p>
                       <a:pPr indent="0" lvl="0" marL="0" marR="0" rtl="0" algn="l">
+                        <a:lnSpc>
+                          <a:spcPct val="100000"/>
+                        </a:lnSpc>
                         <a:spcBef>
                           <a:spcPts val="0"/>
                         </a:spcBef>
                         <a:spcAft>
                           <a:spcPts val="0"/>
                         </a:spcAft>
+                        <a:buClr>
+                          <a:srgbClr val="000000"/>
+                        </a:buClr>
+                        <a:buSzPts val="1800"/>
+                        <a:buFont typeface="Arial"/>
                         <a:buNone/>
                       </a:pPr>
                       <a:r>
-                        <a:rPr lang="it-IT" sz="1800"/>
+                        <a:rPr lang="it-IT" sz="1800" u="none" cap="none" strike="noStrike"/>
                         <a:t>Attori secondari</a:t>
                       </a:r>
-                      <a:endParaRPr/>
+                      <a:endParaRPr sz="1400" u="none" cap="none" strike="noStrike"/>
                     </a:p>
                   </a:txBody>
                   <a:tcPr marT="45725" marB="45725" marR="91450" marL="91450"/>
@@ -12437,19 +15894,27 @@
                     <a:lstStyle/>
                     <a:p>
                       <a:pPr indent="0" lvl="0" marL="0" marR="0" rtl="0" algn="l">
+                        <a:lnSpc>
+                          <a:spcPct val="100000"/>
+                        </a:lnSpc>
                         <a:spcBef>
                           <a:spcPts val="0"/>
                         </a:spcBef>
                         <a:spcAft>
                           <a:spcPts val="0"/>
                         </a:spcAft>
+                        <a:buClr>
+                          <a:srgbClr val="000000"/>
+                        </a:buClr>
+                        <a:buSzPts val="1800"/>
+                        <a:buFont typeface="Arial"/>
                         <a:buNone/>
                       </a:pPr>
                       <a:r>
-                        <a:rPr lang="it-IT" sz="1800"/>
+                        <a:rPr lang="it-IT" sz="1800" u="none" cap="none" strike="noStrike"/>
                         <a:t>Sistema</a:t>
                       </a:r>
-                      <a:endParaRPr sz="1800"/>
+                      <a:endParaRPr sz="1800" u="none" cap="none" strike="noStrike"/>
                     </a:p>
                   </a:txBody>
                   <a:tcPr marT="45725" marB="45725" marR="91450" marL="91450"/>
@@ -12462,19 +15927,27 @@
                     <a:lstStyle/>
                     <a:p>
                       <a:pPr indent="0" lvl="0" marL="0" marR="0" rtl="0" algn="l">
+                        <a:lnSpc>
+                          <a:spcPct val="100000"/>
+                        </a:lnSpc>
                         <a:spcBef>
                           <a:spcPts val="0"/>
                         </a:spcBef>
                         <a:spcAft>
                           <a:spcPts val="0"/>
                         </a:spcAft>
+                        <a:buClr>
+                          <a:srgbClr val="000000"/>
+                        </a:buClr>
+                        <a:buSzPts val="1800"/>
+                        <a:buFont typeface="Arial"/>
                         <a:buNone/>
                       </a:pPr>
                       <a:r>
-                        <a:rPr lang="it-IT" sz="1800"/>
+                        <a:rPr lang="it-IT" sz="1800" u="none" cap="none" strike="noStrike"/>
                         <a:t>Pre condizioni</a:t>
                       </a:r>
-                      <a:endParaRPr/>
+                      <a:endParaRPr sz="1400" u="none" cap="none" strike="noStrike"/>
                     </a:p>
                   </a:txBody>
                   <a:tcPr marT="45725" marB="45725" marR="91450" marL="91450"/>
@@ -12485,19 +15958,27 @@
                     <a:lstStyle/>
                     <a:p>
                       <a:pPr indent="0" lvl="0" marL="0" marR="0" rtl="0" algn="l">
+                        <a:lnSpc>
+                          <a:spcPct val="100000"/>
+                        </a:lnSpc>
                         <a:spcBef>
                           <a:spcPts val="0"/>
                         </a:spcBef>
                         <a:spcAft>
                           <a:spcPts val="0"/>
                         </a:spcAft>
+                        <a:buClr>
+                          <a:srgbClr val="000000"/>
+                        </a:buClr>
+                        <a:buSzPts val="1800"/>
+                        <a:buFont typeface="Arial"/>
                         <a:buNone/>
                       </a:pPr>
                       <a:r>
                         <a:rPr lang="it-IT" sz="1800"/>
-                        <a:t>Schermata login</a:t>
+                        <a:t>essere nella schermata principale dell’app(dopo aver publicato un annuncio)</a:t>
                       </a:r>
-                      <a:endParaRPr sz="1800"/>
+                      <a:endParaRPr sz="1800" u="none" cap="none" strike="noStrike"/>
                     </a:p>
                   </a:txBody>
                   <a:tcPr marT="45725" marB="45725" marR="91450" marL="91450"/>
@@ -12510,19 +15991,27 @@
                     <a:lstStyle/>
                     <a:p>
                       <a:pPr indent="0" lvl="0" marL="0" marR="0" rtl="0" algn="l">
+                        <a:lnSpc>
+                          <a:spcPct val="100000"/>
+                        </a:lnSpc>
                         <a:spcBef>
                           <a:spcPts val="0"/>
                         </a:spcBef>
                         <a:spcAft>
                           <a:spcPts val="0"/>
                         </a:spcAft>
+                        <a:buClr>
+                          <a:srgbClr val="000000"/>
+                        </a:buClr>
+                        <a:buSzPts val="1800"/>
+                        <a:buFont typeface="Arial"/>
                         <a:buNone/>
                       </a:pPr>
                       <a:r>
-                        <a:rPr lang="it-IT" sz="1800"/>
+                        <a:rPr lang="it-IT" sz="1800" u="none" cap="none" strike="noStrike"/>
                         <a:t>Post condizioni</a:t>
                       </a:r>
-                      <a:endParaRPr/>
+                      <a:endParaRPr sz="1400" u="none" cap="none" strike="noStrike"/>
                     </a:p>
                   </a:txBody>
                   <a:tcPr marT="45725" marB="45725" marR="91450" marL="91450"/>
@@ -12533,19 +16022,27 @@
                     <a:lstStyle/>
                     <a:p>
                       <a:pPr indent="0" lvl="0" marL="0" marR="0" rtl="0" algn="l">
+                        <a:lnSpc>
+                          <a:spcPct val="100000"/>
+                        </a:lnSpc>
                         <a:spcBef>
                           <a:spcPts val="0"/>
                         </a:spcBef>
                         <a:spcAft>
                           <a:spcPts val="0"/>
                         </a:spcAft>
+                        <a:buClr>
+                          <a:srgbClr val="000000"/>
+                        </a:buClr>
+                        <a:buSzPts val="1800"/>
+                        <a:buFont typeface="Arial"/>
                         <a:buNone/>
                       </a:pPr>
                       <a:r>
                         <a:rPr lang="it-IT" sz="1800"/>
-                        <a:t>Utente sul sito web, pagina di registrazione</a:t>
+                        <a:t>pagina principale</a:t>
                       </a:r>
-                      <a:endParaRPr sz="1800"/>
+                      <a:endParaRPr sz="1800" u="none" cap="none" strike="noStrike"/>
                     </a:p>
                   </a:txBody>
                   <a:tcPr marT="45725" marB="45725" marR="91450" marL="91450"/>
@@ -12674,7 +16171,7 @@
             <a:tbl>
               <a:tblPr bandRow="1" firstCol="1">
                 <a:noFill/>
-                <a:tableStyleId>{1C7D1213-198B-4B77-80A8-34CF852121E4}</a:tableStyleId>
+                <a:tableStyleId>{BD7604D9-7D96-460C-B726-87094406466B}</a:tableStyleId>
               </a:tblPr>
               <a:tblGrid>
                 <a:gridCol w="2688775"/>
@@ -12687,19 +16184,27 @@
                     <a:lstStyle/>
                     <a:p>
                       <a:pPr indent="0" lvl="0" marL="0" marR="0" rtl="0" algn="l">
+                        <a:lnSpc>
+                          <a:spcPct val="100000"/>
+                        </a:lnSpc>
                         <a:spcBef>
                           <a:spcPts val="0"/>
                         </a:spcBef>
                         <a:spcAft>
                           <a:spcPts val="0"/>
                         </a:spcAft>
+                        <a:buClr>
+                          <a:srgbClr val="000000"/>
+                        </a:buClr>
+                        <a:buSzPts val="1800"/>
+                        <a:buFont typeface="Arial"/>
                         <a:buNone/>
                       </a:pPr>
                       <a:r>
-                        <a:rPr lang="it-IT" sz="1800"/>
+                        <a:rPr lang="it-IT" sz="1800" u="none" cap="none" strike="noStrike"/>
                         <a:t>Flusso principale</a:t>
                       </a:r>
-                      <a:endParaRPr/>
+                      <a:endParaRPr sz="1400" u="none" cap="none" strike="noStrike"/>
                     </a:p>
                   </a:txBody>
                   <a:tcPr marT="45725" marB="45725" marR="91450" marL="91450"/>
@@ -12710,6 +16215,9 @@
                     <a:lstStyle/>
                     <a:p>
                       <a:pPr indent="0" lvl="0" marL="0" marR="0" rtl="0" algn="l">
+                        <a:lnSpc>
+                          <a:spcPct val="100000"/>
+                        </a:lnSpc>
                         <a:spcBef>
                           <a:spcPts val="0"/>
                         </a:spcBef>
@@ -12724,14 +16232,10 @@
                         <a:buNone/>
                       </a:pPr>
                       <a:r>
-                        <a:rPr lang="it-IT" sz="1800"/>
-                        <a:t>1.Click</a:t>
+                        <a:rPr lang="it-IT" sz="1800" u="none" cap="none" strike="noStrike"/>
+                        <a:t>1.Click link registrazione, 2.Apre pagina web di registrazione</a:t>
                       </a:r>
-                      <a:r>
-                        <a:rPr lang="it-IT" sz="1800"/>
-                        <a:t> link registrazione, 2.Apre pagina web di registrazione</a:t>
-                      </a:r>
-                      <a:endParaRPr sz="1800"/>
+                      <a:endParaRPr sz="1800" u="none" cap="none" strike="noStrike"/>
                     </a:p>
                   </a:txBody>
                   <a:tcPr marT="45725" marB="45725" marR="91450" marL="91450"/>
@@ -12744,19 +16248,27 @@
                     <a:lstStyle/>
                     <a:p>
                       <a:pPr indent="0" lvl="0" marL="0" marR="0" rtl="0" algn="l">
+                        <a:lnSpc>
+                          <a:spcPct val="100000"/>
+                        </a:lnSpc>
                         <a:spcBef>
                           <a:spcPts val="0"/>
                         </a:spcBef>
                         <a:spcAft>
                           <a:spcPts val="0"/>
                         </a:spcAft>
+                        <a:buClr>
+                          <a:srgbClr val="000000"/>
+                        </a:buClr>
+                        <a:buSzPts val="1800"/>
+                        <a:buFont typeface="Arial"/>
                         <a:buNone/>
                       </a:pPr>
                       <a:r>
-                        <a:rPr lang="it-IT" sz="1800"/>
+                        <a:rPr lang="it-IT" sz="1800" u="none" cap="none" strike="noStrike"/>
                         <a:t>Flusso Alternativo 1</a:t>
                       </a:r>
-                      <a:endParaRPr/>
+                      <a:endParaRPr sz="1400" u="none" cap="none" strike="noStrike"/>
                     </a:p>
                   </a:txBody>
                   <a:tcPr marT="45725" marB="45725" marR="91450" marL="91450"/>
@@ -12767,18 +16279,26 @@
                     <a:lstStyle/>
                     <a:p>
                       <a:pPr indent="0" lvl="0" marL="0" marR="0" rtl="0" algn="l">
+                        <a:lnSpc>
+                          <a:spcPct val="100000"/>
+                        </a:lnSpc>
                         <a:spcBef>
                           <a:spcPts val="0"/>
                         </a:spcBef>
                         <a:spcAft>
                           <a:spcPts val="0"/>
                         </a:spcAft>
+                        <a:buClr>
+                          <a:srgbClr val="000000"/>
+                        </a:buClr>
+                        <a:buSzPts val="1800"/>
+                        <a:buFont typeface="Arial"/>
                         <a:buNone/>
                       </a:pPr>
                       <a:r>
                         <a:t/>
                       </a:r>
-                      <a:endParaRPr sz="1800"/>
+                      <a:endParaRPr sz="1800" u="none" cap="none" strike="noStrike"/>
                     </a:p>
                   </a:txBody>
                   <a:tcPr marT="45725" marB="45725" marR="91450" marL="91450"/>
@@ -12791,19 +16311,27 @@
                     <a:lstStyle/>
                     <a:p>
                       <a:pPr indent="0" lvl="0" marL="0" marR="0" rtl="0" algn="l">
+                        <a:lnSpc>
+                          <a:spcPct val="100000"/>
+                        </a:lnSpc>
                         <a:spcBef>
                           <a:spcPts val="0"/>
                         </a:spcBef>
                         <a:spcAft>
                           <a:spcPts val="0"/>
                         </a:spcAft>
+                        <a:buClr>
+                          <a:srgbClr val="000000"/>
+                        </a:buClr>
+                        <a:buSzPts val="1800"/>
+                        <a:buFont typeface="Arial"/>
                         <a:buNone/>
                       </a:pPr>
                       <a:r>
-                        <a:rPr lang="it-IT" sz="1800"/>
+                        <a:rPr lang="it-IT" sz="1800" u="none" cap="none" strike="noStrike"/>
                         <a:t>Flusso eccezionale 1</a:t>
                       </a:r>
-                      <a:endParaRPr/>
+                      <a:endParaRPr sz="1400" u="none" cap="none" strike="noStrike"/>
                     </a:p>
                   </a:txBody>
                   <a:tcPr marT="45725" marB="45725" marR="91450" marL="91450"/>
@@ -12814,18 +16342,26 @@
                     <a:lstStyle/>
                     <a:p>
                       <a:pPr indent="0" lvl="0" marL="0" marR="0" rtl="0" algn="l">
+                        <a:lnSpc>
+                          <a:spcPct val="100000"/>
+                        </a:lnSpc>
                         <a:spcBef>
                           <a:spcPts val="0"/>
                         </a:spcBef>
                         <a:spcAft>
                           <a:spcPts val="0"/>
                         </a:spcAft>
+                        <a:buClr>
+                          <a:srgbClr val="000000"/>
+                        </a:buClr>
+                        <a:buSzPts val="1800"/>
+                        <a:buFont typeface="Arial"/>
                         <a:buNone/>
                       </a:pPr>
                       <a:r>
                         <a:t/>
                       </a:r>
-                      <a:endParaRPr sz="1800"/>
+                      <a:endParaRPr sz="1800" u="none" cap="none" strike="noStrike"/>
                     </a:p>
                   </a:txBody>
                   <a:tcPr marT="45725" marB="45725" marR="91450" marL="91450"/>
